--- a/docs/infiniticycle.pptx
+++ b/docs/infiniticycle.pptx
@@ -7,6 +7,13 @@
   <p:sldIdLst>
     <p:sldId id="256" r:id="rId2"/>
     <p:sldId id="257" r:id="rId3"/>
+    <p:sldId id="258" r:id="rId4"/>
+    <p:sldId id="259" r:id="rId5"/>
+    <p:sldId id="262" r:id="rId6"/>
+    <p:sldId id="260" r:id="rId7"/>
+    <p:sldId id="261" r:id="rId8"/>
+    <p:sldId id="263" r:id="rId9"/>
+    <p:sldId id="264" r:id="rId10"/>
   </p:sldIdLst>
   <p:sldSz cx="12192000" cy="6858000"/>
   <p:notesSz cx="6858000" cy="9144000"/>
@@ -113,7 +120,7 @@
             <a:srgbClr val="A4A3A4"/>
           </p15:clr>
         </p15:guide>
-        <p15:guide id="2" pos="3840" userDrawn="1">
+        <p15:guide id="2" pos="3096" userDrawn="1">
           <p15:clr>
             <a:srgbClr val="A4A3A4"/>
           </p15:clr>
@@ -4047,6 +4054,9 @@
               </a:path>
             </a:pathLst>
           </a:custGeom>
+          <a:solidFill>
+            <a:srgbClr val="00B0F0"/>
+          </a:solidFill>
           <a:ln>
             <a:noFill/>
           </a:ln>
@@ -4203,6 +4213,9 @@
               </a:path>
             </a:pathLst>
           </a:custGeom>
+          <a:solidFill>
+            <a:srgbClr val="C00000"/>
+          </a:solidFill>
           <a:ln>
             <a:noFill/>
           </a:ln>
@@ -4385,6 +4398,9 @@
               </a:path>
             </a:pathLst>
           </a:custGeom>
+          <a:solidFill>
+            <a:srgbClr val="00B050"/>
+          </a:solidFill>
           <a:ln>
             <a:noFill/>
           </a:ln>
@@ -4559,6 +4575,9 @@
               </a:path>
             </a:pathLst>
           </a:custGeom>
+          <a:solidFill>
+            <a:schemeClr val="accent2"/>
+          </a:solidFill>
           <a:ln>
             <a:noFill/>
           </a:ln>
@@ -4733,6 +4752,9 @@
               </a:path>
             </a:pathLst>
           </a:custGeom>
+          <a:solidFill>
+            <a:srgbClr val="FFC000"/>
+          </a:solidFill>
           <a:ln>
             <a:noFill/>
           </a:ln>
@@ -5053,6 +5075,9 @@
               </a:path>
             </a:pathLst>
           </a:custGeom>
+          <a:solidFill>
+            <a:srgbClr val="C00000"/>
+          </a:solidFill>
           <a:ln>
             <a:noFill/>
           </a:ln>
@@ -5088,6 +5113,6377 @@
     <p:extLst>
       <p:ext uri="{BB962C8B-B14F-4D97-AF65-F5344CB8AC3E}">
         <p14:creationId xmlns:p14="http://schemas.microsoft.com/office/powerpoint/2010/main" val="3049866577"/>
+      </p:ext>
+    </p:extLst>
+  </p:cSld>
+  <p:clrMapOvr>
+    <a:masterClrMapping/>
+  </p:clrMapOvr>
+</p:sld>
+</file>
+
+<file path=ppt/slides/slide3.xml><?xml version="1.0" encoding="utf-8"?>
+<p:sld xmlns:a="http://schemas.openxmlformats.org/drawingml/2006/main" xmlns:r="http://schemas.openxmlformats.org/officeDocument/2006/relationships" xmlns:p="http://schemas.openxmlformats.org/presentationml/2006/main">
+  <p:cSld>
+    <p:spTree>
+      <p:nvGrpSpPr>
+        <p:cNvPr id="1" name=""/>
+        <p:cNvGrpSpPr/>
+        <p:nvPr/>
+      </p:nvGrpSpPr>
+      <p:grpSpPr>
+        <a:xfrm>
+          <a:off x="0" y="0"/>
+          <a:ext cx="0" cy="0"/>
+          <a:chOff x="0" y="0"/>
+          <a:chExt cx="0" cy="0"/>
+        </a:xfrm>
+      </p:grpSpPr>
+      <p:sp>
+        <p:nvSpPr>
+          <p:cNvPr id="44" name="Freeform 43">
+            <a:extLst>
+              <a:ext uri="{FF2B5EF4-FFF2-40B4-BE49-F238E27FC236}">
+                <a16:creationId xmlns:a16="http://schemas.microsoft.com/office/drawing/2014/main" id="{41781A58-D8AE-04FF-76D3-A6D7F55AB7FE}"/>
+              </a:ext>
+            </a:extLst>
+          </p:cNvPr>
+          <p:cNvSpPr/>
+          <p:nvPr/>
+        </p:nvSpPr>
+        <p:spPr>
+          <a:xfrm rot="2700000">
+            <a:off x="2964049" y="1067646"/>
+            <a:ext cx="2839993" cy="1771856"/>
+          </a:xfrm>
+          <a:custGeom>
+            <a:avLst/>
+            <a:gdLst>
+              <a:gd name="connsiteX0" fmla="*/ 99803 w 2839993"/>
+              <a:gd name="connsiteY0" fmla="*/ 736508 h 1771856"/>
+              <a:gd name="connsiteX1" fmla="*/ 1877892 w 2839993"/>
+              <a:gd name="connsiteY1" fmla="*/ 1 h 1771856"/>
+              <a:gd name="connsiteX2" fmla="*/ 2815372 w 2839993"/>
+              <a:gd name="connsiteY2" fmla="*/ 0 h 1771856"/>
+              <a:gd name="connsiteX3" fmla="*/ 2839993 w 2839993"/>
+              <a:gd name="connsiteY3" fmla="*/ 1410539 h 1771856"/>
+              <a:gd name="connsiteX4" fmla="*/ 1834577 w 2839993"/>
+              <a:gd name="connsiteY4" fmla="*/ 1410539 h 1771856"/>
+              <a:gd name="connsiteX5" fmla="*/ 994027 w 2839993"/>
+              <a:gd name="connsiteY5" fmla="*/ 1758706 h 1771856"/>
+              <a:gd name="connsiteX6" fmla="*/ 982077 w 2839993"/>
+              <a:gd name="connsiteY6" fmla="*/ 1771856 h 1771856"/>
+              <a:gd name="connsiteX7" fmla="*/ 757641 w 2839993"/>
+              <a:gd name="connsiteY7" fmla="*/ 1099055 h 1771856"/>
+              <a:gd name="connsiteX8" fmla="*/ 0 w 2839993"/>
+              <a:gd name="connsiteY8" fmla="*/ 846318 h 1771856"/>
+              <a:gd name="connsiteX9" fmla="*/ 99803 w 2839993"/>
+              <a:gd name="connsiteY9" fmla="*/ 736508 h 1771856"/>
+            </a:gdLst>
+            <a:ahLst/>
+            <a:cxnLst>
+              <a:cxn ang="0">
+                <a:pos x="connsiteX0" y="connsiteY0"/>
+              </a:cxn>
+              <a:cxn ang="0">
+                <a:pos x="connsiteX1" y="connsiteY1"/>
+              </a:cxn>
+              <a:cxn ang="0">
+                <a:pos x="connsiteX2" y="connsiteY2"/>
+              </a:cxn>
+              <a:cxn ang="0">
+                <a:pos x="connsiteX3" y="connsiteY3"/>
+              </a:cxn>
+              <a:cxn ang="0">
+                <a:pos x="connsiteX4" y="connsiteY4"/>
+              </a:cxn>
+              <a:cxn ang="0">
+                <a:pos x="connsiteX5" y="connsiteY5"/>
+              </a:cxn>
+              <a:cxn ang="0">
+                <a:pos x="connsiteX6" y="connsiteY6"/>
+              </a:cxn>
+              <a:cxn ang="0">
+                <a:pos x="connsiteX7" y="connsiteY7"/>
+              </a:cxn>
+              <a:cxn ang="0">
+                <a:pos x="connsiteX8" y="connsiteY8"/>
+              </a:cxn>
+              <a:cxn ang="0">
+                <a:pos x="connsiteX9" y="connsiteY9"/>
+              </a:cxn>
+            </a:cxnLst>
+            <a:rect l="l" t="t" r="r" b="b"/>
+            <a:pathLst>
+              <a:path w="2839993" h="1771856">
+                <a:moveTo>
+                  <a:pt x="99803" y="736508"/>
+                </a:moveTo>
+                <a:cubicBezTo>
+                  <a:pt x="554856" y="281455"/>
+                  <a:pt x="1183505" y="0"/>
+                  <a:pt x="1877892" y="1"/>
+                </a:cubicBezTo>
+                <a:lnTo>
+                  <a:pt x="2815372" y="0"/>
+                </a:lnTo>
+                <a:lnTo>
+                  <a:pt x="2839993" y="1410539"/>
+                </a:lnTo>
+                <a:lnTo>
+                  <a:pt x="1834577" y="1410539"/>
+                </a:lnTo>
+                <a:cubicBezTo>
+                  <a:pt x="1506323" y="1410538"/>
+                  <a:pt x="1209143" y="1543590"/>
+                  <a:pt x="994027" y="1758706"/>
+                </a:cubicBezTo>
+                <a:lnTo>
+                  <a:pt x="982077" y="1771856"/>
+                </a:lnTo>
+                <a:lnTo>
+                  <a:pt x="757641" y="1099055"/>
+                </a:lnTo>
+                <a:lnTo>
+                  <a:pt x="0" y="846318"/>
+                </a:lnTo>
+                <a:lnTo>
+                  <a:pt x="99803" y="736508"/>
+                </a:lnTo>
+                <a:close/>
+              </a:path>
+            </a:pathLst>
+          </a:custGeom>
+          <a:solidFill>
+            <a:schemeClr val="accent1">
+              <a:lumMod val="60000"/>
+              <a:lumOff val="40000"/>
+            </a:schemeClr>
+          </a:solidFill>
+          <a:ln>
+            <a:noFill/>
+          </a:ln>
+        </p:spPr>
+        <p:style>
+          <a:lnRef idx="2">
+            <a:schemeClr val="accent1">
+              <a:shade val="15000"/>
+            </a:schemeClr>
+          </a:lnRef>
+          <a:fillRef idx="1">
+            <a:schemeClr val="accent1"/>
+          </a:fillRef>
+          <a:effectRef idx="0">
+            <a:schemeClr val="accent1"/>
+          </a:effectRef>
+          <a:fontRef idx="minor">
+            <a:schemeClr val="lt1"/>
+          </a:fontRef>
+        </p:style>
+        <p:txBody>
+          <a:bodyPr wrap="square" rtlCol="0" anchor="ctr">
+            <a:noAutofit/>
+          </a:bodyPr>
+          <a:lstStyle/>
+          <a:p>
+            <a:pPr algn="ctr"/>
+            <a:endParaRPr lang="en-US"/>
+          </a:p>
+        </p:txBody>
+      </p:sp>
+      <p:sp>
+        <p:nvSpPr>
+          <p:cNvPr id="43" name="Freeform 42">
+            <a:extLst>
+              <a:ext uri="{FF2B5EF4-FFF2-40B4-BE49-F238E27FC236}">
+                <a16:creationId xmlns:a16="http://schemas.microsoft.com/office/drawing/2014/main" id="{0B87FEB8-04D2-61E3-4F3A-0DA9228699EA}"/>
+              </a:ext>
+            </a:extLst>
+          </p:cNvPr>
+          <p:cNvSpPr/>
+          <p:nvPr/>
+        </p:nvSpPr>
+        <p:spPr>
+          <a:xfrm rot="2700000">
+            <a:off x="4993355" y="-270325"/>
+            <a:ext cx="2065903" cy="7425318"/>
+          </a:xfrm>
+          <a:custGeom>
+            <a:avLst/>
+            <a:gdLst>
+              <a:gd name="connsiteX0" fmla="*/ 1095531 w 2065903"/>
+              <a:gd name="connsiteY0" fmla="*/ 75046 h 7425318"/>
+              <a:gd name="connsiteX1" fmla="*/ 1178102 w 2065903"/>
+              <a:gd name="connsiteY1" fmla="*/ 0 h 7425318"/>
+              <a:gd name="connsiteX2" fmla="*/ 1431458 w 2065903"/>
+              <a:gd name="connsiteY2" fmla="*/ 759500 h 7425318"/>
+              <a:gd name="connsiteX3" fmla="*/ 2065903 w 2065903"/>
+              <a:gd name="connsiteY3" fmla="*/ 971140 h 7425318"/>
+              <a:gd name="connsiteX4" fmla="*/ 2028804 w 2065903"/>
+              <a:gd name="connsiteY4" fmla="*/ 1011958 h 7425318"/>
+              <a:gd name="connsiteX5" fmla="*/ 1757359 w 2065903"/>
+              <a:gd name="connsiteY5" fmla="*/ 1768094 h 7425318"/>
+              <a:gd name="connsiteX6" fmla="*/ 1757359 w 2065903"/>
+              <a:gd name="connsiteY6" fmla="*/ 2139901 h 7425318"/>
+              <a:gd name="connsiteX7" fmla="*/ 1747777 w 2065903"/>
+              <a:gd name="connsiteY7" fmla="*/ 2140067 h 7425318"/>
+              <a:gd name="connsiteX8" fmla="*/ 1757359 w 2065903"/>
+              <a:gd name="connsiteY8" fmla="*/ 2689042 h 7425318"/>
+              <a:gd name="connsiteX9" fmla="*/ 1757359 w 2065903"/>
+              <a:gd name="connsiteY9" fmla="*/ 2956814 h 7425318"/>
+              <a:gd name="connsiteX10" fmla="*/ 1762033 w 2065903"/>
+              <a:gd name="connsiteY10" fmla="*/ 2956814 h 7425318"/>
+              <a:gd name="connsiteX11" fmla="*/ 1791483 w 2065903"/>
+              <a:gd name="connsiteY11" fmla="*/ 4643936 h 7425318"/>
+              <a:gd name="connsiteX12" fmla="*/ 1791482 w 2065903"/>
+              <a:gd name="connsiteY12" fmla="*/ 5449872 h 7425318"/>
+              <a:gd name="connsiteX13" fmla="*/ 876403 w 2065903"/>
+              <a:gd name="connsiteY13" fmla="*/ 7390259 h 7425318"/>
+              <a:gd name="connsiteX14" fmla="*/ 829518 w 2065903"/>
+              <a:gd name="connsiteY14" fmla="*/ 7425318 h 7425318"/>
+              <a:gd name="connsiteX15" fmla="*/ 564462 w 2065903"/>
+              <a:gd name="connsiteY15" fmla="*/ 6630744 h 7425318"/>
+              <a:gd name="connsiteX16" fmla="*/ 0 w 2065903"/>
+              <a:gd name="connsiteY16" fmla="*/ 6442449 h 7425318"/>
+              <a:gd name="connsiteX17" fmla="*/ 74121 w 2065903"/>
+              <a:gd name="connsiteY17" fmla="*/ 6375082 h 7425318"/>
+              <a:gd name="connsiteX18" fmla="*/ 422288 w 2065903"/>
+              <a:gd name="connsiteY18" fmla="*/ 5534531 h 7425318"/>
+              <a:gd name="connsiteX19" fmla="*/ 422288 w 2065903"/>
+              <a:gd name="connsiteY19" fmla="*/ 4345811 h 7425318"/>
+              <a:gd name="connsiteX20" fmla="*/ 411474 w 2065903"/>
+              <a:gd name="connsiteY20" fmla="*/ 4345811 h 7425318"/>
+              <a:gd name="connsiteX21" fmla="*/ 374133 w 2065903"/>
+              <a:gd name="connsiteY21" fmla="*/ 2206525 h 7425318"/>
+              <a:gd name="connsiteX22" fmla="*/ 359022 w 2065903"/>
+              <a:gd name="connsiteY22" fmla="*/ 2206789 h 7425318"/>
+              <a:gd name="connsiteX23" fmla="*/ 359022 w 2065903"/>
+              <a:gd name="connsiteY23" fmla="*/ 1853136 h 7425318"/>
+              <a:gd name="connsiteX24" fmla="*/ 1095531 w 2065903"/>
+              <a:gd name="connsiteY24" fmla="*/ 75046 h 7425318"/>
+            </a:gdLst>
+            <a:ahLst/>
+            <a:cxnLst>
+              <a:cxn ang="0">
+                <a:pos x="connsiteX0" y="connsiteY0"/>
+              </a:cxn>
+              <a:cxn ang="0">
+                <a:pos x="connsiteX1" y="connsiteY1"/>
+              </a:cxn>
+              <a:cxn ang="0">
+                <a:pos x="connsiteX2" y="connsiteY2"/>
+              </a:cxn>
+              <a:cxn ang="0">
+                <a:pos x="connsiteX3" y="connsiteY3"/>
+              </a:cxn>
+              <a:cxn ang="0">
+                <a:pos x="connsiteX4" y="connsiteY4"/>
+              </a:cxn>
+              <a:cxn ang="0">
+                <a:pos x="connsiteX5" y="connsiteY5"/>
+              </a:cxn>
+              <a:cxn ang="0">
+                <a:pos x="connsiteX6" y="connsiteY6"/>
+              </a:cxn>
+              <a:cxn ang="0">
+                <a:pos x="connsiteX7" y="connsiteY7"/>
+              </a:cxn>
+              <a:cxn ang="0">
+                <a:pos x="connsiteX8" y="connsiteY8"/>
+              </a:cxn>
+              <a:cxn ang="0">
+                <a:pos x="connsiteX9" y="connsiteY9"/>
+              </a:cxn>
+              <a:cxn ang="0">
+                <a:pos x="connsiteX10" y="connsiteY10"/>
+              </a:cxn>
+              <a:cxn ang="0">
+                <a:pos x="connsiteX11" y="connsiteY11"/>
+              </a:cxn>
+              <a:cxn ang="0">
+                <a:pos x="connsiteX12" y="connsiteY12"/>
+              </a:cxn>
+              <a:cxn ang="0">
+                <a:pos x="connsiteX13" y="connsiteY13"/>
+              </a:cxn>
+              <a:cxn ang="0">
+                <a:pos x="connsiteX14" y="connsiteY14"/>
+              </a:cxn>
+              <a:cxn ang="0">
+                <a:pos x="connsiteX15" y="connsiteY15"/>
+              </a:cxn>
+              <a:cxn ang="0">
+                <a:pos x="connsiteX16" y="connsiteY16"/>
+              </a:cxn>
+              <a:cxn ang="0">
+                <a:pos x="connsiteX17" y="connsiteY17"/>
+              </a:cxn>
+              <a:cxn ang="0">
+                <a:pos x="connsiteX18" y="connsiteY18"/>
+              </a:cxn>
+              <a:cxn ang="0">
+                <a:pos x="connsiteX19" y="connsiteY19"/>
+              </a:cxn>
+              <a:cxn ang="0">
+                <a:pos x="connsiteX20" y="connsiteY20"/>
+              </a:cxn>
+              <a:cxn ang="0">
+                <a:pos x="connsiteX21" y="connsiteY21"/>
+              </a:cxn>
+              <a:cxn ang="0">
+                <a:pos x="connsiteX22" y="connsiteY22"/>
+              </a:cxn>
+              <a:cxn ang="0">
+                <a:pos x="connsiteX23" y="connsiteY23"/>
+              </a:cxn>
+              <a:cxn ang="0">
+                <a:pos x="connsiteX24" y="connsiteY24"/>
+              </a:cxn>
+            </a:cxnLst>
+            <a:rect l="l" t="t" r="r" b="b"/>
+            <a:pathLst>
+              <a:path w="2065903" h="7425318">
+                <a:moveTo>
+                  <a:pt x="1095531" y="75046"/>
+                </a:moveTo>
+                <a:lnTo>
+                  <a:pt x="1178102" y="0"/>
+                </a:lnTo>
+                <a:lnTo>
+                  <a:pt x="1431458" y="759500"/>
+                </a:lnTo>
+                <a:lnTo>
+                  <a:pt x="2065903" y="971140"/>
+                </a:lnTo>
+                <a:lnTo>
+                  <a:pt x="2028804" y="1011958"/>
+                </a:lnTo>
+                <a:cubicBezTo>
+                  <a:pt x="1859227" y="1217439"/>
+                  <a:pt x="1757359" y="1480870"/>
+                  <a:pt x="1757359" y="1768094"/>
+                </a:cubicBezTo>
+                <a:lnTo>
+                  <a:pt x="1757359" y="2139901"/>
+                </a:lnTo>
+                <a:lnTo>
+                  <a:pt x="1747777" y="2140067"/>
+                </a:lnTo>
+                <a:lnTo>
+                  <a:pt x="1757359" y="2689042"/>
+                </a:lnTo>
+                <a:lnTo>
+                  <a:pt x="1757359" y="2956814"/>
+                </a:lnTo>
+                <a:lnTo>
+                  <a:pt x="1762033" y="2956814"/>
+                </a:lnTo>
+                <a:lnTo>
+                  <a:pt x="1791483" y="4643936"/>
+                </a:lnTo>
+                <a:lnTo>
+                  <a:pt x="1791482" y="5449872"/>
+                </a:lnTo>
+                <a:cubicBezTo>
+                  <a:pt x="1791482" y="6231058"/>
+                  <a:pt x="1435264" y="6929044"/>
+                  <a:pt x="876403" y="7390259"/>
+                </a:cubicBezTo>
+                <a:lnTo>
+                  <a:pt x="829518" y="7425318"/>
+                </a:lnTo>
+                <a:lnTo>
+                  <a:pt x="564462" y="6630744"/>
+                </a:lnTo>
+                <a:lnTo>
+                  <a:pt x="0" y="6442449"/>
+                </a:lnTo>
+                <a:lnTo>
+                  <a:pt x="74121" y="6375082"/>
+                </a:lnTo>
+                <a:cubicBezTo>
+                  <a:pt x="289237" y="6159966"/>
+                  <a:pt x="422288" y="5862786"/>
+                  <a:pt x="422288" y="5534531"/>
+                </a:cubicBezTo>
+                <a:lnTo>
+                  <a:pt x="422288" y="4345811"/>
+                </a:lnTo>
+                <a:lnTo>
+                  <a:pt x="411474" y="4345811"/>
+                </a:lnTo>
+                <a:lnTo>
+                  <a:pt x="374133" y="2206525"/>
+                </a:lnTo>
+                <a:lnTo>
+                  <a:pt x="359022" y="2206789"/>
+                </a:lnTo>
+                <a:lnTo>
+                  <a:pt x="359022" y="1853136"/>
+                </a:lnTo>
+                <a:cubicBezTo>
+                  <a:pt x="359022" y="1158749"/>
+                  <a:pt x="640477" y="530099"/>
+                  <a:pt x="1095531" y="75046"/>
+                </a:cubicBezTo>
+                <a:close/>
+              </a:path>
+            </a:pathLst>
+          </a:custGeom>
+          <a:solidFill>
+            <a:schemeClr val="accent3">
+              <a:lumMod val="60000"/>
+              <a:lumOff val="40000"/>
+            </a:schemeClr>
+          </a:solidFill>
+          <a:ln>
+            <a:noFill/>
+          </a:ln>
+        </p:spPr>
+        <p:style>
+          <a:lnRef idx="2">
+            <a:schemeClr val="accent1">
+              <a:shade val="15000"/>
+            </a:schemeClr>
+          </a:lnRef>
+          <a:fillRef idx="1">
+            <a:schemeClr val="accent1"/>
+          </a:fillRef>
+          <a:effectRef idx="0">
+            <a:schemeClr val="accent1"/>
+          </a:effectRef>
+          <a:fontRef idx="minor">
+            <a:schemeClr val="lt1"/>
+          </a:fontRef>
+        </p:style>
+        <p:txBody>
+          <a:bodyPr wrap="square" rtlCol="0" anchor="ctr">
+            <a:noAutofit/>
+          </a:bodyPr>
+          <a:lstStyle/>
+          <a:p>
+            <a:pPr algn="ctr"/>
+            <a:endParaRPr lang="en-US"/>
+          </a:p>
+        </p:txBody>
+      </p:sp>
+      <p:sp>
+        <p:nvSpPr>
+          <p:cNvPr id="42" name="Freeform 41">
+            <a:extLst>
+              <a:ext uri="{FF2B5EF4-FFF2-40B4-BE49-F238E27FC236}">
+                <a16:creationId xmlns:a16="http://schemas.microsoft.com/office/drawing/2014/main" id="{50DA3B13-E6B1-6205-CCAF-D3BCA7E97C10}"/>
+              </a:ext>
+            </a:extLst>
+          </p:cNvPr>
+          <p:cNvSpPr/>
+          <p:nvPr/>
+        </p:nvSpPr>
+        <p:spPr>
+          <a:xfrm rot="2700000">
+            <a:off x="8255908" y="1494177"/>
+            <a:ext cx="3364668" cy="1573346"/>
+          </a:xfrm>
+          <a:custGeom>
+            <a:avLst/>
+            <a:gdLst>
+              <a:gd name="connsiteX0" fmla="*/ 0 w 3364668"/>
+              <a:gd name="connsiteY0" fmla="*/ 558226 h 1573346"/>
+              <a:gd name="connsiteX1" fmla="*/ 172204 w 3364668"/>
+              <a:gd name="connsiteY1" fmla="*/ 429455 h 1573346"/>
+              <a:gd name="connsiteX2" fmla="*/ 1578141 w 3364668"/>
+              <a:gd name="connsiteY2" fmla="*/ 0 h 1573346"/>
+              <a:gd name="connsiteX3" fmla="*/ 3356231 w 3364668"/>
+              <a:gd name="connsiteY3" fmla="*/ 736509 h 1573346"/>
+              <a:gd name="connsiteX4" fmla="*/ 3364668 w 3364668"/>
+              <a:gd name="connsiteY4" fmla="*/ 745792 h 1573346"/>
+              <a:gd name="connsiteX5" fmla="*/ 2671043 w 3364668"/>
+              <a:gd name="connsiteY5" fmla="*/ 977174 h 1573346"/>
+              <a:gd name="connsiteX6" fmla="*/ 2472170 w 3364668"/>
+              <a:gd name="connsiteY6" fmla="*/ 1573346 h 1573346"/>
+              <a:gd name="connsiteX7" fmla="*/ 2315224 w 3364668"/>
+              <a:gd name="connsiteY7" fmla="*/ 1443853 h 1573346"/>
+              <a:gd name="connsiteX8" fmla="*/ 1650598 w 3364668"/>
+              <a:gd name="connsiteY8" fmla="*/ 1240838 h 1573346"/>
+              <a:gd name="connsiteX9" fmla="*/ 894462 w 3364668"/>
+              <a:gd name="connsiteY9" fmla="*/ 1512284 h 1573346"/>
+              <a:gd name="connsiteX10" fmla="*/ 886510 w 3364668"/>
+              <a:gd name="connsiteY10" fmla="*/ 1519511 h 1573346"/>
+              <a:gd name="connsiteX11" fmla="*/ 249819 w 3364668"/>
+              <a:gd name="connsiteY11" fmla="*/ 1307122 h 1573346"/>
+              <a:gd name="connsiteX12" fmla="*/ 0 w 3364668"/>
+              <a:gd name="connsiteY12" fmla="*/ 558226 h 1573346"/>
+            </a:gdLst>
+            <a:ahLst/>
+            <a:cxnLst>
+              <a:cxn ang="0">
+                <a:pos x="connsiteX0" y="connsiteY0"/>
+              </a:cxn>
+              <a:cxn ang="0">
+                <a:pos x="connsiteX1" y="connsiteY1"/>
+              </a:cxn>
+              <a:cxn ang="0">
+                <a:pos x="connsiteX2" y="connsiteY2"/>
+              </a:cxn>
+              <a:cxn ang="0">
+                <a:pos x="connsiteX3" y="connsiteY3"/>
+              </a:cxn>
+              <a:cxn ang="0">
+                <a:pos x="connsiteX4" y="connsiteY4"/>
+              </a:cxn>
+              <a:cxn ang="0">
+                <a:pos x="connsiteX5" y="connsiteY5"/>
+              </a:cxn>
+              <a:cxn ang="0">
+                <a:pos x="connsiteX6" y="connsiteY6"/>
+              </a:cxn>
+              <a:cxn ang="0">
+                <a:pos x="connsiteX7" y="connsiteY7"/>
+              </a:cxn>
+              <a:cxn ang="0">
+                <a:pos x="connsiteX8" y="connsiteY8"/>
+              </a:cxn>
+              <a:cxn ang="0">
+                <a:pos x="connsiteX9" y="connsiteY9"/>
+              </a:cxn>
+              <a:cxn ang="0">
+                <a:pos x="connsiteX10" y="connsiteY10"/>
+              </a:cxn>
+              <a:cxn ang="0">
+                <a:pos x="connsiteX11" y="connsiteY11"/>
+              </a:cxn>
+              <a:cxn ang="0">
+                <a:pos x="connsiteX12" y="connsiteY12"/>
+              </a:cxn>
+            </a:cxnLst>
+            <a:rect l="l" t="t" r="r" b="b"/>
+            <a:pathLst>
+              <a:path w="3364668" h="1573346">
+                <a:moveTo>
+                  <a:pt x="0" y="558226"/>
+                </a:moveTo>
+                <a:lnTo>
+                  <a:pt x="172204" y="429455"/>
+                </a:lnTo>
+                <a:cubicBezTo>
+                  <a:pt x="573537" y="158320"/>
+                  <a:pt x="1057350" y="0"/>
+                  <a:pt x="1578141" y="0"/>
+                </a:cubicBezTo>
+                <a:cubicBezTo>
+                  <a:pt x="2272528" y="0"/>
+                  <a:pt x="2901178" y="281457"/>
+                  <a:pt x="3356231" y="736509"/>
+                </a:cubicBezTo>
+                <a:lnTo>
+                  <a:pt x="3364668" y="745792"/>
+                </a:lnTo>
+                <a:lnTo>
+                  <a:pt x="2671043" y="977174"/>
+                </a:lnTo>
+                <a:lnTo>
+                  <a:pt x="2472170" y="1573346"/>
+                </a:lnTo>
+                <a:lnTo>
+                  <a:pt x="2315224" y="1443853"/>
+                </a:lnTo>
+                <a:cubicBezTo>
+                  <a:pt x="2125501" y="1315680"/>
+                  <a:pt x="1896790" y="1240838"/>
+                  <a:pt x="1650598" y="1240838"/>
+                </a:cubicBezTo>
+                <a:cubicBezTo>
+                  <a:pt x="1363374" y="1240838"/>
+                  <a:pt x="1099942" y="1342706"/>
+                  <a:pt x="894462" y="1512284"/>
+                </a:cubicBezTo>
+                <a:lnTo>
+                  <a:pt x="886510" y="1519511"/>
+                </a:lnTo>
+                <a:lnTo>
+                  <a:pt x="249819" y="1307122"/>
+                </a:lnTo>
+                <a:lnTo>
+                  <a:pt x="0" y="558226"/>
+                </a:lnTo>
+                <a:close/>
+              </a:path>
+            </a:pathLst>
+          </a:custGeom>
+          <a:solidFill>
+            <a:srgbClr val="C00000"/>
+          </a:solidFill>
+          <a:ln>
+            <a:noFill/>
+          </a:ln>
+        </p:spPr>
+        <p:style>
+          <a:lnRef idx="2">
+            <a:schemeClr val="accent1">
+              <a:shade val="15000"/>
+            </a:schemeClr>
+          </a:lnRef>
+          <a:fillRef idx="1">
+            <a:schemeClr val="accent1"/>
+          </a:fillRef>
+          <a:effectRef idx="0">
+            <a:schemeClr val="accent1"/>
+          </a:effectRef>
+          <a:fontRef idx="minor">
+            <a:schemeClr val="lt1"/>
+          </a:fontRef>
+        </p:style>
+        <p:txBody>
+          <a:bodyPr wrap="square" rtlCol="0" anchor="ctr">
+            <a:noAutofit/>
+          </a:bodyPr>
+          <a:lstStyle/>
+          <a:p>
+            <a:pPr algn="ctr"/>
+            <a:endParaRPr lang="en-US"/>
+          </a:p>
+        </p:txBody>
+      </p:sp>
+      <p:sp>
+        <p:nvSpPr>
+          <p:cNvPr id="41" name="Freeform 40">
+            <a:extLst>
+              <a:ext uri="{FF2B5EF4-FFF2-40B4-BE49-F238E27FC236}">
+                <a16:creationId xmlns:a16="http://schemas.microsoft.com/office/drawing/2014/main" id="{5F1F3759-CB70-4DDF-0A43-8589BC5D4259}"/>
+              </a:ext>
+            </a:extLst>
+          </p:cNvPr>
+          <p:cNvSpPr/>
+          <p:nvPr/>
+        </p:nvSpPr>
+        <p:spPr>
+          <a:xfrm rot="2700000">
+            <a:off x="1498802" y="611064"/>
+            <a:ext cx="1510256" cy="3263843"/>
+          </a:xfrm>
+          <a:custGeom>
+            <a:avLst/>
+            <a:gdLst>
+              <a:gd name="connsiteX0" fmla="*/ 536980 w 1510256"/>
+              <a:gd name="connsiteY0" fmla="*/ 0 h 3263843"/>
+              <a:gd name="connsiteX1" fmla="*/ 1280505 w 1510256"/>
+              <a:gd name="connsiteY1" fmla="*/ 248027 h 3263843"/>
+              <a:gd name="connsiteX2" fmla="*/ 1510256 w 1510256"/>
+              <a:gd name="connsiteY2" fmla="*/ 936764 h 3263843"/>
+              <a:gd name="connsiteX3" fmla="*/ 1485580 w 1510256"/>
+              <a:gd name="connsiteY3" fmla="*/ 969763 h 3263843"/>
+              <a:gd name="connsiteX4" fmla="*/ 1282565 w 1510256"/>
+              <a:gd name="connsiteY4" fmla="*/ 1634388 h 3263843"/>
+              <a:gd name="connsiteX5" fmla="*/ 1375981 w 1510256"/>
+              <a:gd name="connsiteY5" fmla="*/ 2097092 h 3263843"/>
+              <a:gd name="connsiteX6" fmla="*/ 1464936 w 1510256"/>
+              <a:gd name="connsiteY6" fmla="*/ 2260979 h 3263843"/>
+              <a:gd name="connsiteX7" fmla="*/ 1186998 w 1510256"/>
+              <a:gd name="connsiteY7" fmla="*/ 3094171 h 3263843"/>
+              <a:gd name="connsiteX8" fmla="*/ 678362 w 1510256"/>
+              <a:gd name="connsiteY8" fmla="*/ 3263843 h 3263843"/>
+              <a:gd name="connsiteX9" fmla="*/ 574212 w 1510256"/>
+              <a:gd name="connsiteY9" fmla="*/ 3149248 h 3263843"/>
+              <a:gd name="connsiteX10" fmla="*/ 0 w 1510256"/>
+              <a:gd name="connsiteY10" fmla="*/ 1549730 h 3263843"/>
+              <a:gd name="connsiteX11" fmla="*/ 429454 w 1510256"/>
+              <a:gd name="connsiteY11" fmla="*/ 143792 h 3263843"/>
+              <a:gd name="connsiteX12" fmla="*/ 536980 w 1510256"/>
+              <a:gd name="connsiteY12" fmla="*/ 0 h 3263843"/>
+            </a:gdLst>
+            <a:ahLst/>
+            <a:cxnLst>
+              <a:cxn ang="0">
+                <a:pos x="connsiteX0" y="connsiteY0"/>
+              </a:cxn>
+              <a:cxn ang="0">
+                <a:pos x="connsiteX1" y="connsiteY1"/>
+              </a:cxn>
+              <a:cxn ang="0">
+                <a:pos x="connsiteX2" y="connsiteY2"/>
+              </a:cxn>
+              <a:cxn ang="0">
+                <a:pos x="connsiteX3" y="connsiteY3"/>
+              </a:cxn>
+              <a:cxn ang="0">
+                <a:pos x="connsiteX4" y="connsiteY4"/>
+              </a:cxn>
+              <a:cxn ang="0">
+                <a:pos x="connsiteX5" y="connsiteY5"/>
+              </a:cxn>
+              <a:cxn ang="0">
+                <a:pos x="connsiteX6" y="connsiteY6"/>
+              </a:cxn>
+              <a:cxn ang="0">
+                <a:pos x="connsiteX7" y="connsiteY7"/>
+              </a:cxn>
+              <a:cxn ang="0">
+                <a:pos x="connsiteX8" y="connsiteY8"/>
+              </a:cxn>
+              <a:cxn ang="0">
+                <a:pos x="connsiteX9" y="connsiteY9"/>
+              </a:cxn>
+              <a:cxn ang="0">
+                <a:pos x="connsiteX10" y="connsiteY10"/>
+              </a:cxn>
+              <a:cxn ang="0">
+                <a:pos x="connsiteX11" y="connsiteY11"/>
+              </a:cxn>
+              <a:cxn ang="0">
+                <a:pos x="connsiteX12" y="connsiteY12"/>
+              </a:cxn>
+            </a:cxnLst>
+            <a:rect l="l" t="t" r="r" b="b"/>
+            <a:pathLst>
+              <a:path w="1510256" h="3263843">
+                <a:moveTo>
+                  <a:pt x="536980" y="0"/>
+                </a:moveTo>
+                <a:lnTo>
+                  <a:pt x="1280505" y="248027"/>
+                </a:lnTo>
+                <a:lnTo>
+                  <a:pt x="1510256" y="936764"/>
+                </a:lnTo>
+                <a:lnTo>
+                  <a:pt x="1485580" y="969763"/>
+                </a:lnTo>
+                <a:cubicBezTo>
+                  <a:pt x="1357407" y="1159484"/>
+                  <a:pt x="1282565" y="1388196"/>
+                  <a:pt x="1282565" y="1634388"/>
+                </a:cubicBezTo>
+                <a:cubicBezTo>
+                  <a:pt x="1282565" y="1798516"/>
+                  <a:pt x="1315828" y="1954875"/>
+                  <a:pt x="1375981" y="2097092"/>
+                </a:cubicBezTo>
+                <a:lnTo>
+                  <a:pt x="1464936" y="2260979"/>
+                </a:lnTo>
+                <a:lnTo>
+                  <a:pt x="1186998" y="3094171"/>
+                </a:lnTo>
+                <a:lnTo>
+                  <a:pt x="678362" y="3263843"/>
+                </a:lnTo>
+                <a:lnTo>
+                  <a:pt x="574212" y="3149248"/>
+                </a:lnTo>
+                <a:cubicBezTo>
+                  <a:pt x="215489" y="2714577"/>
+                  <a:pt x="0" y="2157319"/>
+                  <a:pt x="0" y="1549730"/>
+                </a:cubicBezTo>
+                <a:cubicBezTo>
+                  <a:pt x="0" y="1028938"/>
+                  <a:pt x="158319" y="545125"/>
+                  <a:pt x="429454" y="143792"/>
+                </a:cubicBezTo>
+                <a:lnTo>
+                  <a:pt x="536980" y="0"/>
+                </a:lnTo>
+                <a:close/>
+              </a:path>
+            </a:pathLst>
+          </a:custGeom>
+          <a:solidFill>
+            <a:srgbClr val="002060"/>
+          </a:solidFill>
+          <a:ln>
+            <a:noFill/>
+          </a:ln>
+        </p:spPr>
+        <p:style>
+          <a:lnRef idx="2">
+            <a:schemeClr val="accent1">
+              <a:shade val="15000"/>
+            </a:schemeClr>
+          </a:lnRef>
+          <a:fillRef idx="1">
+            <a:schemeClr val="accent1"/>
+          </a:fillRef>
+          <a:effectRef idx="0">
+            <a:schemeClr val="accent1"/>
+          </a:effectRef>
+          <a:fontRef idx="minor">
+            <a:schemeClr val="lt1"/>
+          </a:fontRef>
+        </p:style>
+        <p:txBody>
+          <a:bodyPr wrap="square" rtlCol="0" anchor="ctr">
+            <a:noAutofit/>
+          </a:bodyPr>
+          <a:lstStyle/>
+          <a:p>
+            <a:pPr algn="ctr"/>
+            <a:endParaRPr lang="en-US"/>
+          </a:p>
+        </p:txBody>
+      </p:sp>
+      <p:sp>
+        <p:nvSpPr>
+          <p:cNvPr id="40" name="Freeform 39">
+            <a:extLst>
+              <a:ext uri="{FF2B5EF4-FFF2-40B4-BE49-F238E27FC236}">
+                <a16:creationId xmlns:a16="http://schemas.microsoft.com/office/drawing/2014/main" id="{7F93AEBB-5F63-6914-CD66-93124533AA6E}"/>
+              </a:ext>
+            </a:extLst>
+          </p:cNvPr>
+          <p:cNvSpPr/>
+          <p:nvPr/>
+        </p:nvSpPr>
+        <p:spPr>
+          <a:xfrm rot="2700000">
+            <a:off x="8982086" y="2958837"/>
+            <a:ext cx="1627004" cy="3446061"/>
+          </a:xfrm>
+          <a:custGeom>
+            <a:avLst/>
+            <a:gdLst>
+              <a:gd name="connsiteX0" fmla="*/ 319149 w 1627004"/>
+              <a:gd name="connsiteY0" fmla="*/ 228726 h 3446061"/>
+              <a:gd name="connsiteX1" fmla="*/ 1004812 w 1627004"/>
+              <a:gd name="connsiteY1" fmla="*/ 0 h 3446061"/>
+              <a:gd name="connsiteX2" fmla="*/ 1052792 w 1627004"/>
+              <a:gd name="connsiteY2" fmla="*/ 52791 h 3446061"/>
+              <a:gd name="connsiteX3" fmla="*/ 1627004 w 1627004"/>
+              <a:gd name="connsiteY3" fmla="*/ 1652311 h 3446061"/>
+              <a:gd name="connsiteX4" fmla="*/ 890495 w 1627004"/>
+              <a:gd name="connsiteY4" fmla="*/ 3430401 h 3446061"/>
+              <a:gd name="connsiteX5" fmla="*/ 873264 w 1627004"/>
+              <a:gd name="connsiteY5" fmla="*/ 3446061 h 3446061"/>
+              <a:gd name="connsiteX6" fmla="*/ 601571 w 1627004"/>
+              <a:gd name="connsiteY6" fmla="*/ 2631592 h 3446061"/>
+              <a:gd name="connsiteX7" fmla="*/ 0 w 1627004"/>
+              <a:gd name="connsiteY7" fmla="*/ 2430918 h 3446061"/>
+              <a:gd name="connsiteX8" fmla="*/ 25414 w 1627004"/>
+              <a:gd name="connsiteY8" fmla="*/ 2407821 h 3446061"/>
+              <a:gd name="connsiteX9" fmla="*/ 373582 w 1627004"/>
+              <a:gd name="connsiteY9" fmla="*/ 1567269 h 3446061"/>
+              <a:gd name="connsiteX10" fmla="*/ 170568 w 1627004"/>
+              <a:gd name="connsiteY10" fmla="*/ 902643 h 3446061"/>
+              <a:gd name="connsiteX11" fmla="*/ 116287 w 1627004"/>
+              <a:gd name="connsiteY11" fmla="*/ 836855 h 3446061"/>
+              <a:gd name="connsiteX12" fmla="*/ 319149 w 1627004"/>
+              <a:gd name="connsiteY12" fmla="*/ 228726 h 3446061"/>
+            </a:gdLst>
+            <a:ahLst/>
+            <a:cxnLst>
+              <a:cxn ang="0">
+                <a:pos x="connsiteX0" y="connsiteY0"/>
+              </a:cxn>
+              <a:cxn ang="0">
+                <a:pos x="connsiteX1" y="connsiteY1"/>
+              </a:cxn>
+              <a:cxn ang="0">
+                <a:pos x="connsiteX2" y="connsiteY2"/>
+              </a:cxn>
+              <a:cxn ang="0">
+                <a:pos x="connsiteX3" y="connsiteY3"/>
+              </a:cxn>
+              <a:cxn ang="0">
+                <a:pos x="connsiteX4" y="connsiteY4"/>
+              </a:cxn>
+              <a:cxn ang="0">
+                <a:pos x="connsiteX5" y="connsiteY5"/>
+              </a:cxn>
+              <a:cxn ang="0">
+                <a:pos x="connsiteX6" y="connsiteY6"/>
+              </a:cxn>
+              <a:cxn ang="0">
+                <a:pos x="connsiteX7" y="connsiteY7"/>
+              </a:cxn>
+              <a:cxn ang="0">
+                <a:pos x="connsiteX8" y="connsiteY8"/>
+              </a:cxn>
+              <a:cxn ang="0">
+                <a:pos x="connsiteX9" y="connsiteY9"/>
+              </a:cxn>
+              <a:cxn ang="0">
+                <a:pos x="connsiteX10" y="connsiteY10"/>
+              </a:cxn>
+              <a:cxn ang="0">
+                <a:pos x="connsiteX11" y="connsiteY11"/>
+              </a:cxn>
+              <a:cxn ang="0">
+                <a:pos x="connsiteX12" y="connsiteY12"/>
+              </a:cxn>
+            </a:cxnLst>
+            <a:rect l="l" t="t" r="r" b="b"/>
+            <a:pathLst>
+              <a:path w="1627004" h="3446061">
+                <a:moveTo>
+                  <a:pt x="319149" y="228726"/>
+                </a:moveTo>
+                <a:lnTo>
+                  <a:pt x="1004812" y="0"/>
+                </a:lnTo>
+                <a:lnTo>
+                  <a:pt x="1052792" y="52791"/>
+                </a:lnTo>
+                <a:cubicBezTo>
+                  <a:pt x="1411514" y="487462"/>
+                  <a:pt x="1627004" y="1044721"/>
+                  <a:pt x="1627004" y="1652311"/>
+                </a:cubicBezTo>
+                <a:cubicBezTo>
+                  <a:pt x="1627004" y="2346697"/>
+                  <a:pt x="1345548" y="2975348"/>
+                  <a:pt x="890495" y="3430401"/>
+                </a:cubicBezTo>
+                <a:lnTo>
+                  <a:pt x="873264" y="3446061"/>
+                </a:lnTo>
+                <a:lnTo>
+                  <a:pt x="601571" y="2631592"/>
+                </a:lnTo>
+                <a:lnTo>
+                  <a:pt x="0" y="2430918"/>
+                </a:lnTo>
+                <a:lnTo>
+                  <a:pt x="25414" y="2407821"/>
+                </a:lnTo>
+                <a:cubicBezTo>
+                  <a:pt x="240530" y="2192704"/>
+                  <a:pt x="373582" y="1895524"/>
+                  <a:pt x="373582" y="1567269"/>
+                </a:cubicBezTo>
+                <a:cubicBezTo>
+                  <a:pt x="373582" y="1321076"/>
+                  <a:pt x="298740" y="1092365"/>
+                  <a:pt x="170568" y="902643"/>
+                </a:cubicBezTo>
+                <a:lnTo>
+                  <a:pt x="116287" y="836855"/>
+                </a:lnTo>
+                <a:lnTo>
+                  <a:pt x="319149" y="228726"/>
+                </a:lnTo>
+                <a:close/>
+              </a:path>
+            </a:pathLst>
+          </a:custGeom>
+          <a:solidFill>
+            <a:schemeClr val="tx2">
+              <a:lumMod val="25000"/>
+              <a:lumOff val="75000"/>
+            </a:schemeClr>
+          </a:solidFill>
+          <a:ln>
+            <a:noFill/>
+          </a:ln>
+        </p:spPr>
+        <p:style>
+          <a:lnRef idx="2">
+            <a:schemeClr val="accent1">
+              <a:shade val="15000"/>
+            </a:schemeClr>
+          </a:lnRef>
+          <a:fillRef idx="1">
+            <a:schemeClr val="accent1"/>
+          </a:fillRef>
+          <a:effectRef idx="0">
+            <a:schemeClr val="accent1"/>
+          </a:effectRef>
+          <a:fontRef idx="minor">
+            <a:schemeClr val="lt1"/>
+          </a:fontRef>
+        </p:style>
+        <p:txBody>
+          <a:bodyPr wrap="square" rtlCol="0" anchor="ctr">
+            <a:noAutofit/>
+          </a:bodyPr>
+          <a:lstStyle/>
+          <a:p>
+            <a:pPr algn="ctr"/>
+            <a:endParaRPr lang="en-US"/>
+          </a:p>
+        </p:txBody>
+      </p:sp>
+      <p:sp>
+        <p:nvSpPr>
+          <p:cNvPr id="39" name="Freeform 38">
+            <a:extLst>
+              <a:ext uri="{FF2B5EF4-FFF2-40B4-BE49-F238E27FC236}">
+                <a16:creationId xmlns:a16="http://schemas.microsoft.com/office/drawing/2014/main" id="{9FB56680-8063-9922-D1D2-1343E5AAADFA}"/>
+              </a:ext>
+            </a:extLst>
+          </p:cNvPr>
+          <p:cNvSpPr/>
+          <p:nvPr/>
+        </p:nvSpPr>
+        <p:spPr>
+          <a:xfrm rot="2700000">
+            <a:off x="685813" y="3684393"/>
+            <a:ext cx="3154130" cy="1663054"/>
+          </a:xfrm>
+          <a:custGeom>
+            <a:avLst/>
+            <a:gdLst>
+              <a:gd name="connsiteX0" fmla="*/ 778356 w 3154130"/>
+              <a:gd name="connsiteY0" fmla="*/ 0 h 1663054"/>
+              <a:gd name="connsiteX1" fmla="*/ 839136 w 3154130"/>
+              <a:gd name="connsiteY1" fmla="*/ 73665 h 1663054"/>
+              <a:gd name="connsiteX2" fmla="*/ 1679688 w 3154130"/>
+              <a:gd name="connsiteY2" fmla="*/ 421832 h 1663054"/>
+              <a:gd name="connsiteX3" fmla="*/ 2246303 w 3154130"/>
+              <a:gd name="connsiteY3" fmla="*/ 278361 h 1663054"/>
+              <a:gd name="connsiteX4" fmla="*/ 2301734 w 3154130"/>
+              <a:gd name="connsiteY4" fmla="*/ 244686 h 1663054"/>
+              <a:gd name="connsiteX5" fmla="*/ 2896739 w 3154130"/>
+              <a:gd name="connsiteY5" fmla="*/ 443169 h 1663054"/>
+              <a:gd name="connsiteX6" fmla="*/ 3154130 w 3154130"/>
+              <a:gd name="connsiteY6" fmla="*/ 1214762 h 1663054"/>
+              <a:gd name="connsiteX7" fmla="*/ 3128938 w 3154130"/>
+              <a:gd name="connsiteY7" fmla="*/ 1233600 h 1663054"/>
+              <a:gd name="connsiteX8" fmla="*/ 1723002 w 3154130"/>
+              <a:gd name="connsiteY8" fmla="*/ 1663054 h 1663054"/>
+              <a:gd name="connsiteX9" fmla="*/ 123483 w 3154130"/>
+              <a:gd name="connsiteY9" fmla="*/ 1088842 h 1663054"/>
+              <a:gd name="connsiteX10" fmla="*/ 0 w 3154130"/>
+              <a:gd name="connsiteY10" fmla="*/ 976612 h 1663054"/>
+              <a:gd name="connsiteX11" fmla="*/ 509243 w 3154130"/>
+              <a:gd name="connsiteY11" fmla="*/ 806738 h 1663054"/>
+              <a:gd name="connsiteX12" fmla="*/ 778356 w 3154130"/>
+              <a:gd name="connsiteY12" fmla="*/ 0 h 1663054"/>
+            </a:gdLst>
+            <a:ahLst/>
+            <a:cxnLst>
+              <a:cxn ang="0">
+                <a:pos x="connsiteX0" y="connsiteY0"/>
+              </a:cxn>
+              <a:cxn ang="0">
+                <a:pos x="connsiteX1" y="connsiteY1"/>
+              </a:cxn>
+              <a:cxn ang="0">
+                <a:pos x="connsiteX2" y="connsiteY2"/>
+              </a:cxn>
+              <a:cxn ang="0">
+                <a:pos x="connsiteX3" y="connsiteY3"/>
+              </a:cxn>
+              <a:cxn ang="0">
+                <a:pos x="connsiteX4" y="connsiteY4"/>
+              </a:cxn>
+              <a:cxn ang="0">
+                <a:pos x="connsiteX5" y="connsiteY5"/>
+              </a:cxn>
+              <a:cxn ang="0">
+                <a:pos x="connsiteX6" y="connsiteY6"/>
+              </a:cxn>
+              <a:cxn ang="0">
+                <a:pos x="connsiteX7" y="connsiteY7"/>
+              </a:cxn>
+              <a:cxn ang="0">
+                <a:pos x="connsiteX8" y="connsiteY8"/>
+              </a:cxn>
+              <a:cxn ang="0">
+                <a:pos x="connsiteX9" y="connsiteY9"/>
+              </a:cxn>
+              <a:cxn ang="0">
+                <a:pos x="connsiteX10" y="connsiteY10"/>
+              </a:cxn>
+              <a:cxn ang="0">
+                <a:pos x="connsiteX11" y="connsiteY11"/>
+              </a:cxn>
+              <a:cxn ang="0">
+                <a:pos x="connsiteX12" y="connsiteY12"/>
+              </a:cxn>
+            </a:cxnLst>
+            <a:rect l="l" t="t" r="r" b="b"/>
+            <a:pathLst>
+              <a:path w="3154130" h="1663054">
+                <a:moveTo>
+                  <a:pt x="778356" y="0"/>
+                </a:moveTo>
+                <a:lnTo>
+                  <a:pt x="839136" y="73665"/>
+                </a:lnTo>
+                <a:cubicBezTo>
+                  <a:pt x="1054252" y="288781"/>
+                  <a:pt x="1351432" y="421833"/>
+                  <a:pt x="1679688" y="421832"/>
+                </a:cubicBezTo>
+                <a:cubicBezTo>
+                  <a:pt x="1884848" y="421833"/>
+                  <a:pt x="2077869" y="369859"/>
+                  <a:pt x="2246303" y="278361"/>
+                </a:cubicBezTo>
+                <a:lnTo>
+                  <a:pt x="2301734" y="244686"/>
+                </a:lnTo>
+                <a:lnTo>
+                  <a:pt x="2896739" y="443169"/>
+                </a:lnTo>
+                <a:lnTo>
+                  <a:pt x="3154130" y="1214762"/>
+                </a:lnTo>
+                <a:lnTo>
+                  <a:pt x="3128938" y="1233600"/>
+                </a:lnTo>
+                <a:cubicBezTo>
+                  <a:pt x="2727606" y="1504735"/>
+                  <a:pt x="2243793" y="1663054"/>
+                  <a:pt x="1723002" y="1663054"/>
+                </a:cubicBezTo>
+                <a:cubicBezTo>
+                  <a:pt x="1115413" y="1663054"/>
+                  <a:pt x="558154" y="1447564"/>
+                  <a:pt x="123483" y="1088842"/>
+                </a:cubicBezTo>
+                <a:lnTo>
+                  <a:pt x="0" y="976612"/>
+                </a:lnTo>
+                <a:lnTo>
+                  <a:pt x="509243" y="806738"/>
+                </a:lnTo>
+                <a:lnTo>
+                  <a:pt x="778356" y="0"/>
+                </a:lnTo>
+                <a:close/>
+              </a:path>
+            </a:pathLst>
+          </a:custGeom>
+          <a:solidFill>
+            <a:schemeClr val="accent5">
+              <a:lumMod val="60000"/>
+              <a:lumOff val="40000"/>
+            </a:schemeClr>
+          </a:solidFill>
+          <a:ln>
+            <a:noFill/>
+          </a:ln>
+        </p:spPr>
+        <p:style>
+          <a:lnRef idx="2">
+            <a:schemeClr val="accent1">
+              <a:shade val="15000"/>
+            </a:schemeClr>
+          </a:lnRef>
+          <a:fillRef idx="1">
+            <a:schemeClr val="accent1"/>
+          </a:fillRef>
+          <a:effectRef idx="0">
+            <a:schemeClr val="accent1"/>
+          </a:effectRef>
+          <a:fontRef idx="minor">
+            <a:schemeClr val="lt1"/>
+          </a:fontRef>
+        </p:style>
+        <p:txBody>
+          <a:bodyPr wrap="square" rtlCol="0" anchor="ctr">
+            <a:noAutofit/>
+          </a:bodyPr>
+          <a:lstStyle/>
+          <a:p>
+            <a:pPr algn="ctr"/>
+            <a:endParaRPr lang="en-US"/>
+          </a:p>
+        </p:txBody>
+      </p:sp>
+      <p:sp>
+        <p:nvSpPr>
+          <p:cNvPr id="38" name="Freeform 37">
+            <a:extLst>
+              <a:ext uri="{FF2B5EF4-FFF2-40B4-BE49-F238E27FC236}">
+                <a16:creationId xmlns:a16="http://schemas.microsoft.com/office/drawing/2014/main" id="{A341A692-1D06-AED5-6146-3D5C2B275DF9}"/>
+              </a:ext>
+            </a:extLst>
+          </p:cNvPr>
+          <p:cNvSpPr/>
+          <p:nvPr/>
+        </p:nvSpPr>
+        <p:spPr>
+          <a:xfrm rot="2700000">
+            <a:off x="6397879" y="4066794"/>
+            <a:ext cx="2583457" cy="1628076"/>
+          </a:xfrm>
+          <a:custGeom>
+            <a:avLst/>
+            <a:gdLst>
+              <a:gd name="connsiteX0" fmla="*/ 0 w 2583457"/>
+              <a:gd name="connsiteY0" fmla="*/ 217153 h 1628076"/>
+              <a:gd name="connsiteX1" fmla="*/ 1011553 w 2583457"/>
+              <a:gd name="connsiteY1" fmla="*/ 217154 h 1628076"/>
+              <a:gd name="connsiteX2" fmla="*/ 1676178 w 2583457"/>
+              <a:gd name="connsiteY2" fmla="*/ 14138 h 1628076"/>
+              <a:gd name="connsiteX3" fmla="*/ 1695085 w 2583457"/>
+              <a:gd name="connsiteY3" fmla="*/ 0 h 1628076"/>
+              <a:gd name="connsiteX4" fmla="*/ 2314420 w 2583457"/>
+              <a:gd name="connsiteY4" fmla="*/ 206599 h 1628076"/>
+              <a:gd name="connsiteX5" fmla="*/ 2583457 w 2583457"/>
+              <a:gd name="connsiteY5" fmla="*/ 1013107 h 1628076"/>
+              <a:gd name="connsiteX6" fmla="*/ 2538614 w 2583457"/>
+              <a:gd name="connsiteY6" fmla="*/ 1053863 h 1628076"/>
+              <a:gd name="connsiteX7" fmla="*/ 939095 w 2583457"/>
+              <a:gd name="connsiteY7" fmla="*/ 1628076 h 1628076"/>
+              <a:gd name="connsiteX8" fmla="*/ 24628 w 2583457"/>
+              <a:gd name="connsiteY8" fmla="*/ 1628075 h 1628076"/>
+              <a:gd name="connsiteX9" fmla="*/ 0 w 2583457"/>
+              <a:gd name="connsiteY9" fmla="*/ 217153 h 1628076"/>
+            </a:gdLst>
+            <a:ahLst/>
+            <a:cxnLst>
+              <a:cxn ang="0">
+                <a:pos x="connsiteX0" y="connsiteY0"/>
+              </a:cxn>
+              <a:cxn ang="0">
+                <a:pos x="connsiteX1" y="connsiteY1"/>
+              </a:cxn>
+              <a:cxn ang="0">
+                <a:pos x="connsiteX2" y="connsiteY2"/>
+              </a:cxn>
+              <a:cxn ang="0">
+                <a:pos x="connsiteX3" y="connsiteY3"/>
+              </a:cxn>
+              <a:cxn ang="0">
+                <a:pos x="connsiteX4" y="connsiteY4"/>
+              </a:cxn>
+              <a:cxn ang="0">
+                <a:pos x="connsiteX5" y="connsiteY5"/>
+              </a:cxn>
+              <a:cxn ang="0">
+                <a:pos x="connsiteX6" y="connsiteY6"/>
+              </a:cxn>
+              <a:cxn ang="0">
+                <a:pos x="connsiteX7" y="connsiteY7"/>
+              </a:cxn>
+              <a:cxn ang="0">
+                <a:pos x="connsiteX8" y="connsiteY8"/>
+              </a:cxn>
+              <a:cxn ang="0">
+                <a:pos x="connsiteX9" y="connsiteY9"/>
+              </a:cxn>
+            </a:cxnLst>
+            <a:rect l="l" t="t" r="r" b="b"/>
+            <a:pathLst>
+              <a:path w="2583457" h="1628076">
+                <a:moveTo>
+                  <a:pt x="0" y="217153"/>
+                </a:moveTo>
+                <a:lnTo>
+                  <a:pt x="1011553" y="217154"/>
+                </a:lnTo>
+                <a:cubicBezTo>
+                  <a:pt x="1257745" y="217154"/>
+                  <a:pt x="1486457" y="142311"/>
+                  <a:pt x="1676178" y="14138"/>
+                </a:cubicBezTo>
+                <a:lnTo>
+                  <a:pt x="1695085" y="0"/>
+                </a:lnTo>
+                <a:lnTo>
+                  <a:pt x="2314420" y="206599"/>
+                </a:lnTo>
+                <a:lnTo>
+                  <a:pt x="2583457" y="1013107"/>
+                </a:lnTo>
+                <a:lnTo>
+                  <a:pt x="2538614" y="1053863"/>
+                </a:lnTo>
+                <a:cubicBezTo>
+                  <a:pt x="2103944" y="1412585"/>
+                  <a:pt x="1546685" y="1628075"/>
+                  <a:pt x="939095" y="1628076"/>
+                </a:cubicBezTo>
+                <a:lnTo>
+                  <a:pt x="24628" y="1628075"/>
+                </a:lnTo>
+                <a:lnTo>
+                  <a:pt x="0" y="217153"/>
+                </a:lnTo>
+                <a:close/>
+              </a:path>
+            </a:pathLst>
+          </a:custGeom>
+          <a:solidFill>
+            <a:schemeClr val="accent1">
+              <a:lumMod val="60000"/>
+              <a:lumOff val="40000"/>
+            </a:schemeClr>
+          </a:solidFill>
+          <a:ln>
+            <a:noFill/>
+          </a:ln>
+        </p:spPr>
+        <p:style>
+          <a:lnRef idx="2">
+            <a:schemeClr val="accent1">
+              <a:shade val="15000"/>
+            </a:schemeClr>
+          </a:lnRef>
+          <a:fillRef idx="1">
+            <a:schemeClr val="accent1"/>
+          </a:fillRef>
+          <a:effectRef idx="0">
+            <a:schemeClr val="accent1"/>
+          </a:effectRef>
+          <a:fontRef idx="minor">
+            <a:schemeClr val="lt1"/>
+          </a:fontRef>
+        </p:style>
+        <p:txBody>
+          <a:bodyPr wrap="square" rtlCol="0" anchor="ctr">
+            <a:noAutofit/>
+          </a:bodyPr>
+          <a:lstStyle/>
+          <a:p>
+            <a:pPr algn="ctr"/>
+            <a:endParaRPr lang="en-US"/>
+          </a:p>
+        </p:txBody>
+      </p:sp>
+    </p:spTree>
+    <p:extLst>
+      <p:ext uri="{BB962C8B-B14F-4D97-AF65-F5344CB8AC3E}">
+        <p14:creationId xmlns:p14="http://schemas.microsoft.com/office/powerpoint/2010/main" val="2787616917"/>
+      </p:ext>
+    </p:extLst>
+  </p:cSld>
+  <p:clrMapOvr>
+    <a:masterClrMapping/>
+  </p:clrMapOvr>
+</p:sld>
+</file>
+
+<file path=ppt/slides/slide4.xml><?xml version="1.0" encoding="utf-8"?>
+<p:sld xmlns:a="http://schemas.openxmlformats.org/drawingml/2006/main" xmlns:r="http://schemas.openxmlformats.org/officeDocument/2006/relationships" xmlns:p="http://schemas.openxmlformats.org/presentationml/2006/main">
+  <p:cSld>
+    <p:spTree>
+      <p:nvGrpSpPr>
+        <p:cNvPr id="1" name=""/>
+        <p:cNvGrpSpPr/>
+        <p:nvPr/>
+      </p:nvGrpSpPr>
+      <p:grpSpPr>
+        <a:xfrm>
+          <a:off x="0" y="0"/>
+          <a:ext cx="0" cy="0"/>
+          <a:chOff x="0" y="0"/>
+          <a:chExt cx="0" cy="0"/>
+        </a:xfrm>
+      </p:grpSpPr>
+      <p:sp>
+        <p:nvSpPr>
+          <p:cNvPr id="35" name="Freeform 34">
+            <a:extLst>
+              <a:ext uri="{FF2B5EF4-FFF2-40B4-BE49-F238E27FC236}">
+                <a16:creationId xmlns:a16="http://schemas.microsoft.com/office/drawing/2014/main" id="{09835D9B-DF03-811A-33ED-148C81188DA2}"/>
+              </a:ext>
+            </a:extLst>
+          </p:cNvPr>
+          <p:cNvSpPr/>
+          <p:nvPr/>
+        </p:nvSpPr>
+        <p:spPr>
+          <a:xfrm rot="2700000">
+            <a:off x="3043355" y="1388950"/>
+            <a:ext cx="2825257" cy="1517849"/>
+          </a:xfrm>
+          <a:custGeom>
+            <a:avLst/>
+            <a:gdLst>
+              <a:gd name="connsiteX0" fmla="*/ 69495 w 2825257"/>
+              <a:gd name="connsiteY0" fmla="*/ 669554 h 1517849"/>
+              <a:gd name="connsiteX1" fmla="*/ 1749590 w 2825257"/>
+              <a:gd name="connsiteY1" fmla="*/ 1 h 1517849"/>
+              <a:gd name="connsiteX2" fmla="*/ 2804819 w 2825257"/>
+              <a:gd name="connsiteY2" fmla="*/ 0 h 1517849"/>
+              <a:gd name="connsiteX3" fmla="*/ 2825257 w 2825257"/>
+              <a:gd name="connsiteY3" fmla="*/ 1126513 h 1517849"/>
+              <a:gd name="connsiteX4" fmla="*/ 1753395 w 2825257"/>
+              <a:gd name="connsiteY4" fmla="*/ 1126513 h 1517849"/>
+              <a:gd name="connsiteX5" fmla="*/ 879747 w 2825257"/>
+              <a:gd name="connsiteY5" fmla="*/ 1474680 h 1517849"/>
+              <a:gd name="connsiteX6" fmla="*/ 838968 w 2825257"/>
+              <a:gd name="connsiteY6" fmla="*/ 1517849 h 1517849"/>
+              <a:gd name="connsiteX7" fmla="*/ 548385 w 2825257"/>
+              <a:gd name="connsiteY7" fmla="*/ 1080049 h 1517849"/>
+              <a:gd name="connsiteX8" fmla="*/ 0 w 2825257"/>
+              <a:gd name="connsiteY8" fmla="*/ 743120 h 1517849"/>
+              <a:gd name="connsiteX9" fmla="*/ 69495 w 2825257"/>
+              <a:gd name="connsiteY9" fmla="*/ 669554 h 1517849"/>
+            </a:gdLst>
+            <a:ahLst/>
+            <a:cxnLst>
+              <a:cxn ang="0">
+                <a:pos x="connsiteX0" y="connsiteY0"/>
+              </a:cxn>
+              <a:cxn ang="0">
+                <a:pos x="connsiteX1" y="connsiteY1"/>
+              </a:cxn>
+              <a:cxn ang="0">
+                <a:pos x="connsiteX2" y="connsiteY2"/>
+              </a:cxn>
+              <a:cxn ang="0">
+                <a:pos x="connsiteX3" y="connsiteY3"/>
+              </a:cxn>
+              <a:cxn ang="0">
+                <a:pos x="connsiteX4" y="connsiteY4"/>
+              </a:cxn>
+              <a:cxn ang="0">
+                <a:pos x="connsiteX5" y="connsiteY5"/>
+              </a:cxn>
+              <a:cxn ang="0">
+                <a:pos x="connsiteX6" y="connsiteY6"/>
+              </a:cxn>
+              <a:cxn ang="0">
+                <a:pos x="connsiteX7" y="connsiteY7"/>
+              </a:cxn>
+              <a:cxn ang="0">
+                <a:pos x="connsiteX8" y="connsiteY8"/>
+              </a:cxn>
+              <a:cxn ang="0">
+                <a:pos x="connsiteX9" y="connsiteY9"/>
+              </a:cxn>
+            </a:cxnLst>
+            <a:rect l="l" t="t" r="r" b="b"/>
+            <a:pathLst>
+              <a:path w="2825257" h="1517849">
+                <a:moveTo>
+                  <a:pt x="69495" y="669554"/>
+                </a:moveTo>
+                <a:cubicBezTo>
+                  <a:pt x="499469" y="255869"/>
+                  <a:pt x="1093474" y="0"/>
+                  <a:pt x="1749590" y="1"/>
+                </a:cubicBezTo>
+                <a:lnTo>
+                  <a:pt x="2804819" y="0"/>
+                </a:lnTo>
+                <a:lnTo>
+                  <a:pt x="2825257" y="1126513"/>
+                </a:lnTo>
+                <a:lnTo>
+                  <a:pt x="1753395" y="1126513"/>
+                </a:lnTo>
+                <a:cubicBezTo>
+                  <a:pt x="1412215" y="1126513"/>
+                  <a:pt x="1103334" y="1259564"/>
+                  <a:pt x="879747" y="1474680"/>
+                </a:cubicBezTo>
+                <a:lnTo>
+                  <a:pt x="838968" y="1517849"/>
+                </a:lnTo>
+                <a:lnTo>
+                  <a:pt x="548385" y="1080049"/>
+                </a:lnTo>
+                <a:lnTo>
+                  <a:pt x="0" y="743120"/>
+                </a:lnTo>
+                <a:lnTo>
+                  <a:pt x="69495" y="669554"/>
+                </a:lnTo>
+                <a:close/>
+              </a:path>
+            </a:pathLst>
+          </a:custGeom>
+          <a:solidFill>
+            <a:srgbClr val="C00000"/>
+          </a:solidFill>
+          <a:ln>
+            <a:noFill/>
+          </a:ln>
+        </p:spPr>
+        <p:style>
+          <a:lnRef idx="2">
+            <a:schemeClr val="accent1">
+              <a:shade val="15000"/>
+            </a:schemeClr>
+          </a:lnRef>
+          <a:fillRef idx="1">
+            <a:schemeClr val="accent1"/>
+          </a:fillRef>
+          <a:effectRef idx="0">
+            <a:schemeClr val="accent1"/>
+          </a:effectRef>
+          <a:fontRef idx="minor">
+            <a:schemeClr val="lt1"/>
+          </a:fontRef>
+        </p:style>
+        <p:txBody>
+          <a:bodyPr wrap="square" rtlCol="0" anchor="ctr">
+            <a:noAutofit/>
+          </a:bodyPr>
+          <a:lstStyle/>
+          <a:p>
+            <a:pPr algn="ctr"/>
+            <a:r>
+              <a:rPr lang="en-US" dirty="0"/>
+              <a:t>Monitor</a:t>
+            </a:r>
+          </a:p>
+        </p:txBody>
+      </p:sp>
+      <p:sp>
+        <p:nvSpPr>
+          <p:cNvPr id="34" name="Freeform 33">
+            <a:extLst>
+              <a:ext uri="{FF2B5EF4-FFF2-40B4-BE49-F238E27FC236}">
+                <a16:creationId xmlns:a16="http://schemas.microsoft.com/office/drawing/2014/main" id="{767D241B-8A3B-272B-826C-BA46BBDE0DB7}"/>
+              </a:ext>
+            </a:extLst>
+          </p:cNvPr>
+          <p:cNvSpPr/>
+          <p:nvPr/>
+        </p:nvSpPr>
+        <p:spPr>
+          <a:xfrm rot="2700000">
+            <a:off x="1664246" y="868382"/>
+            <a:ext cx="1448663" cy="2975206"/>
+          </a:xfrm>
+          <a:custGeom>
+            <a:avLst/>
+            <a:gdLst>
+              <a:gd name="connsiteX0" fmla="*/ 504899 w 1448663"/>
+              <a:gd name="connsiteY0" fmla="*/ 0 h 2975206"/>
+              <a:gd name="connsiteX1" fmla="*/ 1040401 w 1448663"/>
+              <a:gd name="connsiteY1" fmla="*/ 329011 h 2975206"/>
+              <a:gd name="connsiteX2" fmla="*/ 1344561 w 1448663"/>
+              <a:gd name="connsiteY2" fmla="*/ 787264 h 2975206"/>
+              <a:gd name="connsiteX3" fmla="*/ 1293415 w 1448663"/>
+              <a:gd name="connsiteY3" fmla="*/ 868263 h 2975206"/>
+              <a:gd name="connsiteX4" fmla="*/ 1144295 w 1448663"/>
+              <a:gd name="connsiteY4" fmla="*/ 1434877 h 2975206"/>
+              <a:gd name="connsiteX5" fmla="*/ 1355301 w 1448663"/>
+              <a:gd name="connsiteY5" fmla="*/ 2099502 h 2975206"/>
+              <a:gd name="connsiteX6" fmla="*/ 1448663 w 1448663"/>
+              <a:gd name="connsiteY6" fmla="*/ 2208369 h 2975206"/>
+              <a:gd name="connsiteX7" fmla="*/ 962248 w 1448663"/>
+              <a:gd name="connsiteY7" fmla="*/ 2507221 h 2975206"/>
+              <a:gd name="connsiteX8" fmla="*/ 651629 w 1448663"/>
+              <a:gd name="connsiteY8" fmla="*/ 2975206 h 2975206"/>
+              <a:gd name="connsiteX9" fmla="*/ 542566 w 1448663"/>
+              <a:gd name="connsiteY9" fmla="*/ 2859754 h 2975206"/>
+              <a:gd name="connsiteX10" fmla="*/ 1 w 1448663"/>
+              <a:gd name="connsiteY10" fmla="*/ 1405646 h 2975206"/>
+              <a:gd name="connsiteX11" fmla="*/ 405786 w 1448663"/>
+              <a:gd name="connsiteY11" fmla="*/ 127521 h 2975206"/>
+              <a:gd name="connsiteX12" fmla="*/ 504899 w 1448663"/>
+              <a:gd name="connsiteY12" fmla="*/ 0 h 2975206"/>
+            </a:gdLst>
+            <a:ahLst/>
+            <a:cxnLst>
+              <a:cxn ang="0">
+                <a:pos x="connsiteX0" y="connsiteY0"/>
+              </a:cxn>
+              <a:cxn ang="0">
+                <a:pos x="connsiteX1" y="connsiteY1"/>
+              </a:cxn>
+              <a:cxn ang="0">
+                <a:pos x="connsiteX2" y="connsiteY2"/>
+              </a:cxn>
+              <a:cxn ang="0">
+                <a:pos x="connsiteX3" y="connsiteY3"/>
+              </a:cxn>
+              <a:cxn ang="0">
+                <a:pos x="connsiteX4" y="connsiteY4"/>
+              </a:cxn>
+              <a:cxn ang="0">
+                <a:pos x="connsiteX5" y="connsiteY5"/>
+              </a:cxn>
+              <a:cxn ang="0">
+                <a:pos x="connsiteX6" y="connsiteY6"/>
+              </a:cxn>
+              <a:cxn ang="0">
+                <a:pos x="connsiteX7" y="connsiteY7"/>
+              </a:cxn>
+              <a:cxn ang="0">
+                <a:pos x="connsiteX8" y="connsiteY8"/>
+              </a:cxn>
+              <a:cxn ang="0">
+                <a:pos x="connsiteX9" y="connsiteY9"/>
+              </a:cxn>
+              <a:cxn ang="0">
+                <a:pos x="connsiteX10" y="connsiteY10"/>
+              </a:cxn>
+              <a:cxn ang="0">
+                <a:pos x="connsiteX11" y="connsiteY11"/>
+              </a:cxn>
+              <a:cxn ang="0">
+                <a:pos x="connsiteX12" y="connsiteY12"/>
+              </a:cxn>
+            </a:cxnLst>
+            <a:rect l="l" t="t" r="r" b="b"/>
+            <a:pathLst>
+              <a:path w="1448663" h="2975206">
+                <a:moveTo>
+                  <a:pt x="504899" y="0"/>
+                </a:moveTo>
+                <a:lnTo>
+                  <a:pt x="1040401" y="329011"/>
+                </a:lnTo>
+                <a:lnTo>
+                  <a:pt x="1344561" y="787264"/>
+                </a:lnTo>
+                <a:lnTo>
+                  <a:pt x="1293415" y="868263"/>
+                </a:lnTo>
+                <a:cubicBezTo>
+                  <a:pt x="1198314" y="1036697"/>
+                  <a:pt x="1144294" y="1229715"/>
+                  <a:pt x="1144295" y="1434877"/>
+                </a:cubicBezTo>
+                <a:cubicBezTo>
+                  <a:pt x="1144294" y="1681069"/>
+                  <a:pt x="1222082" y="1909781"/>
+                  <a:pt x="1355301" y="2099502"/>
+                </a:cubicBezTo>
+                <a:lnTo>
+                  <a:pt x="1448663" y="2208369"/>
+                </a:lnTo>
+                <a:lnTo>
+                  <a:pt x="962248" y="2507221"/>
+                </a:lnTo>
+                <a:lnTo>
+                  <a:pt x="651629" y="2975206"/>
+                </a:lnTo>
+                <a:lnTo>
+                  <a:pt x="542566" y="2859754"/>
+                </a:lnTo>
+                <a:cubicBezTo>
+                  <a:pt x="203614" y="2464598"/>
+                  <a:pt x="0" y="1957999"/>
+                  <a:pt x="1" y="1405646"/>
+                </a:cubicBezTo>
+                <a:cubicBezTo>
+                  <a:pt x="1" y="932199"/>
+                  <a:pt x="149594" y="492368"/>
+                  <a:pt x="405786" y="127521"/>
+                </a:cubicBezTo>
+                <a:lnTo>
+                  <a:pt x="504899" y="0"/>
+                </a:lnTo>
+                <a:close/>
+              </a:path>
+            </a:pathLst>
+          </a:custGeom>
+          <a:solidFill>
+            <a:schemeClr val="accent5">
+              <a:lumMod val="40000"/>
+              <a:lumOff val="60000"/>
+            </a:schemeClr>
+          </a:solidFill>
+          <a:ln>
+            <a:noFill/>
+          </a:ln>
+        </p:spPr>
+        <p:style>
+          <a:lnRef idx="2">
+            <a:schemeClr val="accent1">
+              <a:shade val="15000"/>
+            </a:schemeClr>
+          </a:lnRef>
+          <a:fillRef idx="1">
+            <a:schemeClr val="accent1"/>
+          </a:fillRef>
+          <a:effectRef idx="0">
+            <a:schemeClr val="accent1"/>
+          </a:effectRef>
+          <a:fontRef idx="minor">
+            <a:schemeClr val="lt1"/>
+          </a:fontRef>
+        </p:style>
+        <p:txBody>
+          <a:bodyPr wrap="square" rtlCol="0" anchor="ctr">
+            <a:noAutofit/>
+          </a:bodyPr>
+          <a:lstStyle/>
+          <a:p>
+            <a:pPr algn="ctr"/>
+            <a:r>
+              <a:rPr lang="en-US" dirty="0"/>
+              <a:t>Operate</a:t>
+            </a:r>
+          </a:p>
+        </p:txBody>
+      </p:sp>
+      <p:sp>
+        <p:nvSpPr>
+          <p:cNvPr id="33" name="Freeform 32">
+            <a:extLst>
+              <a:ext uri="{FF2B5EF4-FFF2-40B4-BE49-F238E27FC236}">
+                <a16:creationId xmlns:a16="http://schemas.microsoft.com/office/drawing/2014/main" id="{42E594BD-46C5-7573-D2C7-B3D0483986F2}"/>
+              </a:ext>
+            </a:extLst>
+          </p:cNvPr>
+          <p:cNvSpPr/>
+          <p:nvPr/>
+        </p:nvSpPr>
+        <p:spPr>
+          <a:xfrm rot="2700000">
+            <a:off x="8052533" y="1735194"/>
+            <a:ext cx="3273748" cy="1421727"/>
+          </a:xfrm>
+          <a:custGeom>
+            <a:avLst/>
+            <a:gdLst>
+              <a:gd name="connsiteX0" fmla="*/ 0 w 3273748"/>
+              <a:gd name="connsiteY0" fmla="*/ 634149 h 1421727"/>
+              <a:gd name="connsiteX1" fmla="*/ 128241 w 3273748"/>
+              <a:gd name="connsiteY1" fmla="*/ 522012 h 1421727"/>
+              <a:gd name="connsiteX2" fmla="*/ 1639607 w 3273748"/>
+              <a:gd name="connsiteY2" fmla="*/ 1 h 1421727"/>
+              <a:gd name="connsiteX3" fmla="*/ 3150973 w 3273748"/>
+              <a:gd name="connsiteY3" fmla="*/ 522013 h 1421727"/>
+              <a:gd name="connsiteX4" fmla="*/ 3273748 w 3273748"/>
+              <a:gd name="connsiteY4" fmla="*/ 629370 h 1421727"/>
+              <a:gd name="connsiteX5" fmla="*/ 2772663 w 3273748"/>
+              <a:gd name="connsiteY5" fmla="*/ 937236 h 1421727"/>
+              <a:gd name="connsiteX6" fmla="*/ 2497346 w 3273748"/>
+              <a:gd name="connsiteY6" fmla="*/ 1352036 h 1421727"/>
+              <a:gd name="connsiteX7" fmla="*/ 2356986 w 3273748"/>
+              <a:gd name="connsiteY7" fmla="*/ 1240618 h 1421727"/>
+              <a:gd name="connsiteX8" fmla="*/ 1666191 w 3273748"/>
+              <a:gd name="connsiteY8" fmla="*/ 1037603 h 1421727"/>
+              <a:gd name="connsiteX9" fmla="*/ 792541 w 3273748"/>
+              <a:gd name="connsiteY9" fmla="*/ 1385771 h 1421727"/>
+              <a:gd name="connsiteX10" fmla="*/ 758575 w 3273748"/>
+              <a:gd name="connsiteY10" fmla="*/ 1421727 h 1421727"/>
+              <a:gd name="connsiteX11" fmla="*/ 360349 w 3273748"/>
+              <a:gd name="connsiteY11" fmla="*/ 1177056 h 1421727"/>
+              <a:gd name="connsiteX12" fmla="*/ 0 w 3273748"/>
+              <a:gd name="connsiteY12" fmla="*/ 634149 h 1421727"/>
+            </a:gdLst>
+            <a:ahLst/>
+            <a:cxnLst>
+              <a:cxn ang="0">
+                <a:pos x="connsiteX0" y="connsiteY0"/>
+              </a:cxn>
+              <a:cxn ang="0">
+                <a:pos x="connsiteX1" y="connsiteY1"/>
+              </a:cxn>
+              <a:cxn ang="0">
+                <a:pos x="connsiteX2" y="connsiteY2"/>
+              </a:cxn>
+              <a:cxn ang="0">
+                <a:pos x="connsiteX3" y="connsiteY3"/>
+              </a:cxn>
+              <a:cxn ang="0">
+                <a:pos x="connsiteX4" y="connsiteY4"/>
+              </a:cxn>
+              <a:cxn ang="0">
+                <a:pos x="connsiteX5" y="connsiteY5"/>
+              </a:cxn>
+              <a:cxn ang="0">
+                <a:pos x="connsiteX6" y="connsiteY6"/>
+              </a:cxn>
+              <a:cxn ang="0">
+                <a:pos x="connsiteX7" y="connsiteY7"/>
+              </a:cxn>
+              <a:cxn ang="0">
+                <a:pos x="connsiteX8" y="connsiteY8"/>
+              </a:cxn>
+              <a:cxn ang="0">
+                <a:pos x="connsiteX9" y="connsiteY9"/>
+              </a:cxn>
+              <a:cxn ang="0">
+                <a:pos x="connsiteX10" y="connsiteY10"/>
+              </a:cxn>
+              <a:cxn ang="0">
+                <a:pos x="connsiteX11" y="connsiteY11"/>
+              </a:cxn>
+              <a:cxn ang="0">
+                <a:pos x="connsiteX12" y="connsiteY12"/>
+              </a:cxn>
+            </a:cxnLst>
+            <a:rect l="l" t="t" r="r" b="b"/>
+            <a:pathLst>
+              <a:path w="3273748" h="1421727">
+                <a:moveTo>
+                  <a:pt x="0" y="634149"/>
+                </a:moveTo>
+                <a:lnTo>
+                  <a:pt x="128241" y="522012"/>
+                </a:lnTo>
+                <a:cubicBezTo>
+                  <a:pt x="538956" y="195901"/>
+                  <a:pt x="1065503" y="1"/>
+                  <a:pt x="1639607" y="1"/>
+                </a:cubicBezTo>
+                <a:cubicBezTo>
+                  <a:pt x="2213711" y="0"/>
+                  <a:pt x="2740258" y="195900"/>
+                  <a:pt x="3150973" y="522013"/>
+                </a:cubicBezTo>
+                <a:lnTo>
+                  <a:pt x="3273748" y="629370"/>
+                </a:lnTo>
+                <a:lnTo>
+                  <a:pt x="2772663" y="937236"/>
+                </a:lnTo>
+                <a:lnTo>
+                  <a:pt x="2497346" y="1352036"/>
+                </a:lnTo>
+                <a:lnTo>
+                  <a:pt x="2356986" y="1240618"/>
+                </a:lnTo>
+                <a:cubicBezTo>
+                  <a:pt x="2159796" y="1112445"/>
+                  <a:pt x="1922078" y="1037603"/>
+                  <a:pt x="1666191" y="1037603"/>
+                </a:cubicBezTo>
+                <a:cubicBezTo>
+                  <a:pt x="1325009" y="1037603"/>
+                  <a:pt x="1016128" y="1170655"/>
+                  <a:pt x="792541" y="1385771"/>
+                </a:cubicBezTo>
+                <a:lnTo>
+                  <a:pt x="758575" y="1421727"/>
+                </a:lnTo>
+                <a:lnTo>
+                  <a:pt x="360349" y="1177056"/>
+                </a:lnTo>
+                <a:lnTo>
+                  <a:pt x="0" y="634149"/>
+                </a:lnTo>
+                <a:close/>
+              </a:path>
+            </a:pathLst>
+          </a:custGeom>
+          <a:solidFill>
+            <a:schemeClr val="accent2">
+              <a:lumMod val="60000"/>
+              <a:lumOff val="40000"/>
+            </a:schemeClr>
+          </a:solidFill>
+          <a:ln>
+            <a:noFill/>
+          </a:ln>
+        </p:spPr>
+        <p:style>
+          <a:lnRef idx="2">
+            <a:schemeClr val="accent1">
+              <a:shade val="15000"/>
+            </a:schemeClr>
+          </a:lnRef>
+          <a:fillRef idx="1">
+            <a:schemeClr val="accent1"/>
+          </a:fillRef>
+          <a:effectRef idx="0">
+            <a:schemeClr val="accent1"/>
+          </a:effectRef>
+          <a:fontRef idx="minor">
+            <a:schemeClr val="lt1"/>
+          </a:fontRef>
+        </p:style>
+        <p:txBody>
+          <a:bodyPr wrap="square" rtlCol="0" anchor="ctr">
+            <a:noAutofit/>
+          </a:bodyPr>
+          <a:lstStyle/>
+          <a:p>
+            <a:pPr algn="ctr"/>
+            <a:r>
+              <a:rPr lang="en-US" dirty="0"/>
+              <a:t>Build</a:t>
+            </a:r>
+          </a:p>
+        </p:txBody>
+      </p:sp>
+      <p:sp>
+        <p:nvSpPr>
+          <p:cNvPr id="32" name="Freeform 31">
+            <a:extLst>
+              <a:ext uri="{FF2B5EF4-FFF2-40B4-BE49-F238E27FC236}">
+                <a16:creationId xmlns:a16="http://schemas.microsoft.com/office/drawing/2014/main" id="{B4AA121F-6568-6C1F-76A8-1969A6458E76}"/>
+              </a:ext>
+            </a:extLst>
+          </p:cNvPr>
+          <p:cNvSpPr/>
+          <p:nvPr/>
+        </p:nvSpPr>
+        <p:spPr>
+          <a:xfrm rot="2700000">
+            <a:off x="5152619" y="210451"/>
+            <a:ext cx="1712885" cy="6594536"/>
+          </a:xfrm>
+          <a:custGeom>
+            <a:avLst/>
+            <a:gdLst>
+              <a:gd name="connsiteX0" fmla="*/ 938998 w 1712885"/>
+              <a:gd name="connsiteY0" fmla="*/ 0 h 6594536"/>
+              <a:gd name="connsiteX1" fmla="*/ 1297199 w 1712885"/>
+              <a:gd name="connsiteY1" fmla="*/ 539670 h 6594536"/>
+              <a:gd name="connsiteX2" fmla="*/ 1712885 w 1712885"/>
+              <a:gd name="connsiteY2" fmla="*/ 795068 h 6594536"/>
+              <a:gd name="connsiteX3" fmla="*/ 1651042 w 1712885"/>
+              <a:gd name="connsiteY3" fmla="*/ 893007 h 6594536"/>
+              <a:gd name="connsiteX4" fmla="*/ 1501920 w 1712885"/>
+              <a:gd name="connsiteY4" fmla="*/ 1459622 h 6594536"/>
+              <a:gd name="connsiteX5" fmla="*/ 1501920 w 1712885"/>
+              <a:gd name="connsiteY5" fmla="*/ 1615741 h 6594536"/>
+              <a:gd name="connsiteX6" fmla="*/ 1492104 w 1712885"/>
+              <a:gd name="connsiteY6" fmla="*/ 1615741 h 6594536"/>
+              <a:gd name="connsiteX7" fmla="*/ 1492104 w 1712885"/>
+              <a:gd name="connsiteY7" fmla="*/ 4423038 h 6594536"/>
+              <a:gd name="connsiteX8" fmla="*/ 1489028 w 1712885"/>
+              <a:gd name="connsiteY8" fmla="*/ 4422987 h 6594536"/>
+              <a:gd name="connsiteX9" fmla="*/ 1478565 w 1712885"/>
+              <a:gd name="connsiteY9" fmla="*/ 4999565 h 6594536"/>
+              <a:gd name="connsiteX10" fmla="*/ 1507622 w 1712885"/>
+              <a:gd name="connsiteY10" fmla="*/ 5000053 h 6594536"/>
+              <a:gd name="connsiteX11" fmla="*/ 1497406 w 1712885"/>
+              <a:gd name="connsiteY11" fmla="*/ 5194711 h 6594536"/>
+              <a:gd name="connsiteX12" fmla="*/ 813754 w 1712885"/>
+              <a:gd name="connsiteY12" fmla="*/ 6577428 h 6594536"/>
+              <a:gd name="connsiteX13" fmla="*/ 794188 w 1712885"/>
+              <a:gd name="connsiteY13" fmla="*/ 6594536 h 6594536"/>
+              <a:gd name="connsiteX14" fmla="*/ 298249 w 1712885"/>
+              <a:gd name="connsiteY14" fmla="*/ 6289833 h 6594536"/>
+              <a:gd name="connsiteX15" fmla="*/ 0 w 1712885"/>
+              <a:gd name="connsiteY15" fmla="*/ 5840482 h 6594536"/>
+              <a:gd name="connsiteX16" fmla="*/ 11115 w 1712885"/>
+              <a:gd name="connsiteY16" fmla="*/ 5830764 h 6594536"/>
+              <a:gd name="connsiteX17" fmla="*/ 366613 w 1712885"/>
+              <a:gd name="connsiteY17" fmla="*/ 5111753 h 6594536"/>
+              <a:gd name="connsiteX18" fmla="*/ 372728 w 1712885"/>
+              <a:gd name="connsiteY18" fmla="*/ 4995244 h 6594536"/>
+              <a:gd name="connsiteX19" fmla="*/ 379993 w 1712885"/>
+              <a:gd name="connsiteY19" fmla="*/ 4995366 h 6594536"/>
+              <a:gd name="connsiteX20" fmla="*/ 386720 w 1712885"/>
+              <a:gd name="connsiteY20" fmla="*/ 4624488 h 6594536"/>
+              <a:gd name="connsiteX21" fmla="*/ 401471 w 1712885"/>
+              <a:gd name="connsiteY21" fmla="*/ 4624241 h 6594536"/>
+              <a:gd name="connsiteX22" fmla="*/ 347663 w 1712885"/>
+              <a:gd name="connsiteY22" fmla="*/ 1658318 h 6594536"/>
+              <a:gd name="connsiteX23" fmla="*/ 334849 w 1712885"/>
+              <a:gd name="connsiteY23" fmla="*/ 1658534 h 6594536"/>
+              <a:gd name="connsiteX24" fmla="*/ 334849 w 1712885"/>
+              <a:gd name="connsiteY24" fmla="*/ 1519299 h 6594536"/>
+              <a:gd name="connsiteX25" fmla="*/ 877416 w 1712885"/>
+              <a:gd name="connsiteY25" fmla="*/ 65190 h 6594536"/>
+              <a:gd name="connsiteX26" fmla="*/ 938998 w 1712885"/>
+              <a:gd name="connsiteY26" fmla="*/ 0 h 6594536"/>
+            </a:gdLst>
+            <a:ahLst/>
+            <a:cxnLst>
+              <a:cxn ang="0">
+                <a:pos x="connsiteX0" y="connsiteY0"/>
+              </a:cxn>
+              <a:cxn ang="0">
+                <a:pos x="connsiteX1" y="connsiteY1"/>
+              </a:cxn>
+              <a:cxn ang="0">
+                <a:pos x="connsiteX2" y="connsiteY2"/>
+              </a:cxn>
+              <a:cxn ang="0">
+                <a:pos x="connsiteX3" y="connsiteY3"/>
+              </a:cxn>
+              <a:cxn ang="0">
+                <a:pos x="connsiteX4" y="connsiteY4"/>
+              </a:cxn>
+              <a:cxn ang="0">
+                <a:pos x="connsiteX5" y="connsiteY5"/>
+              </a:cxn>
+              <a:cxn ang="0">
+                <a:pos x="connsiteX6" y="connsiteY6"/>
+              </a:cxn>
+              <a:cxn ang="0">
+                <a:pos x="connsiteX7" y="connsiteY7"/>
+              </a:cxn>
+              <a:cxn ang="0">
+                <a:pos x="connsiteX8" y="connsiteY8"/>
+              </a:cxn>
+              <a:cxn ang="0">
+                <a:pos x="connsiteX9" y="connsiteY9"/>
+              </a:cxn>
+              <a:cxn ang="0">
+                <a:pos x="connsiteX10" y="connsiteY10"/>
+              </a:cxn>
+              <a:cxn ang="0">
+                <a:pos x="connsiteX11" y="connsiteY11"/>
+              </a:cxn>
+              <a:cxn ang="0">
+                <a:pos x="connsiteX12" y="connsiteY12"/>
+              </a:cxn>
+              <a:cxn ang="0">
+                <a:pos x="connsiteX13" y="connsiteY13"/>
+              </a:cxn>
+              <a:cxn ang="0">
+                <a:pos x="connsiteX14" y="connsiteY14"/>
+              </a:cxn>
+              <a:cxn ang="0">
+                <a:pos x="connsiteX15" y="connsiteY15"/>
+              </a:cxn>
+              <a:cxn ang="0">
+                <a:pos x="connsiteX16" y="connsiteY16"/>
+              </a:cxn>
+              <a:cxn ang="0">
+                <a:pos x="connsiteX17" y="connsiteY17"/>
+              </a:cxn>
+              <a:cxn ang="0">
+                <a:pos x="connsiteX18" y="connsiteY18"/>
+              </a:cxn>
+              <a:cxn ang="0">
+                <a:pos x="connsiteX19" y="connsiteY19"/>
+              </a:cxn>
+              <a:cxn ang="0">
+                <a:pos x="connsiteX20" y="connsiteY20"/>
+              </a:cxn>
+              <a:cxn ang="0">
+                <a:pos x="connsiteX21" y="connsiteY21"/>
+              </a:cxn>
+              <a:cxn ang="0">
+                <a:pos x="connsiteX22" y="connsiteY22"/>
+              </a:cxn>
+              <a:cxn ang="0">
+                <a:pos x="connsiteX23" y="connsiteY23"/>
+              </a:cxn>
+              <a:cxn ang="0">
+                <a:pos x="connsiteX24" y="connsiteY24"/>
+              </a:cxn>
+              <a:cxn ang="0">
+                <a:pos x="connsiteX25" y="connsiteY25"/>
+              </a:cxn>
+              <a:cxn ang="0">
+                <a:pos x="connsiteX26" y="connsiteY26"/>
+              </a:cxn>
+            </a:cxnLst>
+            <a:rect l="l" t="t" r="r" b="b"/>
+            <a:pathLst>
+              <a:path w="1712885" h="6594536">
+                <a:moveTo>
+                  <a:pt x="938998" y="0"/>
+                </a:moveTo>
+                <a:lnTo>
+                  <a:pt x="1297199" y="539670"/>
+                </a:lnTo>
+                <a:lnTo>
+                  <a:pt x="1712885" y="795068"/>
+                </a:lnTo>
+                <a:lnTo>
+                  <a:pt x="1651042" y="893007"/>
+                </a:lnTo>
+                <a:cubicBezTo>
+                  <a:pt x="1555940" y="1061441"/>
+                  <a:pt x="1501920" y="1254462"/>
+                  <a:pt x="1501920" y="1459622"/>
+                </a:cubicBezTo>
+                <a:lnTo>
+                  <a:pt x="1501920" y="1615741"/>
+                </a:lnTo>
+                <a:lnTo>
+                  <a:pt x="1492104" y="1615741"/>
+                </a:lnTo>
+                <a:lnTo>
+                  <a:pt x="1492104" y="4423038"/>
+                </a:lnTo>
+                <a:lnTo>
+                  <a:pt x="1489028" y="4422987"/>
+                </a:lnTo>
+                <a:lnTo>
+                  <a:pt x="1478565" y="4999565"/>
+                </a:lnTo>
+                <a:lnTo>
+                  <a:pt x="1507622" y="5000053"/>
+                </a:lnTo>
+                <a:lnTo>
+                  <a:pt x="1497406" y="5194711"/>
+                </a:lnTo>
+                <a:cubicBezTo>
+                  <a:pt x="1440624" y="5732651"/>
+                  <a:pt x="1189982" y="6215453"/>
+                  <a:pt x="813754" y="6577428"/>
+                </a:cubicBezTo>
+                <a:lnTo>
+                  <a:pt x="794188" y="6594536"/>
+                </a:lnTo>
+                <a:lnTo>
+                  <a:pt x="298249" y="6289833"/>
+                </a:lnTo>
+                <a:lnTo>
+                  <a:pt x="0" y="5840482"/>
+                </a:lnTo>
+                <a:lnTo>
+                  <a:pt x="11115" y="5830764"/>
+                </a:lnTo>
+                <a:cubicBezTo>
+                  <a:pt x="206753" y="5642538"/>
+                  <a:pt x="337087" y="5391481"/>
+                  <a:pt x="366613" y="5111753"/>
+                </a:cubicBezTo>
+                <a:lnTo>
+                  <a:pt x="372728" y="4995244"/>
+                </a:lnTo>
+                <a:lnTo>
+                  <a:pt x="379993" y="4995366"/>
+                </a:lnTo>
+                <a:lnTo>
+                  <a:pt x="386720" y="4624488"/>
+                </a:lnTo>
+                <a:lnTo>
+                  <a:pt x="401471" y="4624241"/>
+                </a:lnTo>
+                <a:lnTo>
+                  <a:pt x="347663" y="1658318"/>
+                </a:lnTo>
+                <a:lnTo>
+                  <a:pt x="334849" y="1658534"/>
+                </a:lnTo>
+                <a:lnTo>
+                  <a:pt x="334849" y="1519299"/>
+                </a:lnTo>
+                <a:cubicBezTo>
+                  <a:pt x="334849" y="966945"/>
+                  <a:pt x="538463" y="460347"/>
+                  <a:pt x="877416" y="65190"/>
+                </a:cubicBezTo>
+                <a:lnTo>
+                  <a:pt x="938998" y="0"/>
+                </a:lnTo>
+                <a:close/>
+              </a:path>
+            </a:pathLst>
+          </a:custGeom>
+          <a:solidFill>
+            <a:srgbClr val="00B0F0"/>
+          </a:solidFill>
+          <a:ln>
+            <a:noFill/>
+          </a:ln>
+        </p:spPr>
+        <p:style>
+          <a:lnRef idx="2">
+            <a:schemeClr val="accent1">
+              <a:shade val="15000"/>
+            </a:schemeClr>
+          </a:lnRef>
+          <a:fillRef idx="1">
+            <a:schemeClr val="accent1"/>
+          </a:fillRef>
+          <a:effectRef idx="0">
+            <a:schemeClr val="accent1"/>
+          </a:effectRef>
+          <a:fontRef idx="minor">
+            <a:schemeClr val="lt1"/>
+          </a:fontRef>
+        </p:style>
+        <p:txBody>
+          <a:bodyPr wrap="square" rtlCol="0" anchor="ctr">
+            <a:noAutofit/>
+          </a:bodyPr>
+          <a:lstStyle/>
+          <a:p>
+            <a:pPr algn="ctr"/>
+            <a:endParaRPr lang="en-US" dirty="0"/>
+          </a:p>
+        </p:txBody>
+      </p:sp>
+      <p:sp>
+        <p:nvSpPr>
+          <p:cNvPr id="31" name="Freeform 30">
+            <a:extLst>
+              <a:ext uri="{FF2B5EF4-FFF2-40B4-BE49-F238E27FC236}">
+                <a16:creationId xmlns:a16="http://schemas.microsoft.com/office/drawing/2014/main" id="{383DD585-AC0B-DD1C-795D-2E63D07E5FA6}"/>
+              </a:ext>
+            </a:extLst>
+          </p:cNvPr>
+          <p:cNvSpPr/>
+          <p:nvPr/>
+        </p:nvSpPr>
+        <p:spPr>
+          <a:xfrm rot="2700000">
+            <a:off x="898719" y="3901430"/>
+            <a:ext cx="3106660" cy="1354489"/>
+          </a:xfrm>
+          <a:custGeom>
+            <a:avLst/>
+            <a:gdLst>
+              <a:gd name="connsiteX0" fmla="*/ 309095 w 3106660"/>
+              <a:gd name="connsiteY0" fmla="*/ 299381 h 1354489"/>
+              <a:gd name="connsiteX1" fmla="*/ 796369 w 3106660"/>
+              <a:gd name="connsiteY1" fmla="*/ 0 h 1354489"/>
+              <a:gd name="connsiteX2" fmla="*/ 901464 w 3106660"/>
+              <a:gd name="connsiteY2" fmla="*/ 83427 h 1354489"/>
+              <a:gd name="connsiteX3" fmla="*/ 1592262 w 3106660"/>
+              <a:gd name="connsiteY3" fmla="*/ 286441 h 1354489"/>
+              <a:gd name="connsiteX4" fmla="*/ 2283056 w 3106660"/>
+              <a:gd name="connsiteY4" fmla="*/ 83427 h 1354489"/>
+              <a:gd name="connsiteX5" fmla="*/ 2311071 w 3106660"/>
+              <a:gd name="connsiteY5" fmla="*/ 63271 h 1354489"/>
+              <a:gd name="connsiteX6" fmla="*/ 2618639 w 3106660"/>
+              <a:gd name="connsiteY6" fmla="*/ 526658 h 1354489"/>
+              <a:gd name="connsiteX7" fmla="*/ 3106660 w 3106660"/>
+              <a:gd name="connsiteY7" fmla="*/ 826497 h 1354489"/>
+              <a:gd name="connsiteX8" fmla="*/ 3099820 w 3106660"/>
+              <a:gd name="connsiteY8" fmla="*/ 832479 h 1354489"/>
+              <a:gd name="connsiteX9" fmla="*/ 1588455 w 3106660"/>
+              <a:gd name="connsiteY9" fmla="*/ 1354489 h 1354489"/>
+              <a:gd name="connsiteX10" fmla="*/ 77088 w 3106660"/>
+              <a:gd name="connsiteY10" fmla="*/ 832478 h 1354489"/>
+              <a:gd name="connsiteX11" fmla="*/ 0 w 3106660"/>
+              <a:gd name="connsiteY11" fmla="*/ 765070 h 1354489"/>
+              <a:gd name="connsiteX12" fmla="*/ 309095 w 3106660"/>
+              <a:gd name="connsiteY12" fmla="*/ 299381 h 1354489"/>
+            </a:gdLst>
+            <a:ahLst/>
+            <a:cxnLst>
+              <a:cxn ang="0">
+                <a:pos x="connsiteX0" y="connsiteY0"/>
+              </a:cxn>
+              <a:cxn ang="0">
+                <a:pos x="connsiteX1" y="connsiteY1"/>
+              </a:cxn>
+              <a:cxn ang="0">
+                <a:pos x="connsiteX2" y="connsiteY2"/>
+              </a:cxn>
+              <a:cxn ang="0">
+                <a:pos x="connsiteX3" y="connsiteY3"/>
+              </a:cxn>
+              <a:cxn ang="0">
+                <a:pos x="connsiteX4" y="connsiteY4"/>
+              </a:cxn>
+              <a:cxn ang="0">
+                <a:pos x="connsiteX5" y="connsiteY5"/>
+              </a:cxn>
+              <a:cxn ang="0">
+                <a:pos x="connsiteX6" y="connsiteY6"/>
+              </a:cxn>
+              <a:cxn ang="0">
+                <a:pos x="connsiteX7" y="connsiteY7"/>
+              </a:cxn>
+              <a:cxn ang="0">
+                <a:pos x="connsiteX8" y="connsiteY8"/>
+              </a:cxn>
+              <a:cxn ang="0">
+                <a:pos x="connsiteX9" y="connsiteY9"/>
+              </a:cxn>
+              <a:cxn ang="0">
+                <a:pos x="connsiteX10" y="connsiteY10"/>
+              </a:cxn>
+              <a:cxn ang="0">
+                <a:pos x="connsiteX11" y="connsiteY11"/>
+              </a:cxn>
+              <a:cxn ang="0">
+                <a:pos x="connsiteX12" y="connsiteY12"/>
+              </a:cxn>
+            </a:cxnLst>
+            <a:rect l="l" t="t" r="r" b="b"/>
+            <a:pathLst>
+              <a:path w="3106660" h="1354489">
+                <a:moveTo>
+                  <a:pt x="309095" y="299381"/>
+                </a:moveTo>
+                <a:lnTo>
+                  <a:pt x="796369" y="0"/>
+                </a:lnTo>
+                <a:lnTo>
+                  <a:pt x="901464" y="83427"/>
+                </a:lnTo>
+                <a:cubicBezTo>
+                  <a:pt x="1098656" y="211599"/>
+                  <a:pt x="1336374" y="286441"/>
+                  <a:pt x="1592262" y="286441"/>
+                </a:cubicBezTo>
+                <a:cubicBezTo>
+                  <a:pt x="1848147" y="286441"/>
+                  <a:pt x="2085865" y="211599"/>
+                  <a:pt x="2283056" y="83427"/>
+                </a:cubicBezTo>
+                <a:lnTo>
+                  <a:pt x="2311071" y="63271"/>
+                </a:lnTo>
+                <a:lnTo>
+                  <a:pt x="2618639" y="526658"/>
+                </a:lnTo>
+                <a:lnTo>
+                  <a:pt x="3106660" y="826497"/>
+                </a:lnTo>
+                <a:lnTo>
+                  <a:pt x="3099820" y="832479"/>
+                </a:lnTo>
+                <a:cubicBezTo>
+                  <a:pt x="2689104" y="1158590"/>
+                  <a:pt x="2162558" y="1354490"/>
+                  <a:pt x="1588455" y="1354489"/>
+                </a:cubicBezTo>
+                <a:cubicBezTo>
+                  <a:pt x="1014350" y="1354489"/>
+                  <a:pt x="487803" y="1158589"/>
+                  <a:pt x="77088" y="832478"/>
+                </a:cubicBezTo>
+                <a:lnTo>
+                  <a:pt x="0" y="765070"/>
+                </a:lnTo>
+                <a:lnTo>
+                  <a:pt x="309095" y="299381"/>
+                </a:lnTo>
+                <a:close/>
+              </a:path>
+            </a:pathLst>
+          </a:custGeom>
+          <a:ln>
+            <a:noFill/>
+          </a:ln>
+        </p:spPr>
+        <p:style>
+          <a:lnRef idx="2">
+            <a:schemeClr val="accent1">
+              <a:shade val="15000"/>
+            </a:schemeClr>
+          </a:lnRef>
+          <a:fillRef idx="1">
+            <a:schemeClr val="accent1"/>
+          </a:fillRef>
+          <a:effectRef idx="0">
+            <a:schemeClr val="accent1"/>
+          </a:effectRef>
+          <a:fontRef idx="minor">
+            <a:schemeClr val="lt1"/>
+          </a:fontRef>
+        </p:style>
+        <p:txBody>
+          <a:bodyPr wrap="square" rtlCol="0" anchor="ctr">
+            <a:noAutofit/>
+          </a:bodyPr>
+          <a:lstStyle/>
+          <a:p>
+            <a:pPr algn="ctr"/>
+            <a:r>
+              <a:rPr lang="en-US" dirty="0"/>
+              <a:t>Deploy</a:t>
+            </a:r>
+          </a:p>
+        </p:txBody>
+      </p:sp>
+      <p:sp>
+        <p:nvSpPr>
+          <p:cNvPr id="30" name="Freeform 29">
+            <a:extLst>
+              <a:ext uri="{FF2B5EF4-FFF2-40B4-BE49-F238E27FC236}">
+                <a16:creationId xmlns:a16="http://schemas.microsoft.com/office/drawing/2014/main" id="{3F9535FE-92E8-6642-0A7B-D8AAE4B95576}"/>
+              </a:ext>
+            </a:extLst>
+          </p:cNvPr>
+          <p:cNvSpPr/>
+          <p:nvPr/>
+        </p:nvSpPr>
+        <p:spPr>
+          <a:xfrm rot="2700000">
+            <a:off x="8902622" y="3154945"/>
+            <a:ext cx="1541805" cy="3161658"/>
+          </a:xfrm>
+          <a:custGeom>
+            <a:avLst/>
+            <a:gdLst>
+              <a:gd name="connsiteX0" fmla="*/ 433254 w 1541805"/>
+              <a:gd name="connsiteY0" fmla="*/ 306213 h 3161658"/>
+              <a:gd name="connsiteX1" fmla="*/ 931648 w 1541805"/>
+              <a:gd name="connsiteY1" fmla="*/ 0 h 3161658"/>
+              <a:gd name="connsiteX2" fmla="*/ 999240 w 1541805"/>
+              <a:gd name="connsiteY2" fmla="*/ 71552 h 3161658"/>
+              <a:gd name="connsiteX3" fmla="*/ 1541805 w 1541805"/>
+              <a:gd name="connsiteY3" fmla="*/ 1525660 h 3161658"/>
+              <a:gd name="connsiteX4" fmla="*/ 845887 w 1541805"/>
+              <a:gd name="connsiteY4" fmla="*/ 3142107 h 3161658"/>
+              <a:gd name="connsiteX5" fmla="*/ 823529 w 1541805"/>
+              <a:gd name="connsiteY5" fmla="*/ 3161658 h 3161658"/>
+              <a:gd name="connsiteX6" fmla="*/ 496916 w 1541805"/>
+              <a:gd name="connsiteY6" fmla="*/ 2669575 h 3161658"/>
+              <a:gd name="connsiteX7" fmla="*/ 0 w 1541805"/>
+              <a:gd name="connsiteY7" fmla="*/ 2364269 h 3161658"/>
+              <a:gd name="connsiteX8" fmla="*/ 66025 w 1541805"/>
+              <a:gd name="connsiteY8" fmla="*/ 2306535 h 3161658"/>
+              <a:gd name="connsiteX9" fmla="*/ 427903 w 1541805"/>
+              <a:gd name="connsiteY9" fmla="*/ 1465983 h 3161658"/>
+              <a:gd name="connsiteX10" fmla="*/ 216894 w 1541805"/>
+              <a:gd name="connsiteY10" fmla="*/ 801359 h 3161658"/>
+              <a:gd name="connsiteX11" fmla="*/ 153598 w 1541805"/>
+              <a:gd name="connsiteY11" fmla="*/ 727549 h 3161658"/>
+              <a:gd name="connsiteX12" fmla="*/ 433254 w 1541805"/>
+              <a:gd name="connsiteY12" fmla="*/ 306213 h 3161658"/>
+            </a:gdLst>
+            <a:ahLst/>
+            <a:cxnLst>
+              <a:cxn ang="0">
+                <a:pos x="connsiteX0" y="connsiteY0"/>
+              </a:cxn>
+              <a:cxn ang="0">
+                <a:pos x="connsiteX1" y="connsiteY1"/>
+              </a:cxn>
+              <a:cxn ang="0">
+                <a:pos x="connsiteX2" y="connsiteY2"/>
+              </a:cxn>
+              <a:cxn ang="0">
+                <a:pos x="connsiteX3" y="connsiteY3"/>
+              </a:cxn>
+              <a:cxn ang="0">
+                <a:pos x="connsiteX4" y="connsiteY4"/>
+              </a:cxn>
+              <a:cxn ang="0">
+                <a:pos x="connsiteX5" y="connsiteY5"/>
+              </a:cxn>
+              <a:cxn ang="0">
+                <a:pos x="connsiteX6" y="connsiteY6"/>
+              </a:cxn>
+              <a:cxn ang="0">
+                <a:pos x="connsiteX7" y="connsiteY7"/>
+              </a:cxn>
+              <a:cxn ang="0">
+                <a:pos x="connsiteX8" y="connsiteY8"/>
+              </a:cxn>
+              <a:cxn ang="0">
+                <a:pos x="connsiteX9" y="connsiteY9"/>
+              </a:cxn>
+              <a:cxn ang="0">
+                <a:pos x="connsiteX10" y="connsiteY10"/>
+              </a:cxn>
+              <a:cxn ang="0">
+                <a:pos x="connsiteX11" y="connsiteY11"/>
+              </a:cxn>
+              <a:cxn ang="0">
+                <a:pos x="connsiteX12" y="connsiteY12"/>
+              </a:cxn>
+            </a:cxnLst>
+            <a:rect l="l" t="t" r="r" b="b"/>
+            <a:pathLst>
+              <a:path w="1541805" h="3161658">
+                <a:moveTo>
+                  <a:pt x="433254" y="306213"/>
+                </a:moveTo>
+                <a:lnTo>
+                  <a:pt x="931648" y="0"/>
+                </a:lnTo>
+                <a:lnTo>
+                  <a:pt x="999240" y="71552"/>
+                </a:lnTo>
+                <a:cubicBezTo>
+                  <a:pt x="1338192" y="466707"/>
+                  <a:pt x="1541805" y="973306"/>
+                  <a:pt x="1541805" y="1525660"/>
+                </a:cubicBezTo>
+                <a:cubicBezTo>
+                  <a:pt x="1541805" y="2156922"/>
+                  <a:pt x="1275860" y="2728422"/>
+                  <a:pt x="845887" y="3142107"/>
+                </a:cubicBezTo>
+                <a:lnTo>
+                  <a:pt x="823529" y="3161658"/>
+                </a:lnTo>
+                <a:lnTo>
+                  <a:pt x="496916" y="2669575"/>
+                </a:lnTo>
+                <a:lnTo>
+                  <a:pt x="0" y="2364269"/>
+                </a:lnTo>
+                <a:lnTo>
+                  <a:pt x="66025" y="2306535"/>
+                </a:lnTo>
+                <a:cubicBezTo>
+                  <a:pt x="289613" y="2091419"/>
+                  <a:pt x="427903" y="1794239"/>
+                  <a:pt x="427903" y="1465983"/>
+                </a:cubicBezTo>
+                <a:cubicBezTo>
+                  <a:pt x="427903" y="1219791"/>
+                  <a:pt x="350114" y="991079"/>
+                  <a:pt x="216894" y="801359"/>
+                </a:cubicBezTo>
+                <a:lnTo>
+                  <a:pt x="153598" y="727549"/>
+                </a:lnTo>
+                <a:lnTo>
+                  <a:pt x="433254" y="306213"/>
+                </a:lnTo>
+                <a:close/>
+              </a:path>
+            </a:pathLst>
+          </a:custGeom>
+          <a:solidFill>
+            <a:srgbClr val="00B050"/>
+          </a:solidFill>
+          <a:ln>
+            <a:noFill/>
+          </a:ln>
+        </p:spPr>
+        <p:style>
+          <a:lnRef idx="2">
+            <a:schemeClr val="accent1">
+              <a:shade val="15000"/>
+            </a:schemeClr>
+          </a:lnRef>
+          <a:fillRef idx="1">
+            <a:schemeClr val="accent1"/>
+          </a:fillRef>
+          <a:effectRef idx="0">
+            <a:schemeClr val="accent1"/>
+          </a:effectRef>
+          <a:fontRef idx="minor">
+            <a:schemeClr val="lt1"/>
+          </a:fontRef>
+        </p:style>
+        <p:txBody>
+          <a:bodyPr wrap="square" rtlCol="0" anchor="ctr">
+            <a:noAutofit/>
+          </a:bodyPr>
+          <a:lstStyle/>
+          <a:p>
+            <a:pPr algn="ctr"/>
+            <a:r>
+              <a:rPr lang="en-US" dirty="0"/>
+              <a:t>Code</a:t>
+            </a:r>
+          </a:p>
+        </p:txBody>
+      </p:sp>
+      <p:sp>
+        <p:nvSpPr>
+          <p:cNvPr id="29" name="Freeform 28">
+            <a:extLst>
+              <a:ext uri="{FF2B5EF4-FFF2-40B4-BE49-F238E27FC236}">
+                <a16:creationId xmlns:a16="http://schemas.microsoft.com/office/drawing/2014/main" id="{0C7B017F-CD04-F2B0-BA1F-D691EE900B8B}"/>
+              </a:ext>
+            </a:extLst>
+          </p:cNvPr>
+          <p:cNvSpPr/>
+          <p:nvPr/>
+        </p:nvSpPr>
+        <p:spPr>
+          <a:xfrm rot="2700000">
+            <a:off x="6321449" y="4207925"/>
+            <a:ext cx="2559947" cy="1334281"/>
+          </a:xfrm>
+          <a:custGeom>
+            <a:avLst/>
+            <a:gdLst>
+              <a:gd name="connsiteX0" fmla="*/ 0 w 2559947"/>
+              <a:gd name="connsiteY0" fmla="*/ 177323 h 1334281"/>
+              <a:gd name="connsiteX1" fmla="*/ 1068150 w 2559947"/>
+              <a:gd name="connsiteY1" fmla="*/ 177323 h 1334281"/>
+              <a:gd name="connsiteX2" fmla="*/ 1657077 w 2559947"/>
+              <a:gd name="connsiteY2" fmla="*/ 33851 h 1334281"/>
+              <a:gd name="connsiteX3" fmla="*/ 1714991 w 2559947"/>
+              <a:gd name="connsiteY3" fmla="*/ 0 h 1334281"/>
+              <a:gd name="connsiteX4" fmla="*/ 2238284 w 2559947"/>
+              <a:gd name="connsiteY4" fmla="*/ 321510 h 1334281"/>
+              <a:gd name="connsiteX5" fmla="*/ 2559947 w 2559947"/>
+              <a:gd name="connsiteY5" fmla="*/ 806135 h 1334281"/>
+              <a:gd name="connsiteX6" fmla="*/ 2552932 w 2559947"/>
+              <a:gd name="connsiteY6" fmla="*/ 812269 h 1334281"/>
+              <a:gd name="connsiteX7" fmla="*/ 1041566 w 2559947"/>
+              <a:gd name="connsiteY7" fmla="*/ 1334281 h 1334281"/>
+              <a:gd name="connsiteX8" fmla="*/ 0 w 2559947"/>
+              <a:gd name="connsiteY8" fmla="*/ 1334280 h 1334281"/>
+              <a:gd name="connsiteX9" fmla="*/ 0 w 2559947"/>
+              <a:gd name="connsiteY9" fmla="*/ 177323 h 1334281"/>
+            </a:gdLst>
+            <a:ahLst/>
+            <a:cxnLst>
+              <a:cxn ang="0">
+                <a:pos x="connsiteX0" y="connsiteY0"/>
+              </a:cxn>
+              <a:cxn ang="0">
+                <a:pos x="connsiteX1" y="connsiteY1"/>
+              </a:cxn>
+              <a:cxn ang="0">
+                <a:pos x="connsiteX2" y="connsiteY2"/>
+              </a:cxn>
+              <a:cxn ang="0">
+                <a:pos x="connsiteX3" y="connsiteY3"/>
+              </a:cxn>
+              <a:cxn ang="0">
+                <a:pos x="connsiteX4" y="connsiteY4"/>
+              </a:cxn>
+              <a:cxn ang="0">
+                <a:pos x="connsiteX5" y="connsiteY5"/>
+              </a:cxn>
+              <a:cxn ang="0">
+                <a:pos x="connsiteX6" y="connsiteY6"/>
+              </a:cxn>
+              <a:cxn ang="0">
+                <a:pos x="connsiteX7" y="connsiteY7"/>
+              </a:cxn>
+              <a:cxn ang="0">
+                <a:pos x="connsiteX8" y="connsiteY8"/>
+              </a:cxn>
+              <a:cxn ang="0">
+                <a:pos x="connsiteX9" y="connsiteY9"/>
+              </a:cxn>
+            </a:cxnLst>
+            <a:rect l="l" t="t" r="r" b="b"/>
+            <a:pathLst>
+              <a:path w="2559947" h="1334281">
+                <a:moveTo>
+                  <a:pt x="0" y="177323"/>
+                </a:moveTo>
+                <a:lnTo>
+                  <a:pt x="1068150" y="177323"/>
+                </a:lnTo>
+                <a:cubicBezTo>
+                  <a:pt x="1281390" y="177323"/>
+                  <a:pt x="1482011" y="125349"/>
+                  <a:pt x="1657077" y="33851"/>
+                </a:cubicBezTo>
+                <a:lnTo>
+                  <a:pt x="1714991" y="0"/>
+                </a:lnTo>
+                <a:lnTo>
+                  <a:pt x="2238284" y="321510"/>
+                </a:lnTo>
+                <a:lnTo>
+                  <a:pt x="2559947" y="806135"/>
+                </a:lnTo>
+                <a:lnTo>
+                  <a:pt x="2552932" y="812269"/>
+                </a:lnTo>
+                <a:cubicBezTo>
+                  <a:pt x="2142216" y="1138379"/>
+                  <a:pt x="1615670" y="1334280"/>
+                  <a:pt x="1041566" y="1334281"/>
+                </a:cubicBezTo>
+                <a:lnTo>
+                  <a:pt x="0" y="1334280"/>
+                </a:lnTo>
+                <a:lnTo>
+                  <a:pt x="0" y="177323"/>
+                </a:lnTo>
+                <a:close/>
+              </a:path>
+            </a:pathLst>
+          </a:custGeom>
+          <a:solidFill>
+            <a:srgbClr val="C00000"/>
+          </a:solidFill>
+          <a:ln>
+            <a:noFill/>
+          </a:ln>
+        </p:spPr>
+        <p:style>
+          <a:lnRef idx="2">
+            <a:schemeClr val="accent1">
+              <a:shade val="15000"/>
+            </a:schemeClr>
+          </a:lnRef>
+          <a:fillRef idx="1">
+            <a:schemeClr val="accent1"/>
+          </a:fillRef>
+          <a:effectRef idx="0">
+            <a:schemeClr val="accent1"/>
+          </a:effectRef>
+          <a:fontRef idx="minor">
+            <a:schemeClr val="lt1"/>
+          </a:fontRef>
+        </p:style>
+        <p:txBody>
+          <a:bodyPr wrap="square" rtlCol="0" anchor="ctr">
+            <a:noAutofit/>
+          </a:bodyPr>
+          <a:lstStyle/>
+          <a:p>
+            <a:pPr algn="ctr"/>
+            <a:r>
+              <a:rPr lang="en-US" dirty="0"/>
+              <a:t>Plan</a:t>
+            </a:r>
+          </a:p>
+        </p:txBody>
+      </p:sp>
+      <p:sp>
+        <p:nvSpPr>
+          <p:cNvPr id="20" name="Rectangle 19">
+            <a:extLst>
+              <a:ext uri="{FF2B5EF4-FFF2-40B4-BE49-F238E27FC236}">
+                <a16:creationId xmlns:a16="http://schemas.microsoft.com/office/drawing/2014/main" id="{7C5DB82F-DA33-F072-B688-0DEEEB39EB62}"/>
+              </a:ext>
+            </a:extLst>
+          </p:cNvPr>
+          <p:cNvSpPr/>
+          <p:nvPr/>
+        </p:nvSpPr>
+        <p:spPr>
+          <a:xfrm rot="8153513">
+            <a:off x="4863149" y="2177764"/>
+            <a:ext cx="1122709" cy="1100551"/>
+          </a:xfrm>
+          <a:prstGeom prst="rect">
+            <a:avLst/>
+          </a:prstGeom>
+          <a:noFill/>
+          <a:ln>
+            <a:noFill/>
+          </a:ln>
+        </p:spPr>
+        <p:style>
+          <a:lnRef idx="2">
+            <a:schemeClr val="accent1">
+              <a:shade val="15000"/>
+            </a:schemeClr>
+          </a:lnRef>
+          <a:fillRef idx="1">
+            <a:schemeClr val="accent1"/>
+          </a:fillRef>
+          <a:effectRef idx="0">
+            <a:schemeClr val="accent1"/>
+          </a:effectRef>
+          <a:fontRef idx="minor">
+            <a:schemeClr val="lt1"/>
+          </a:fontRef>
+        </p:style>
+        <p:txBody>
+          <a:bodyPr rtlCol="0" anchor="ctr"/>
+          <a:lstStyle/>
+          <a:p>
+            <a:pPr algn="ctr"/>
+            <a:endParaRPr lang="en-US">
+              <a:ln w="0"/>
+              <a:solidFill>
+                <a:schemeClr val="tx1"/>
+              </a:solidFill>
+              <a:effectLst>
+                <a:outerShdw blurRad="38100" dist="19050" dir="2700000" algn="tl" rotWithShape="0">
+                  <a:schemeClr val="dk1">
+                    <a:alpha val="40000"/>
+                  </a:schemeClr>
+                </a:outerShdw>
+              </a:effectLst>
+            </a:endParaRPr>
+          </a:p>
+        </p:txBody>
+      </p:sp>
+      <p:sp>
+        <p:nvSpPr>
+          <p:cNvPr id="37" name="TextBox 36">
+            <a:extLst>
+              <a:ext uri="{FF2B5EF4-FFF2-40B4-BE49-F238E27FC236}">
+                <a16:creationId xmlns:a16="http://schemas.microsoft.com/office/drawing/2014/main" id="{C93404D1-8523-6491-209D-A22A75D84632}"/>
+              </a:ext>
+            </a:extLst>
+          </p:cNvPr>
+          <p:cNvSpPr txBox="1"/>
+          <p:nvPr/>
+        </p:nvSpPr>
+        <p:spPr>
+          <a:xfrm>
+            <a:off x="2964869" y="3093841"/>
+            <a:ext cx="1180658" cy="707886"/>
+          </a:xfrm>
+          <a:prstGeom prst="rect">
+            <a:avLst/>
+          </a:prstGeom>
+          <a:noFill/>
+        </p:spPr>
+        <p:txBody>
+          <a:bodyPr wrap="square" rtlCol="0">
+            <a:spAutoFit/>
+          </a:bodyPr>
+          <a:lstStyle/>
+          <a:p>
+            <a:r>
+              <a:rPr lang="en-US" sz="4000" b="1" dirty="0">
+                <a:solidFill>
+                  <a:srgbClr val="92D050"/>
+                </a:solidFill>
+              </a:rPr>
+              <a:t>OPS</a:t>
+            </a:r>
+          </a:p>
+        </p:txBody>
+      </p:sp>
+      <p:sp>
+        <p:nvSpPr>
+          <p:cNvPr id="39" name="TextBox 38">
+            <a:extLst>
+              <a:ext uri="{FF2B5EF4-FFF2-40B4-BE49-F238E27FC236}">
+                <a16:creationId xmlns:a16="http://schemas.microsoft.com/office/drawing/2014/main" id="{4D16B0F3-E384-B085-ECF2-3C2299ED9D81}"/>
+              </a:ext>
+            </a:extLst>
+          </p:cNvPr>
+          <p:cNvSpPr txBox="1"/>
+          <p:nvPr/>
+        </p:nvSpPr>
+        <p:spPr>
+          <a:xfrm>
+            <a:off x="8014298" y="3075057"/>
+            <a:ext cx="1326059" cy="707886"/>
+          </a:xfrm>
+          <a:prstGeom prst="rect">
+            <a:avLst/>
+          </a:prstGeom>
+          <a:noFill/>
+        </p:spPr>
+        <p:txBody>
+          <a:bodyPr wrap="square" rtlCol="0">
+            <a:spAutoFit/>
+          </a:bodyPr>
+          <a:lstStyle/>
+          <a:p>
+            <a:pPr algn="ctr"/>
+            <a:r>
+              <a:rPr lang="en-US" sz="4000" b="1" dirty="0">
+                <a:solidFill>
+                  <a:schemeClr val="tx2">
+                    <a:lumMod val="75000"/>
+                    <a:lumOff val="25000"/>
+                  </a:schemeClr>
+                </a:solidFill>
+              </a:rPr>
+              <a:t>Dev</a:t>
+            </a:r>
+          </a:p>
+        </p:txBody>
+      </p:sp>
+      <p:sp>
+        <p:nvSpPr>
+          <p:cNvPr id="40" name="TextBox 39">
+            <a:extLst>
+              <a:ext uri="{FF2B5EF4-FFF2-40B4-BE49-F238E27FC236}">
+                <a16:creationId xmlns:a16="http://schemas.microsoft.com/office/drawing/2014/main" id="{54353E44-F825-66F8-4DB4-8E84E5C3C537}"/>
+              </a:ext>
+            </a:extLst>
+          </p:cNvPr>
+          <p:cNvSpPr txBox="1"/>
+          <p:nvPr/>
+        </p:nvSpPr>
+        <p:spPr>
+          <a:xfrm>
+            <a:off x="4722928" y="4209342"/>
+            <a:ext cx="1016081" cy="369332"/>
+          </a:xfrm>
+          <a:prstGeom prst="rect">
+            <a:avLst/>
+          </a:prstGeom>
+          <a:noFill/>
+        </p:spPr>
+        <p:txBody>
+          <a:bodyPr wrap="square" rtlCol="0">
+            <a:spAutoFit/>
+          </a:bodyPr>
+          <a:lstStyle/>
+          <a:p>
+            <a:r>
+              <a:rPr lang="en-US" dirty="0"/>
+              <a:t>Release</a:t>
+            </a:r>
+          </a:p>
+        </p:txBody>
+      </p:sp>
+      <p:sp>
+        <p:nvSpPr>
+          <p:cNvPr id="41" name="TextBox 40">
+            <a:extLst>
+              <a:ext uri="{FF2B5EF4-FFF2-40B4-BE49-F238E27FC236}">
+                <a16:creationId xmlns:a16="http://schemas.microsoft.com/office/drawing/2014/main" id="{E9340638-F042-8236-F4D2-CE9DC8BC0EA1}"/>
+              </a:ext>
+            </a:extLst>
+          </p:cNvPr>
+          <p:cNvSpPr txBox="1"/>
+          <p:nvPr/>
+        </p:nvSpPr>
+        <p:spPr>
+          <a:xfrm flipH="1">
+            <a:off x="6484412" y="2543373"/>
+            <a:ext cx="1180658" cy="369332"/>
+          </a:xfrm>
+          <a:prstGeom prst="rect">
+            <a:avLst/>
+          </a:prstGeom>
+          <a:noFill/>
+        </p:spPr>
+        <p:txBody>
+          <a:bodyPr wrap="square" rtlCol="0">
+            <a:spAutoFit/>
+          </a:bodyPr>
+          <a:lstStyle/>
+          <a:p>
+            <a:r>
+              <a:rPr lang="en-US" dirty="0"/>
+              <a:t>Test</a:t>
+            </a:r>
+          </a:p>
+        </p:txBody>
+      </p:sp>
+      <p:sp>
+        <p:nvSpPr>
+          <p:cNvPr id="43" name="Freeform 42">
+            <a:extLst>
+              <a:ext uri="{FF2B5EF4-FFF2-40B4-BE49-F238E27FC236}">
+                <a16:creationId xmlns:a16="http://schemas.microsoft.com/office/drawing/2014/main" id="{33B4B0EE-5932-6BF8-B4C3-F9D2F9EED814}"/>
+              </a:ext>
+            </a:extLst>
+          </p:cNvPr>
+          <p:cNvSpPr/>
+          <p:nvPr/>
+        </p:nvSpPr>
+        <p:spPr>
+          <a:xfrm>
+            <a:off x="185980" y="185980"/>
+            <a:ext cx="11856203" cy="6672020"/>
+          </a:xfrm>
+          <a:custGeom>
+            <a:avLst/>
+            <a:gdLst>
+              <a:gd name="connsiteX0" fmla="*/ 5903659 w 11820041"/>
+              <a:gd name="connsiteY0" fmla="*/ 4754951 h 5486400"/>
+              <a:gd name="connsiteX1" fmla="*/ 6019887 w 11820041"/>
+              <a:gd name="connsiteY1" fmla="*/ 4796740 h 5486400"/>
+              <a:gd name="connsiteX2" fmla="*/ 6163956 w 11820041"/>
+              <a:gd name="connsiteY2" fmla="*/ 4833129 h 5486400"/>
+              <a:gd name="connsiteX3" fmla="*/ 6139158 w 11820041"/>
+              <a:gd name="connsiteY3" fmla="*/ 4849647 h 5486400"/>
+              <a:gd name="connsiteX4" fmla="*/ 6372701 w 11820041"/>
+              <a:gd name="connsiteY4" fmla="*/ 4922570 h 5486400"/>
+              <a:gd name="connsiteX5" fmla="*/ 7793063 w 11820041"/>
+              <a:gd name="connsiteY5" fmla="*/ 5108442 h 5486400"/>
+              <a:gd name="connsiteX6" fmla="*/ 8166154 w 11820041"/>
+              <a:gd name="connsiteY6" fmla="*/ 5096231 h 5486400"/>
+              <a:gd name="connsiteX7" fmla="*/ 8314055 w 11820041"/>
+              <a:gd name="connsiteY7" fmla="*/ 5081600 h 5486400"/>
+              <a:gd name="connsiteX8" fmla="*/ 8505987 w 11820041"/>
+              <a:gd name="connsiteY8" fmla="*/ 5257800 h 5486400"/>
+              <a:gd name="connsiteX9" fmla="*/ 8382770 w 11820041"/>
+              <a:gd name="connsiteY9" fmla="*/ 5453735 h 5486400"/>
+              <a:gd name="connsiteX10" fmla="*/ 8204799 w 11820041"/>
+              <a:gd name="connsiteY10" fmla="*/ 5472237 h 5486400"/>
+              <a:gd name="connsiteX11" fmla="*/ 7793064 w 11820041"/>
+              <a:gd name="connsiteY11" fmla="*/ 5486400 h 5486400"/>
+              <a:gd name="connsiteX12" fmla="*/ 5873568 w 11820041"/>
+              <a:gd name="connsiteY12" fmla="*/ 5155311 h 5486400"/>
+              <a:gd name="connsiteX13" fmla="*/ 5693897 w 11820041"/>
+              <a:gd name="connsiteY13" fmla="*/ 5080955 h 5486400"/>
+              <a:gd name="connsiteX14" fmla="*/ 5526901 w 11820041"/>
+              <a:gd name="connsiteY14" fmla="*/ 5155311 h 5486400"/>
+              <a:gd name="connsiteX15" fmla="*/ 3742843 w 11820041"/>
+              <a:gd name="connsiteY15" fmla="*/ 5486400 h 5486400"/>
+              <a:gd name="connsiteX16" fmla="*/ 2629836 w 11820041"/>
+              <a:gd name="connsiteY16" fmla="*/ 5363071 h 5486400"/>
+              <a:gd name="connsiteX17" fmla="*/ 2522111 w 11820041"/>
+              <a:gd name="connsiteY17" fmla="*/ 5334174 h 5486400"/>
+              <a:gd name="connsiteX18" fmla="*/ 2699648 w 11820041"/>
+              <a:gd name="connsiteY18" fmla="*/ 5185385 h 5486400"/>
+              <a:gd name="connsiteX19" fmla="*/ 2571132 w 11820041"/>
+              <a:gd name="connsiteY19" fmla="*/ 4958942 h 5486400"/>
+              <a:gd name="connsiteX20" fmla="*/ 2781842 w 11820041"/>
+              <a:gd name="connsiteY20" fmla="*/ 5010578 h 5486400"/>
+              <a:gd name="connsiteX21" fmla="*/ 3398801 w 11820041"/>
+              <a:gd name="connsiteY21" fmla="*/ 5096231 h 5486400"/>
+              <a:gd name="connsiteX22" fmla="*/ 3599128 w 11820041"/>
+              <a:gd name="connsiteY22" fmla="*/ 5103341 h 5486400"/>
+              <a:gd name="connsiteX23" fmla="*/ 3776126 w 11820041"/>
+              <a:gd name="connsiteY23" fmla="*/ 5129234 h 5486400"/>
+              <a:gd name="connsiteX24" fmla="*/ 4030851 w 11820041"/>
+              <a:gd name="connsiteY24" fmla="*/ 5141563 h 5486400"/>
+              <a:gd name="connsiteX25" fmla="*/ 5000598 w 11820041"/>
+              <a:gd name="connsiteY25" fmla="*/ 4953900 h 5486400"/>
+              <a:gd name="connsiteX26" fmla="*/ 5112026 w 11820041"/>
+              <a:gd name="connsiteY26" fmla="*/ 4902449 h 5486400"/>
+              <a:gd name="connsiteX27" fmla="*/ 5233885 w 11820041"/>
+              <a:gd name="connsiteY27" fmla="*/ 4861185 h 5486400"/>
+              <a:gd name="connsiteX28" fmla="*/ 5231534 w 11820041"/>
+              <a:gd name="connsiteY28" fmla="*/ 4859987 h 5486400"/>
+              <a:gd name="connsiteX29" fmla="*/ 5219699 w 11820041"/>
+              <a:gd name="connsiteY29" fmla="*/ 4852572 h 5486400"/>
+              <a:gd name="connsiteX30" fmla="*/ 5270702 w 11820041"/>
+              <a:gd name="connsiteY30" fmla="*/ 4822872 h 5486400"/>
+              <a:gd name="connsiteX31" fmla="*/ 5456827 w 11820041"/>
+              <a:gd name="connsiteY31" fmla="*/ 4790751 h 5486400"/>
+              <a:gd name="connsiteX32" fmla="*/ 5707656 w 11820041"/>
+              <a:gd name="connsiteY32" fmla="*/ 4764023 h 5486400"/>
+              <a:gd name="connsiteX33" fmla="*/ 2372042 w 11820041"/>
+              <a:gd name="connsiteY33" fmla="*/ 192483 h 5486400"/>
+              <a:gd name="connsiteX34" fmla="*/ 2235688 w 11820041"/>
+              <a:gd name="connsiteY34" fmla="*/ 444118 h 5486400"/>
+              <a:gd name="connsiteX35" fmla="*/ 2398786 w 11820041"/>
+              <a:gd name="connsiteY35" fmla="*/ 575442 h 5486400"/>
+              <a:gd name="connsiteX36" fmla="*/ 2138937 w 11820041"/>
+              <a:gd name="connsiteY36" fmla="*/ 663430 h 5486400"/>
+              <a:gd name="connsiteX37" fmla="*/ 377958 w 11820041"/>
+              <a:gd name="connsiteY37" fmla="*/ 2743200 h 5486400"/>
+              <a:gd name="connsiteX38" fmla="*/ 1946304 w 11820041"/>
+              <a:gd name="connsiteY38" fmla="*/ 4743475 h 5486400"/>
+              <a:gd name="connsiteX39" fmla="*/ 2065231 w 11820041"/>
+              <a:gd name="connsiteY39" fmla="*/ 4791201 h 5486400"/>
+              <a:gd name="connsiteX40" fmla="*/ 2242089 w 11820041"/>
+              <a:gd name="connsiteY40" fmla="*/ 5102819 h 5486400"/>
+              <a:gd name="connsiteX41" fmla="*/ 2114045 w 11820041"/>
+              <a:gd name="connsiteY41" fmla="*/ 5210129 h 5486400"/>
+              <a:gd name="connsiteX42" fmla="*/ 1958781 w 11820041"/>
+              <a:gd name="connsiteY42" fmla="*/ 5155311 h 5486400"/>
+              <a:gd name="connsiteX43" fmla="*/ 0 w 11820041"/>
+              <a:gd name="connsiteY43" fmla="*/ 2743200 h 5486400"/>
+              <a:gd name="connsiteX44" fmla="*/ 2285959 w 11820041"/>
+              <a:gd name="connsiteY44" fmla="*/ 215575 h 5486400"/>
+              <a:gd name="connsiteX45" fmla="*/ 8781331 w 11820041"/>
+              <a:gd name="connsiteY45" fmla="*/ 86681 h 5486400"/>
+              <a:gd name="connsiteX46" fmla="*/ 8990564 w 11820041"/>
+              <a:gd name="connsiteY46" fmla="*/ 123329 h 5486400"/>
+              <a:gd name="connsiteX47" fmla="*/ 11820041 w 11820041"/>
+              <a:gd name="connsiteY47" fmla="*/ 2743200 h 5486400"/>
+              <a:gd name="connsiteX48" fmla="*/ 8990564 w 11820041"/>
+              <a:gd name="connsiteY48" fmla="*/ 5363071 h 5486400"/>
+              <a:gd name="connsiteX49" fmla="*/ 8845778 w 11820041"/>
+              <a:gd name="connsiteY49" fmla="*/ 5388431 h 5486400"/>
+              <a:gd name="connsiteX50" fmla="*/ 8966807 w 11820041"/>
+              <a:gd name="connsiteY50" fmla="*/ 5195976 h 5486400"/>
+              <a:gd name="connsiteX51" fmla="*/ 8774457 w 11820041"/>
+              <a:gd name="connsiteY51" fmla="*/ 5019391 h 5486400"/>
+              <a:gd name="connsiteX52" fmla="*/ 8878169 w 11820041"/>
+              <a:gd name="connsiteY52" fmla="*/ 5002106 h 5486400"/>
+              <a:gd name="connsiteX53" fmla="*/ 11442081 w 11820041"/>
+              <a:gd name="connsiteY53" fmla="*/ 2743200 h 5486400"/>
+              <a:gd name="connsiteX54" fmla="*/ 8878169 w 11820041"/>
+              <a:gd name="connsiteY54" fmla="*/ 484295 h 5486400"/>
+              <a:gd name="connsiteX55" fmla="*/ 8790701 w 11820041"/>
+              <a:gd name="connsiteY55" fmla="*/ 469717 h 5486400"/>
+              <a:gd name="connsiteX56" fmla="*/ 8632556 w 11820041"/>
+              <a:gd name="connsiteY56" fmla="*/ 228601 h 5486400"/>
+              <a:gd name="connsiteX57" fmla="*/ 3742843 w 11820041"/>
+              <a:gd name="connsiteY57" fmla="*/ 0 h 5486400"/>
+              <a:gd name="connsiteX58" fmla="*/ 5526901 w 11820041"/>
+              <a:gd name="connsiteY58" fmla="*/ 331089 h 5486400"/>
+              <a:gd name="connsiteX59" fmla="*/ 5693897 w 11820041"/>
+              <a:gd name="connsiteY59" fmla="*/ 405446 h 5486400"/>
+              <a:gd name="connsiteX60" fmla="*/ 5873568 w 11820041"/>
+              <a:gd name="connsiteY60" fmla="*/ 331089 h 5486400"/>
+              <a:gd name="connsiteX61" fmla="*/ 7793064 w 11820041"/>
+              <a:gd name="connsiteY61" fmla="*/ 0 h 5486400"/>
+              <a:gd name="connsiteX62" fmla="*/ 8204799 w 11820041"/>
+              <a:gd name="connsiteY62" fmla="*/ 14163 h 5486400"/>
+              <a:gd name="connsiteX63" fmla="*/ 8326600 w 11820041"/>
+              <a:gd name="connsiteY63" fmla="*/ 26826 h 5486400"/>
+              <a:gd name="connsiteX64" fmla="*/ 8170638 w 11820041"/>
+              <a:gd name="connsiteY64" fmla="*/ 175602 h 5486400"/>
+              <a:gd name="connsiteX65" fmla="*/ 8321445 w 11820041"/>
+              <a:gd name="connsiteY65" fmla="*/ 405532 h 5486400"/>
+              <a:gd name="connsiteX66" fmla="*/ 8166154 w 11820041"/>
+              <a:gd name="connsiteY66" fmla="*/ 390170 h 5486400"/>
+              <a:gd name="connsiteX67" fmla="*/ 7793063 w 11820041"/>
+              <a:gd name="connsiteY67" fmla="*/ 377959 h 5486400"/>
+              <a:gd name="connsiteX68" fmla="*/ 6372701 w 11820041"/>
+              <a:gd name="connsiteY68" fmla="*/ 563831 h 5486400"/>
+              <a:gd name="connsiteX69" fmla="*/ 6139158 w 11820041"/>
+              <a:gd name="connsiteY69" fmla="*/ 636754 h 5486400"/>
+              <a:gd name="connsiteX70" fmla="*/ 6155521 w 11820041"/>
+              <a:gd name="connsiteY70" fmla="*/ 647654 h 5486400"/>
+              <a:gd name="connsiteX71" fmla="*/ 6019887 w 11820041"/>
+              <a:gd name="connsiteY71" fmla="*/ 681913 h 5486400"/>
+              <a:gd name="connsiteX72" fmla="*/ 6009512 w 11820041"/>
+              <a:gd name="connsiteY72" fmla="*/ 685643 h 5486400"/>
+              <a:gd name="connsiteX73" fmla="*/ 5833841 w 11820041"/>
+              <a:gd name="connsiteY73" fmla="*/ 695899 h 5486400"/>
+              <a:gd name="connsiteX74" fmla="*/ 5540561 w 11820041"/>
+              <a:gd name="connsiteY74" fmla="*/ 686933 h 5486400"/>
+              <a:gd name="connsiteX75" fmla="*/ 5260141 w 11820041"/>
+              <a:gd name="connsiteY75" fmla="*/ 655652 h 5486400"/>
+              <a:gd name="connsiteX76" fmla="*/ 5202955 w 11820041"/>
+              <a:gd name="connsiteY76" fmla="*/ 644321 h 5486400"/>
+              <a:gd name="connsiteX77" fmla="*/ 5231534 w 11820041"/>
+              <a:gd name="connsiteY77" fmla="*/ 626413 h 5486400"/>
+              <a:gd name="connsiteX78" fmla="*/ 5233885 w 11820041"/>
+              <a:gd name="connsiteY78" fmla="*/ 625215 h 5486400"/>
+              <a:gd name="connsiteX79" fmla="*/ 5052603 w 11820041"/>
+              <a:gd name="connsiteY79" fmla="*/ 563831 h 5486400"/>
+              <a:gd name="connsiteX80" fmla="*/ 4971581 w 11820041"/>
+              <a:gd name="connsiteY80" fmla="*/ 542986 h 5486400"/>
+              <a:gd name="connsiteX81" fmla="*/ 4771703 w 11820041"/>
+              <a:gd name="connsiteY81" fmla="*/ 472864 h 5486400"/>
+              <a:gd name="connsiteX82" fmla="*/ 4030851 w 11820041"/>
+              <a:gd name="connsiteY82" fmla="*/ 365503 h 5486400"/>
+              <a:gd name="connsiteX83" fmla="*/ 3776126 w 11820041"/>
+              <a:gd name="connsiteY83" fmla="*/ 377832 h 5486400"/>
+              <a:gd name="connsiteX84" fmla="*/ 3768934 w 11820041"/>
+              <a:gd name="connsiteY84" fmla="*/ 378884 h 5486400"/>
+              <a:gd name="connsiteX85" fmla="*/ 3742840 w 11820041"/>
+              <a:gd name="connsiteY85" fmla="*/ 377959 h 5486400"/>
+              <a:gd name="connsiteX86" fmla="*/ 3064699 w 11820041"/>
+              <a:gd name="connsiteY86" fmla="*/ 426012 h 5486400"/>
+              <a:gd name="connsiteX87" fmla="*/ 2834420 w 11820041"/>
+              <a:gd name="connsiteY87" fmla="*/ 467632 h 5486400"/>
+              <a:gd name="connsiteX88" fmla="*/ 2691539 w 11820041"/>
+              <a:gd name="connsiteY88" fmla="*/ 352585 h 5486400"/>
+              <a:gd name="connsiteX89" fmla="*/ 2836912 w 11820041"/>
+              <a:gd name="connsiteY89" fmla="*/ 84305 h 5486400"/>
+              <a:gd name="connsiteX90" fmla="*/ 2988529 w 11820041"/>
+              <a:gd name="connsiteY90" fmla="*/ 55732 h 5486400"/>
+              <a:gd name="connsiteX91" fmla="*/ 3742843 w 11820041"/>
+              <a:gd name="connsiteY91" fmla="*/ 0 h 5486400"/>
+            </a:gdLst>
+            <a:ahLst/>
+            <a:cxnLst>
+              <a:cxn ang="0">
+                <a:pos x="connsiteX0" y="connsiteY0"/>
+              </a:cxn>
+              <a:cxn ang="0">
+                <a:pos x="connsiteX1" y="connsiteY1"/>
+              </a:cxn>
+              <a:cxn ang="0">
+                <a:pos x="connsiteX2" y="connsiteY2"/>
+              </a:cxn>
+              <a:cxn ang="0">
+                <a:pos x="connsiteX3" y="connsiteY3"/>
+              </a:cxn>
+              <a:cxn ang="0">
+                <a:pos x="connsiteX4" y="connsiteY4"/>
+              </a:cxn>
+              <a:cxn ang="0">
+                <a:pos x="connsiteX5" y="connsiteY5"/>
+              </a:cxn>
+              <a:cxn ang="0">
+                <a:pos x="connsiteX6" y="connsiteY6"/>
+              </a:cxn>
+              <a:cxn ang="0">
+                <a:pos x="connsiteX7" y="connsiteY7"/>
+              </a:cxn>
+              <a:cxn ang="0">
+                <a:pos x="connsiteX8" y="connsiteY8"/>
+              </a:cxn>
+              <a:cxn ang="0">
+                <a:pos x="connsiteX9" y="connsiteY9"/>
+              </a:cxn>
+              <a:cxn ang="0">
+                <a:pos x="connsiteX10" y="connsiteY10"/>
+              </a:cxn>
+              <a:cxn ang="0">
+                <a:pos x="connsiteX11" y="connsiteY11"/>
+              </a:cxn>
+              <a:cxn ang="0">
+                <a:pos x="connsiteX12" y="connsiteY12"/>
+              </a:cxn>
+              <a:cxn ang="0">
+                <a:pos x="connsiteX13" y="connsiteY13"/>
+              </a:cxn>
+              <a:cxn ang="0">
+                <a:pos x="connsiteX14" y="connsiteY14"/>
+              </a:cxn>
+              <a:cxn ang="0">
+                <a:pos x="connsiteX15" y="connsiteY15"/>
+              </a:cxn>
+              <a:cxn ang="0">
+                <a:pos x="connsiteX16" y="connsiteY16"/>
+              </a:cxn>
+              <a:cxn ang="0">
+                <a:pos x="connsiteX17" y="connsiteY17"/>
+              </a:cxn>
+              <a:cxn ang="0">
+                <a:pos x="connsiteX18" y="connsiteY18"/>
+              </a:cxn>
+              <a:cxn ang="0">
+                <a:pos x="connsiteX19" y="connsiteY19"/>
+              </a:cxn>
+              <a:cxn ang="0">
+                <a:pos x="connsiteX20" y="connsiteY20"/>
+              </a:cxn>
+              <a:cxn ang="0">
+                <a:pos x="connsiteX21" y="connsiteY21"/>
+              </a:cxn>
+              <a:cxn ang="0">
+                <a:pos x="connsiteX22" y="connsiteY22"/>
+              </a:cxn>
+              <a:cxn ang="0">
+                <a:pos x="connsiteX23" y="connsiteY23"/>
+              </a:cxn>
+              <a:cxn ang="0">
+                <a:pos x="connsiteX24" y="connsiteY24"/>
+              </a:cxn>
+              <a:cxn ang="0">
+                <a:pos x="connsiteX25" y="connsiteY25"/>
+              </a:cxn>
+              <a:cxn ang="0">
+                <a:pos x="connsiteX26" y="connsiteY26"/>
+              </a:cxn>
+              <a:cxn ang="0">
+                <a:pos x="connsiteX27" y="connsiteY27"/>
+              </a:cxn>
+              <a:cxn ang="0">
+                <a:pos x="connsiteX28" y="connsiteY28"/>
+              </a:cxn>
+              <a:cxn ang="0">
+                <a:pos x="connsiteX29" y="connsiteY29"/>
+              </a:cxn>
+              <a:cxn ang="0">
+                <a:pos x="connsiteX30" y="connsiteY30"/>
+              </a:cxn>
+              <a:cxn ang="0">
+                <a:pos x="connsiteX31" y="connsiteY31"/>
+              </a:cxn>
+              <a:cxn ang="0">
+                <a:pos x="connsiteX32" y="connsiteY32"/>
+              </a:cxn>
+              <a:cxn ang="0">
+                <a:pos x="connsiteX33" y="connsiteY33"/>
+              </a:cxn>
+              <a:cxn ang="0">
+                <a:pos x="connsiteX34" y="connsiteY34"/>
+              </a:cxn>
+              <a:cxn ang="0">
+                <a:pos x="connsiteX35" y="connsiteY35"/>
+              </a:cxn>
+              <a:cxn ang="0">
+                <a:pos x="connsiteX36" y="connsiteY36"/>
+              </a:cxn>
+              <a:cxn ang="0">
+                <a:pos x="connsiteX37" y="connsiteY37"/>
+              </a:cxn>
+              <a:cxn ang="0">
+                <a:pos x="connsiteX38" y="connsiteY38"/>
+              </a:cxn>
+              <a:cxn ang="0">
+                <a:pos x="connsiteX39" y="connsiteY39"/>
+              </a:cxn>
+              <a:cxn ang="0">
+                <a:pos x="connsiteX40" y="connsiteY40"/>
+              </a:cxn>
+              <a:cxn ang="0">
+                <a:pos x="connsiteX41" y="connsiteY41"/>
+              </a:cxn>
+              <a:cxn ang="0">
+                <a:pos x="connsiteX42" y="connsiteY42"/>
+              </a:cxn>
+              <a:cxn ang="0">
+                <a:pos x="connsiteX43" y="connsiteY43"/>
+              </a:cxn>
+              <a:cxn ang="0">
+                <a:pos x="connsiteX44" y="connsiteY44"/>
+              </a:cxn>
+              <a:cxn ang="0">
+                <a:pos x="connsiteX45" y="connsiteY45"/>
+              </a:cxn>
+              <a:cxn ang="0">
+                <a:pos x="connsiteX46" y="connsiteY46"/>
+              </a:cxn>
+              <a:cxn ang="0">
+                <a:pos x="connsiteX47" y="connsiteY47"/>
+              </a:cxn>
+              <a:cxn ang="0">
+                <a:pos x="connsiteX48" y="connsiteY48"/>
+              </a:cxn>
+              <a:cxn ang="0">
+                <a:pos x="connsiteX49" y="connsiteY49"/>
+              </a:cxn>
+              <a:cxn ang="0">
+                <a:pos x="connsiteX50" y="connsiteY50"/>
+              </a:cxn>
+              <a:cxn ang="0">
+                <a:pos x="connsiteX51" y="connsiteY51"/>
+              </a:cxn>
+              <a:cxn ang="0">
+                <a:pos x="connsiteX52" y="connsiteY52"/>
+              </a:cxn>
+              <a:cxn ang="0">
+                <a:pos x="connsiteX53" y="connsiteY53"/>
+              </a:cxn>
+              <a:cxn ang="0">
+                <a:pos x="connsiteX54" y="connsiteY54"/>
+              </a:cxn>
+              <a:cxn ang="0">
+                <a:pos x="connsiteX55" y="connsiteY55"/>
+              </a:cxn>
+              <a:cxn ang="0">
+                <a:pos x="connsiteX56" y="connsiteY56"/>
+              </a:cxn>
+              <a:cxn ang="0">
+                <a:pos x="connsiteX57" y="connsiteY57"/>
+              </a:cxn>
+              <a:cxn ang="0">
+                <a:pos x="connsiteX58" y="connsiteY58"/>
+              </a:cxn>
+              <a:cxn ang="0">
+                <a:pos x="connsiteX59" y="connsiteY59"/>
+              </a:cxn>
+              <a:cxn ang="0">
+                <a:pos x="connsiteX60" y="connsiteY60"/>
+              </a:cxn>
+              <a:cxn ang="0">
+                <a:pos x="connsiteX61" y="connsiteY61"/>
+              </a:cxn>
+              <a:cxn ang="0">
+                <a:pos x="connsiteX62" y="connsiteY62"/>
+              </a:cxn>
+              <a:cxn ang="0">
+                <a:pos x="connsiteX63" y="connsiteY63"/>
+              </a:cxn>
+              <a:cxn ang="0">
+                <a:pos x="connsiteX64" y="connsiteY64"/>
+              </a:cxn>
+              <a:cxn ang="0">
+                <a:pos x="connsiteX65" y="connsiteY65"/>
+              </a:cxn>
+              <a:cxn ang="0">
+                <a:pos x="connsiteX66" y="connsiteY66"/>
+              </a:cxn>
+              <a:cxn ang="0">
+                <a:pos x="connsiteX67" y="connsiteY67"/>
+              </a:cxn>
+              <a:cxn ang="0">
+                <a:pos x="connsiteX68" y="connsiteY68"/>
+              </a:cxn>
+              <a:cxn ang="0">
+                <a:pos x="connsiteX69" y="connsiteY69"/>
+              </a:cxn>
+              <a:cxn ang="0">
+                <a:pos x="connsiteX70" y="connsiteY70"/>
+              </a:cxn>
+              <a:cxn ang="0">
+                <a:pos x="connsiteX71" y="connsiteY71"/>
+              </a:cxn>
+              <a:cxn ang="0">
+                <a:pos x="connsiteX72" y="connsiteY72"/>
+              </a:cxn>
+              <a:cxn ang="0">
+                <a:pos x="connsiteX73" y="connsiteY73"/>
+              </a:cxn>
+              <a:cxn ang="0">
+                <a:pos x="connsiteX74" y="connsiteY74"/>
+              </a:cxn>
+              <a:cxn ang="0">
+                <a:pos x="connsiteX75" y="connsiteY75"/>
+              </a:cxn>
+              <a:cxn ang="0">
+                <a:pos x="connsiteX76" y="connsiteY76"/>
+              </a:cxn>
+              <a:cxn ang="0">
+                <a:pos x="connsiteX77" y="connsiteY77"/>
+              </a:cxn>
+              <a:cxn ang="0">
+                <a:pos x="connsiteX78" y="connsiteY78"/>
+              </a:cxn>
+              <a:cxn ang="0">
+                <a:pos x="connsiteX79" y="connsiteY79"/>
+              </a:cxn>
+              <a:cxn ang="0">
+                <a:pos x="connsiteX80" y="connsiteY80"/>
+              </a:cxn>
+              <a:cxn ang="0">
+                <a:pos x="connsiteX81" y="connsiteY81"/>
+              </a:cxn>
+              <a:cxn ang="0">
+                <a:pos x="connsiteX82" y="connsiteY82"/>
+              </a:cxn>
+              <a:cxn ang="0">
+                <a:pos x="connsiteX83" y="connsiteY83"/>
+              </a:cxn>
+              <a:cxn ang="0">
+                <a:pos x="connsiteX84" y="connsiteY84"/>
+              </a:cxn>
+              <a:cxn ang="0">
+                <a:pos x="connsiteX85" y="connsiteY85"/>
+              </a:cxn>
+              <a:cxn ang="0">
+                <a:pos x="connsiteX86" y="connsiteY86"/>
+              </a:cxn>
+              <a:cxn ang="0">
+                <a:pos x="connsiteX87" y="connsiteY87"/>
+              </a:cxn>
+              <a:cxn ang="0">
+                <a:pos x="connsiteX88" y="connsiteY88"/>
+              </a:cxn>
+              <a:cxn ang="0">
+                <a:pos x="connsiteX89" y="connsiteY89"/>
+              </a:cxn>
+              <a:cxn ang="0">
+                <a:pos x="connsiteX90" y="connsiteY90"/>
+              </a:cxn>
+              <a:cxn ang="0">
+                <a:pos x="connsiteX91" y="connsiteY91"/>
+              </a:cxn>
+            </a:cxnLst>
+            <a:rect l="l" t="t" r="r" b="b"/>
+            <a:pathLst>
+              <a:path w="11820041" h="5486400">
+                <a:moveTo>
+                  <a:pt x="5903659" y="4754951"/>
+                </a:moveTo>
+                <a:lnTo>
+                  <a:pt x="6019887" y="4796740"/>
+                </a:lnTo>
+                <a:lnTo>
+                  <a:pt x="6163956" y="4833129"/>
+                </a:lnTo>
+                <a:lnTo>
+                  <a:pt x="6139158" y="4849647"/>
+                </a:lnTo>
+                <a:lnTo>
+                  <a:pt x="6372701" y="4922570"/>
+                </a:lnTo>
+                <a:cubicBezTo>
+                  <a:pt x="6809263" y="5042258"/>
+                  <a:pt x="7289239" y="5108442"/>
+                  <a:pt x="7793063" y="5108442"/>
+                </a:cubicBezTo>
+                <a:cubicBezTo>
+                  <a:pt x="7919019" y="5108442"/>
+                  <a:pt x="8043485" y="5104306"/>
+                  <a:pt x="8166154" y="5096231"/>
+                </a:cubicBezTo>
+                <a:lnTo>
+                  <a:pt x="8314055" y="5081600"/>
+                </a:lnTo>
+                <a:lnTo>
+                  <a:pt x="8505987" y="5257800"/>
+                </a:lnTo>
+                <a:lnTo>
+                  <a:pt x="8382770" y="5453735"/>
+                </a:lnTo>
+                <a:lnTo>
+                  <a:pt x="8204799" y="5472237"/>
+                </a:lnTo>
+                <a:cubicBezTo>
+                  <a:pt x="8069424" y="5481603"/>
+                  <a:pt x="7932067" y="5486400"/>
+                  <a:pt x="7793064" y="5486400"/>
+                </a:cubicBezTo>
+                <a:cubicBezTo>
+                  <a:pt x="7098052" y="5486400"/>
+                  <a:pt x="6444164" y="5366462"/>
+                  <a:pt x="5873568" y="5155311"/>
+                </a:cubicBezTo>
+                <a:lnTo>
+                  <a:pt x="5693897" y="5080955"/>
+                </a:lnTo>
+                <a:lnTo>
+                  <a:pt x="5526901" y="5155311"/>
+                </a:lnTo>
+                <a:cubicBezTo>
+                  <a:pt x="4996565" y="5366462"/>
+                  <a:pt x="4388814" y="5486400"/>
+                  <a:pt x="3742843" y="5486400"/>
+                </a:cubicBezTo>
+                <a:cubicBezTo>
+                  <a:pt x="3355259" y="5486400"/>
+                  <a:pt x="2981434" y="5443222"/>
+                  <a:pt x="2629836" y="5363071"/>
+                </a:cubicBezTo>
+                <a:lnTo>
+                  <a:pt x="2522111" y="5334174"/>
+                </a:lnTo>
+                <a:lnTo>
+                  <a:pt x="2699648" y="5185385"/>
+                </a:lnTo>
+                <a:lnTo>
+                  <a:pt x="2571132" y="4958942"/>
+                </a:lnTo>
+                <a:lnTo>
+                  <a:pt x="2781842" y="5010578"/>
+                </a:lnTo>
+                <a:cubicBezTo>
+                  <a:pt x="2980433" y="5052104"/>
+                  <a:pt x="3186706" y="5081091"/>
+                  <a:pt x="3398801" y="5096231"/>
+                </a:cubicBezTo>
+                <a:lnTo>
+                  <a:pt x="3599128" y="5103341"/>
+                </a:lnTo>
+                <a:lnTo>
+                  <a:pt x="3776126" y="5129234"/>
+                </a:lnTo>
+                <a:cubicBezTo>
+                  <a:pt x="3859878" y="5137387"/>
+                  <a:pt x="3944857" y="5141563"/>
+                  <a:pt x="4030851" y="5141563"/>
+                </a:cubicBezTo>
+                <a:cubicBezTo>
+                  <a:pt x="4374836" y="5141563"/>
+                  <a:pt x="4702537" y="5074741"/>
+                  <a:pt x="5000598" y="4953900"/>
+                </a:cubicBezTo>
+                <a:lnTo>
+                  <a:pt x="5112026" y="4902449"/>
+                </a:lnTo>
+                <a:lnTo>
+                  <a:pt x="5233885" y="4861185"/>
+                </a:lnTo>
+                <a:lnTo>
+                  <a:pt x="5231534" y="4859987"/>
+                </a:lnTo>
+                <a:lnTo>
+                  <a:pt x="5219699" y="4852572"/>
+                </a:lnTo>
+                <a:lnTo>
+                  <a:pt x="5270702" y="4822872"/>
+                </a:lnTo>
+                <a:lnTo>
+                  <a:pt x="5456827" y="4790751"/>
+                </a:lnTo>
+                <a:cubicBezTo>
+                  <a:pt x="5538455" y="4779406"/>
+                  <a:pt x="5622539" y="4770398"/>
+                  <a:pt x="5707656" y="4764023"/>
+                </a:cubicBezTo>
+                <a:close/>
+                <a:moveTo>
+                  <a:pt x="2372042" y="192483"/>
+                </a:moveTo>
+                <a:lnTo>
+                  <a:pt x="2235688" y="444118"/>
+                </a:lnTo>
+                <a:lnTo>
+                  <a:pt x="2398786" y="575442"/>
+                </a:lnTo>
+                <a:lnTo>
+                  <a:pt x="2138937" y="663430"/>
+                </a:lnTo>
+                <a:cubicBezTo>
+                  <a:pt x="1090019" y="1063959"/>
+                  <a:pt x="377958" y="1845128"/>
+                  <a:pt x="377958" y="2743200"/>
+                </a:cubicBezTo>
+                <a:cubicBezTo>
+                  <a:pt x="377958" y="3585143"/>
+                  <a:pt x="1003793" y="4324339"/>
+                  <a:pt x="1946304" y="4743475"/>
+                </a:cubicBezTo>
+                <a:lnTo>
+                  <a:pt x="2065231" y="4791201"/>
+                </a:lnTo>
+                <a:lnTo>
+                  <a:pt x="2242089" y="5102819"/>
+                </a:lnTo>
+                <a:lnTo>
+                  <a:pt x="2114045" y="5210129"/>
+                </a:lnTo>
+                <a:lnTo>
+                  <a:pt x="1958781" y="5155311"/>
+                </a:lnTo>
+                <a:cubicBezTo>
+                  <a:pt x="792043" y="4690779"/>
+                  <a:pt x="0" y="3784782"/>
+                  <a:pt x="0" y="2743200"/>
+                </a:cubicBezTo>
+                <a:cubicBezTo>
+                  <a:pt x="0" y="1606929"/>
+                  <a:pt x="942596" y="632015"/>
+                  <a:pt x="2285959" y="215575"/>
+                </a:cubicBezTo>
+                <a:close/>
+                <a:moveTo>
+                  <a:pt x="8781331" y="86681"/>
+                </a:moveTo>
+                <a:lnTo>
+                  <a:pt x="8990564" y="123329"/>
+                </a:lnTo>
+                <a:cubicBezTo>
+                  <a:pt x="10629820" y="470650"/>
+                  <a:pt x="11820041" y="1512240"/>
+                  <a:pt x="11820041" y="2743200"/>
+                </a:cubicBezTo>
+                <a:cubicBezTo>
+                  <a:pt x="11820041" y="3974160"/>
+                  <a:pt x="10629820" y="5015751"/>
+                  <a:pt x="8990564" y="5363071"/>
+                </a:cubicBezTo>
+                <a:lnTo>
+                  <a:pt x="8845778" y="5388431"/>
+                </a:lnTo>
+                <a:lnTo>
+                  <a:pt x="8966807" y="5195976"/>
+                </a:lnTo>
+                <a:lnTo>
+                  <a:pt x="8774457" y="5019391"/>
+                </a:lnTo>
+                <a:lnTo>
+                  <a:pt x="8878169" y="5002106"/>
+                </a:lnTo>
+                <a:cubicBezTo>
+                  <a:pt x="10363570" y="4702639"/>
+                  <a:pt x="11442081" y="3804558"/>
+                  <a:pt x="11442081" y="2743200"/>
+                </a:cubicBezTo>
+                <a:cubicBezTo>
+                  <a:pt x="11442081" y="1681842"/>
+                  <a:pt x="10363570" y="783762"/>
+                  <a:pt x="8878169" y="484295"/>
+                </a:cubicBezTo>
+                <a:lnTo>
+                  <a:pt x="8790701" y="469717"/>
+                </a:lnTo>
+                <a:lnTo>
+                  <a:pt x="8632556" y="228601"/>
+                </a:lnTo>
+                <a:close/>
+                <a:moveTo>
+                  <a:pt x="3742843" y="0"/>
+                </a:moveTo>
+                <a:cubicBezTo>
+                  <a:pt x="4388814" y="0"/>
+                  <a:pt x="4996565" y="119939"/>
+                  <a:pt x="5526901" y="331089"/>
+                </a:cubicBezTo>
+                <a:lnTo>
+                  <a:pt x="5693897" y="405446"/>
+                </a:lnTo>
+                <a:lnTo>
+                  <a:pt x="5873568" y="331089"/>
+                </a:lnTo>
+                <a:cubicBezTo>
+                  <a:pt x="6444164" y="119939"/>
+                  <a:pt x="7098052" y="0"/>
+                  <a:pt x="7793064" y="0"/>
+                </a:cubicBezTo>
+                <a:cubicBezTo>
+                  <a:pt x="7932067" y="0"/>
+                  <a:pt x="8069424" y="4798"/>
+                  <a:pt x="8204799" y="14163"/>
+                </a:cubicBezTo>
+                <a:lnTo>
+                  <a:pt x="8326600" y="26826"/>
+                </a:lnTo>
+                <a:lnTo>
+                  <a:pt x="8170638" y="175602"/>
+                </a:lnTo>
+                <a:lnTo>
+                  <a:pt x="8321445" y="405532"/>
+                </a:lnTo>
+                <a:lnTo>
+                  <a:pt x="8166154" y="390170"/>
+                </a:lnTo>
+                <a:cubicBezTo>
+                  <a:pt x="8043485" y="382095"/>
+                  <a:pt x="7919019" y="377959"/>
+                  <a:pt x="7793063" y="377959"/>
+                </a:cubicBezTo>
+                <a:cubicBezTo>
+                  <a:pt x="7289239" y="377959"/>
+                  <a:pt x="6809263" y="444143"/>
+                  <a:pt x="6372701" y="563831"/>
+                </a:cubicBezTo>
+                <a:lnTo>
+                  <a:pt x="6139158" y="636754"/>
+                </a:lnTo>
+                <a:lnTo>
+                  <a:pt x="6155521" y="647654"/>
+                </a:lnTo>
+                <a:lnTo>
+                  <a:pt x="6019887" y="681913"/>
+                </a:lnTo>
+                <a:lnTo>
+                  <a:pt x="6009512" y="685643"/>
+                </a:lnTo>
+                <a:lnTo>
+                  <a:pt x="5833841" y="695899"/>
+                </a:lnTo>
+                <a:cubicBezTo>
+                  <a:pt x="5740153" y="697067"/>
+                  <a:pt x="5641487" y="694179"/>
+                  <a:pt x="5540561" y="686933"/>
+                </a:cubicBezTo>
+                <a:cubicBezTo>
+                  <a:pt x="5443826" y="679989"/>
+                  <a:pt x="5349558" y="669363"/>
+                  <a:pt x="5260141" y="655652"/>
+                </a:cubicBezTo>
+                <a:lnTo>
+                  <a:pt x="5202955" y="644321"/>
+                </a:lnTo>
+                <a:lnTo>
+                  <a:pt x="5231534" y="626413"/>
+                </a:lnTo>
+                <a:lnTo>
+                  <a:pt x="5233885" y="625215"/>
+                </a:lnTo>
+                <a:lnTo>
+                  <a:pt x="5052603" y="563831"/>
+                </a:lnTo>
+                <a:lnTo>
+                  <a:pt x="4971581" y="542986"/>
+                </a:lnTo>
+                <a:lnTo>
+                  <a:pt x="4771703" y="472864"/>
+                </a:lnTo>
+                <a:cubicBezTo>
+                  <a:pt x="4537671" y="403091"/>
+                  <a:pt x="4288839" y="365503"/>
+                  <a:pt x="4030851" y="365503"/>
+                </a:cubicBezTo>
+                <a:cubicBezTo>
+                  <a:pt x="3944857" y="365503"/>
+                  <a:pt x="3859878" y="369681"/>
+                  <a:pt x="3776126" y="377832"/>
+                </a:cubicBezTo>
+                <a:lnTo>
+                  <a:pt x="3768934" y="378884"/>
+                </a:lnTo>
+                <a:lnTo>
+                  <a:pt x="3742840" y="377959"/>
+                </a:lnTo>
+                <a:cubicBezTo>
+                  <a:pt x="3510543" y="377959"/>
+                  <a:pt x="3283745" y="394504"/>
+                  <a:pt x="3064699" y="426012"/>
+                </a:cubicBezTo>
+                <a:lnTo>
+                  <a:pt x="2834420" y="467632"/>
+                </a:lnTo>
+                <a:lnTo>
+                  <a:pt x="2691539" y="352585"/>
+                </a:lnTo>
+                <a:lnTo>
+                  <a:pt x="2836912" y="84305"/>
+                </a:lnTo>
+                <a:lnTo>
+                  <a:pt x="2988529" y="55732"/>
+                </a:lnTo>
+                <a:cubicBezTo>
+                  <a:pt x="3232179" y="19191"/>
+                  <a:pt x="3484454" y="0"/>
+                  <a:pt x="3742843" y="0"/>
+                </a:cubicBezTo>
+                <a:close/>
+              </a:path>
+            </a:pathLst>
+          </a:custGeom>
+        </p:spPr>
+        <p:style>
+          <a:lnRef idx="2">
+            <a:schemeClr val="accent1">
+              <a:shade val="15000"/>
+            </a:schemeClr>
+          </a:lnRef>
+          <a:fillRef idx="1">
+            <a:schemeClr val="accent1"/>
+          </a:fillRef>
+          <a:effectRef idx="0">
+            <a:schemeClr val="accent1"/>
+          </a:effectRef>
+          <a:fontRef idx="minor">
+            <a:schemeClr val="lt1"/>
+          </a:fontRef>
+        </p:style>
+        <p:txBody>
+          <a:bodyPr wrap="square" rtlCol="0" anchor="ctr">
+            <a:noAutofit/>
+          </a:bodyPr>
+          <a:lstStyle/>
+          <a:p>
+            <a:pPr algn="ctr"/>
+            <a:endParaRPr lang="en-US">
+              <a:solidFill>
+                <a:schemeClr val="tx1"/>
+              </a:solidFill>
+            </a:endParaRPr>
+          </a:p>
+        </p:txBody>
+      </p:sp>
+      <p:sp>
+        <p:nvSpPr>
+          <p:cNvPr id="44" name="TextBox 43">
+            <a:extLst>
+              <a:ext uri="{FF2B5EF4-FFF2-40B4-BE49-F238E27FC236}">
+                <a16:creationId xmlns:a16="http://schemas.microsoft.com/office/drawing/2014/main" id="{BDD3FF53-8A2D-5AEF-9E39-A9ECBAEEC0DC}"/>
+              </a:ext>
+            </a:extLst>
+          </p:cNvPr>
+          <p:cNvSpPr txBox="1"/>
+          <p:nvPr/>
+        </p:nvSpPr>
+        <p:spPr>
+          <a:xfrm>
+            <a:off x="5458283" y="1249945"/>
+            <a:ext cx="1180658" cy="707886"/>
+          </a:xfrm>
+          <a:prstGeom prst="rect">
+            <a:avLst/>
+          </a:prstGeom>
+          <a:noFill/>
+        </p:spPr>
+        <p:txBody>
+          <a:bodyPr wrap="square" rtlCol="0">
+            <a:spAutoFit/>
+          </a:bodyPr>
+          <a:lstStyle/>
+          <a:p>
+            <a:r>
+              <a:rPr lang="en-US" sz="4000" b="1" dirty="0">
+                <a:solidFill>
+                  <a:srgbClr val="C00000"/>
+                </a:solidFill>
+              </a:rPr>
+              <a:t>SEC</a:t>
+            </a:r>
+          </a:p>
+        </p:txBody>
+      </p:sp>
+    </p:spTree>
+    <p:extLst>
+      <p:ext uri="{BB962C8B-B14F-4D97-AF65-F5344CB8AC3E}">
+        <p14:creationId xmlns:p14="http://schemas.microsoft.com/office/powerpoint/2010/main" val="3854365243"/>
+      </p:ext>
+    </p:extLst>
+  </p:cSld>
+  <p:clrMapOvr>
+    <a:masterClrMapping/>
+  </p:clrMapOvr>
+</p:sld>
+</file>
+
+<file path=ppt/slides/slide5.xml><?xml version="1.0" encoding="utf-8"?>
+<p:sld xmlns:a="http://schemas.openxmlformats.org/drawingml/2006/main" xmlns:r="http://schemas.openxmlformats.org/officeDocument/2006/relationships" xmlns:p="http://schemas.openxmlformats.org/presentationml/2006/main">
+  <p:cSld>
+    <p:spTree>
+      <p:nvGrpSpPr>
+        <p:cNvPr id="1" name=""/>
+        <p:cNvGrpSpPr/>
+        <p:nvPr/>
+      </p:nvGrpSpPr>
+      <p:grpSpPr>
+        <a:xfrm>
+          <a:off x="0" y="0"/>
+          <a:ext cx="0" cy="0"/>
+          <a:chOff x="0" y="0"/>
+          <a:chExt cx="0" cy="0"/>
+        </a:xfrm>
+      </p:grpSpPr>
+      <p:sp>
+        <p:nvSpPr>
+          <p:cNvPr id="14" name="Freeform 13">
+            <a:extLst>
+              <a:ext uri="{FF2B5EF4-FFF2-40B4-BE49-F238E27FC236}">
+                <a16:creationId xmlns:a16="http://schemas.microsoft.com/office/drawing/2014/main" id="{4CE2930C-5FF9-CDC5-3F70-6CBD8FEDBE6C}"/>
+              </a:ext>
+            </a:extLst>
+          </p:cNvPr>
+          <p:cNvSpPr/>
+          <p:nvPr/>
+        </p:nvSpPr>
+        <p:spPr>
+          <a:xfrm rot="2700000">
+            <a:off x="1293081" y="-1376502"/>
+            <a:ext cx="9611004" cy="9611005"/>
+          </a:xfrm>
+          <a:custGeom>
+            <a:avLst/>
+            <a:gdLst>
+              <a:gd name="connsiteX0" fmla="*/ 803014 w 9611004"/>
+              <a:gd name="connsiteY0" fmla="*/ 4930706 h 9611005"/>
+              <a:gd name="connsiteX1" fmla="*/ 2741654 w 9611004"/>
+              <a:gd name="connsiteY1" fmla="*/ 4127694 h 9611005"/>
+              <a:gd name="connsiteX2" fmla="*/ 3704934 w 9611004"/>
+              <a:gd name="connsiteY2" fmla="*/ 4127693 h 9611005"/>
+              <a:gd name="connsiteX3" fmla="*/ 3632780 w 9611004"/>
+              <a:gd name="connsiteY3" fmla="*/ 4217469 h 9611005"/>
+              <a:gd name="connsiteX4" fmla="*/ 3448575 w 9611004"/>
+              <a:gd name="connsiteY4" fmla="*/ 4506399 h 9611005"/>
+              <a:gd name="connsiteX5" fmla="*/ 3440171 w 9611004"/>
+              <a:gd name="connsiteY5" fmla="*/ 4523596 h 9611005"/>
+              <a:gd name="connsiteX6" fmla="*/ 3420492 w 9611004"/>
+              <a:gd name="connsiteY6" fmla="*/ 4528401 h 9611005"/>
+              <a:gd name="connsiteX7" fmla="*/ 3331430 w 9611004"/>
+              <a:gd name="connsiteY7" fmla="*/ 4502620 h 9611005"/>
+              <a:gd name="connsiteX8" fmla="*/ 1041101 w 9611004"/>
+              <a:gd name="connsiteY8" fmla="*/ 5143037 h 9611005"/>
+              <a:gd name="connsiteX9" fmla="*/ 1041101 w 9611004"/>
+              <a:gd name="connsiteY9" fmla="*/ 8569903 h 9611005"/>
+              <a:gd name="connsiteX10" fmla="*/ 4467966 w 9611004"/>
+              <a:gd name="connsiteY10" fmla="*/ 8569902 h 9611005"/>
+              <a:gd name="connsiteX11" fmla="*/ 5135391 w 9611004"/>
+              <a:gd name="connsiteY11" fmla="*/ 6404404 h 9611005"/>
+              <a:gd name="connsiteX12" fmla="*/ 5081125 w 9611004"/>
+              <a:gd name="connsiteY12" fmla="*/ 6196567 h 9611005"/>
+              <a:gd name="connsiteX13" fmla="*/ 5087408 w 9611004"/>
+              <a:gd name="connsiteY13" fmla="*/ 6170833 h 9611005"/>
+              <a:gd name="connsiteX14" fmla="*/ 5104605 w 9611004"/>
+              <a:gd name="connsiteY14" fmla="*/ 6162429 h 9611005"/>
+              <a:gd name="connsiteX15" fmla="*/ 5393534 w 9611004"/>
+              <a:gd name="connsiteY15" fmla="*/ 5978224 h 9611005"/>
+              <a:gd name="connsiteX16" fmla="*/ 5483309 w 9611004"/>
+              <a:gd name="connsiteY16" fmla="*/ 5906071 h 9611005"/>
+              <a:gd name="connsiteX17" fmla="*/ 5483309 w 9611004"/>
+              <a:gd name="connsiteY17" fmla="*/ 6869349 h 9611005"/>
+              <a:gd name="connsiteX18" fmla="*/ 2741654 w 9611004"/>
+              <a:gd name="connsiteY18" fmla="*/ 9611005 h 9611005"/>
+              <a:gd name="connsiteX19" fmla="*/ 1 w 9611004"/>
+              <a:gd name="connsiteY19" fmla="*/ 6869349 h 9611005"/>
+              <a:gd name="connsiteX20" fmla="*/ 803014 w 9611004"/>
+              <a:gd name="connsiteY20" fmla="*/ 4930706 h 9611005"/>
+              <a:gd name="connsiteX21" fmla="*/ 4930707 w 9611004"/>
+              <a:gd name="connsiteY21" fmla="*/ 803013 h 9611005"/>
+              <a:gd name="connsiteX22" fmla="*/ 6869349 w 9611004"/>
+              <a:gd name="connsiteY22" fmla="*/ 1 h 9611005"/>
+              <a:gd name="connsiteX23" fmla="*/ 9611004 w 9611004"/>
+              <a:gd name="connsiteY23" fmla="*/ 2741656 h 9611005"/>
+              <a:gd name="connsiteX24" fmla="*/ 6869350 w 9611004"/>
+              <a:gd name="connsiteY24" fmla="*/ 5483311 h 9611005"/>
+              <a:gd name="connsiteX25" fmla="*/ 5891013 w 9611004"/>
+              <a:gd name="connsiteY25" fmla="*/ 5483311 h 9611005"/>
+              <a:gd name="connsiteX26" fmla="*/ 5901515 w 9611004"/>
+              <a:gd name="connsiteY26" fmla="*/ 5470243 h 9611005"/>
+              <a:gd name="connsiteX27" fmla="*/ 6085721 w 9611004"/>
+              <a:gd name="connsiteY27" fmla="*/ 5181313 h 9611005"/>
+              <a:gd name="connsiteX28" fmla="*/ 6134169 w 9611004"/>
+              <a:gd name="connsiteY28" fmla="*/ 5082168 h 9611005"/>
+              <a:gd name="connsiteX29" fmla="*/ 6159364 w 9611004"/>
+              <a:gd name="connsiteY29" fmla="*/ 5076016 h 9611005"/>
+              <a:gd name="connsiteX30" fmla="*/ 6400753 w 9611004"/>
+              <a:gd name="connsiteY30" fmla="*/ 5139043 h 9611005"/>
+              <a:gd name="connsiteX31" fmla="*/ 8566252 w 9611004"/>
+              <a:gd name="connsiteY31" fmla="*/ 4471619 h 9611005"/>
+              <a:gd name="connsiteX32" fmla="*/ 8566252 w 9611004"/>
+              <a:gd name="connsiteY32" fmla="*/ 1044753 h 9611005"/>
+              <a:gd name="connsiteX33" fmla="*/ 5139386 w 9611004"/>
+              <a:gd name="connsiteY33" fmla="*/ 1044753 h 9611005"/>
+              <a:gd name="connsiteX34" fmla="*/ 4471962 w 9611004"/>
+              <a:gd name="connsiteY34" fmla="*/ 3210252 h 9611005"/>
+              <a:gd name="connsiteX35" fmla="*/ 4502269 w 9611004"/>
+              <a:gd name="connsiteY35" fmla="*/ 3326324 h 9611005"/>
+              <a:gd name="connsiteX36" fmla="*/ 4489945 w 9611004"/>
+              <a:gd name="connsiteY36" fmla="*/ 3361557 h 9611005"/>
+              <a:gd name="connsiteX37" fmla="*/ 4454901 w 9611004"/>
+              <a:gd name="connsiteY37" fmla="*/ 3512963 h 9611005"/>
+              <a:gd name="connsiteX38" fmla="*/ 4429690 w 9611004"/>
+              <a:gd name="connsiteY38" fmla="*/ 3525283 h 9611005"/>
+              <a:gd name="connsiteX39" fmla="*/ 4140761 w 9611004"/>
+              <a:gd name="connsiteY39" fmla="*/ 3709488 h 9611005"/>
+              <a:gd name="connsiteX40" fmla="*/ 4127695 w 9611004"/>
+              <a:gd name="connsiteY40" fmla="*/ 3719989 h 9611005"/>
+              <a:gd name="connsiteX41" fmla="*/ 4127695 w 9611004"/>
+              <a:gd name="connsiteY41" fmla="*/ 2741656 h 9611005"/>
+              <a:gd name="connsiteX42" fmla="*/ 4930707 w 9611004"/>
+              <a:gd name="connsiteY42" fmla="*/ 803013 h 9611005"/>
+            </a:gdLst>
+            <a:ahLst/>
+            <a:cxnLst>
+              <a:cxn ang="0">
+                <a:pos x="connsiteX0" y="connsiteY0"/>
+              </a:cxn>
+              <a:cxn ang="0">
+                <a:pos x="connsiteX1" y="connsiteY1"/>
+              </a:cxn>
+              <a:cxn ang="0">
+                <a:pos x="connsiteX2" y="connsiteY2"/>
+              </a:cxn>
+              <a:cxn ang="0">
+                <a:pos x="connsiteX3" y="connsiteY3"/>
+              </a:cxn>
+              <a:cxn ang="0">
+                <a:pos x="connsiteX4" y="connsiteY4"/>
+              </a:cxn>
+              <a:cxn ang="0">
+                <a:pos x="connsiteX5" y="connsiteY5"/>
+              </a:cxn>
+              <a:cxn ang="0">
+                <a:pos x="connsiteX6" y="connsiteY6"/>
+              </a:cxn>
+              <a:cxn ang="0">
+                <a:pos x="connsiteX7" y="connsiteY7"/>
+              </a:cxn>
+              <a:cxn ang="0">
+                <a:pos x="connsiteX8" y="connsiteY8"/>
+              </a:cxn>
+              <a:cxn ang="0">
+                <a:pos x="connsiteX9" y="connsiteY9"/>
+              </a:cxn>
+              <a:cxn ang="0">
+                <a:pos x="connsiteX10" y="connsiteY10"/>
+              </a:cxn>
+              <a:cxn ang="0">
+                <a:pos x="connsiteX11" y="connsiteY11"/>
+              </a:cxn>
+              <a:cxn ang="0">
+                <a:pos x="connsiteX12" y="connsiteY12"/>
+              </a:cxn>
+              <a:cxn ang="0">
+                <a:pos x="connsiteX13" y="connsiteY13"/>
+              </a:cxn>
+              <a:cxn ang="0">
+                <a:pos x="connsiteX14" y="connsiteY14"/>
+              </a:cxn>
+              <a:cxn ang="0">
+                <a:pos x="connsiteX15" y="connsiteY15"/>
+              </a:cxn>
+              <a:cxn ang="0">
+                <a:pos x="connsiteX16" y="connsiteY16"/>
+              </a:cxn>
+              <a:cxn ang="0">
+                <a:pos x="connsiteX17" y="connsiteY17"/>
+              </a:cxn>
+              <a:cxn ang="0">
+                <a:pos x="connsiteX18" y="connsiteY18"/>
+              </a:cxn>
+              <a:cxn ang="0">
+                <a:pos x="connsiteX19" y="connsiteY19"/>
+              </a:cxn>
+              <a:cxn ang="0">
+                <a:pos x="connsiteX20" y="connsiteY20"/>
+              </a:cxn>
+              <a:cxn ang="0">
+                <a:pos x="connsiteX21" y="connsiteY21"/>
+              </a:cxn>
+              <a:cxn ang="0">
+                <a:pos x="connsiteX22" y="connsiteY22"/>
+              </a:cxn>
+              <a:cxn ang="0">
+                <a:pos x="connsiteX23" y="connsiteY23"/>
+              </a:cxn>
+              <a:cxn ang="0">
+                <a:pos x="connsiteX24" y="connsiteY24"/>
+              </a:cxn>
+              <a:cxn ang="0">
+                <a:pos x="connsiteX25" y="connsiteY25"/>
+              </a:cxn>
+              <a:cxn ang="0">
+                <a:pos x="connsiteX26" y="connsiteY26"/>
+              </a:cxn>
+              <a:cxn ang="0">
+                <a:pos x="connsiteX27" y="connsiteY27"/>
+              </a:cxn>
+              <a:cxn ang="0">
+                <a:pos x="connsiteX28" y="connsiteY28"/>
+              </a:cxn>
+              <a:cxn ang="0">
+                <a:pos x="connsiteX29" y="connsiteY29"/>
+              </a:cxn>
+              <a:cxn ang="0">
+                <a:pos x="connsiteX30" y="connsiteY30"/>
+              </a:cxn>
+              <a:cxn ang="0">
+                <a:pos x="connsiteX31" y="connsiteY31"/>
+              </a:cxn>
+              <a:cxn ang="0">
+                <a:pos x="connsiteX32" y="connsiteY32"/>
+              </a:cxn>
+              <a:cxn ang="0">
+                <a:pos x="connsiteX33" y="connsiteY33"/>
+              </a:cxn>
+              <a:cxn ang="0">
+                <a:pos x="connsiteX34" y="connsiteY34"/>
+              </a:cxn>
+              <a:cxn ang="0">
+                <a:pos x="connsiteX35" y="connsiteY35"/>
+              </a:cxn>
+              <a:cxn ang="0">
+                <a:pos x="connsiteX36" y="connsiteY36"/>
+              </a:cxn>
+              <a:cxn ang="0">
+                <a:pos x="connsiteX37" y="connsiteY37"/>
+              </a:cxn>
+              <a:cxn ang="0">
+                <a:pos x="connsiteX38" y="connsiteY38"/>
+              </a:cxn>
+              <a:cxn ang="0">
+                <a:pos x="connsiteX39" y="connsiteY39"/>
+              </a:cxn>
+              <a:cxn ang="0">
+                <a:pos x="connsiteX40" y="connsiteY40"/>
+              </a:cxn>
+              <a:cxn ang="0">
+                <a:pos x="connsiteX41" y="connsiteY41"/>
+              </a:cxn>
+              <a:cxn ang="0">
+                <a:pos x="connsiteX42" y="connsiteY42"/>
+              </a:cxn>
+            </a:cxnLst>
+            <a:rect l="l" t="t" r="r" b="b"/>
+            <a:pathLst>
+              <a:path w="9611004" h="9611005">
+                <a:moveTo>
+                  <a:pt x="803014" y="4930706"/>
+                </a:moveTo>
+                <a:cubicBezTo>
+                  <a:pt x="1299155" y="4434563"/>
+                  <a:pt x="1984568" y="4127693"/>
+                  <a:pt x="2741654" y="4127694"/>
+                </a:cubicBezTo>
+                <a:lnTo>
+                  <a:pt x="3704934" y="4127693"/>
+                </a:lnTo>
+                <a:lnTo>
+                  <a:pt x="3632780" y="4217469"/>
+                </a:lnTo>
+                <a:cubicBezTo>
+                  <a:pt x="3562709" y="4311481"/>
+                  <a:pt x="3501227" y="4408273"/>
+                  <a:pt x="3448575" y="4506399"/>
+                </a:cubicBezTo>
+                <a:lnTo>
+                  <a:pt x="3440171" y="4523596"/>
+                </a:lnTo>
+                <a:lnTo>
+                  <a:pt x="3420492" y="4528401"/>
+                </a:lnTo>
+                <a:lnTo>
+                  <a:pt x="3331430" y="4502620"/>
+                </a:lnTo>
+                <a:cubicBezTo>
+                  <a:pt x="2536336" y="4308554"/>
+                  <a:pt x="1662112" y="4522026"/>
+                  <a:pt x="1041101" y="5143037"/>
+                </a:cubicBezTo>
+                <a:cubicBezTo>
+                  <a:pt x="94798" y="6089340"/>
+                  <a:pt x="94799" y="7623600"/>
+                  <a:pt x="1041101" y="8569903"/>
+                </a:cubicBezTo>
+                <a:cubicBezTo>
+                  <a:pt x="1987403" y="9516205"/>
+                  <a:pt x="3521664" y="9516205"/>
+                  <a:pt x="4467966" y="8569902"/>
+                </a:cubicBezTo>
+                <a:cubicBezTo>
+                  <a:pt x="5056634" y="7981235"/>
+                  <a:pt x="5279108" y="7165046"/>
+                  <a:pt x="5135391" y="6404404"/>
+                </a:cubicBezTo>
+                <a:lnTo>
+                  <a:pt x="5081125" y="6196567"/>
+                </a:lnTo>
+                <a:lnTo>
+                  <a:pt x="5087408" y="6170833"/>
+                </a:lnTo>
+                <a:lnTo>
+                  <a:pt x="5104605" y="6162429"/>
+                </a:lnTo>
+                <a:cubicBezTo>
+                  <a:pt x="5202731" y="6109777"/>
+                  <a:pt x="5299523" y="6048295"/>
+                  <a:pt x="5393534" y="5978224"/>
+                </a:cubicBezTo>
+                <a:lnTo>
+                  <a:pt x="5483309" y="5906071"/>
+                </a:lnTo>
+                <a:lnTo>
+                  <a:pt x="5483309" y="6869349"/>
+                </a:lnTo>
+                <a:cubicBezTo>
+                  <a:pt x="5483309" y="8383523"/>
+                  <a:pt x="4255830" y="9611005"/>
+                  <a:pt x="2741654" y="9611005"/>
+                </a:cubicBezTo>
+                <a:cubicBezTo>
+                  <a:pt x="1227481" y="9611005"/>
+                  <a:pt x="-1" y="8383524"/>
+                  <a:pt x="1" y="6869349"/>
+                </a:cubicBezTo>
+                <a:cubicBezTo>
+                  <a:pt x="0" y="6112261"/>
+                  <a:pt x="306870" y="5426847"/>
+                  <a:pt x="803014" y="4930706"/>
+                </a:cubicBezTo>
+                <a:close/>
+                <a:moveTo>
+                  <a:pt x="4930707" y="803013"/>
+                </a:moveTo>
+                <a:cubicBezTo>
+                  <a:pt x="5426849" y="306870"/>
+                  <a:pt x="6112262" y="1"/>
+                  <a:pt x="6869349" y="1"/>
+                </a:cubicBezTo>
+                <a:cubicBezTo>
+                  <a:pt x="8383524" y="0"/>
+                  <a:pt x="9611005" y="1227481"/>
+                  <a:pt x="9611004" y="2741656"/>
+                </a:cubicBezTo>
+                <a:cubicBezTo>
+                  <a:pt x="9611005" y="4255831"/>
+                  <a:pt x="8383524" y="5483311"/>
+                  <a:pt x="6869350" y="5483311"/>
+                </a:cubicBezTo>
+                <a:lnTo>
+                  <a:pt x="5891013" y="5483311"/>
+                </a:lnTo>
+                <a:lnTo>
+                  <a:pt x="5901515" y="5470243"/>
+                </a:lnTo>
+                <a:cubicBezTo>
+                  <a:pt x="5971586" y="5376231"/>
+                  <a:pt x="6033069" y="5279439"/>
+                  <a:pt x="6085721" y="5181313"/>
+                </a:cubicBezTo>
+                <a:lnTo>
+                  <a:pt x="6134169" y="5082168"/>
+                </a:lnTo>
+                <a:lnTo>
+                  <a:pt x="6159364" y="5076016"/>
+                </a:lnTo>
+                <a:lnTo>
+                  <a:pt x="6400753" y="5139043"/>
+                </a:lnTo>
+                <a:cubicBezTo>
+                  <a:pt x="7161395" y="5282760"/>
+                  <a:pt x="7977585" y="5060286"/>
+                  <a:pt x="8566252" y="4471619"/>
+                </a:cubicBezTo>
+                <a:cubicBezTo>
+                  <a:pt x="9512554" y="3525316"/>
+                  <a:pt x="9512554" y="1991056"/>
+                  <a:pt x="8566252" y="1044753"/>
+                </a:cubicBezTo>
+                <a:cubicBezTo>
+                  <a:pt x="7619949" y="98451"/>
+                  <a:pt x="6085689" y="98450"/>
+                  <a:pt x="5139386" y="1044753"/>
+                </a:cubicBezTo>
+                <a:cubicBezTo>
+                  <a:pt x="4550719" y="1633421"/>
+                  <a:pt x="4328245" y="2449610"/>
+                  <a:pt x="4471962" y="3210252"/>
+                </a:cubicBezTo>
+                <a:lnTo>
+                  <a:pt x="4502269" y="3326324"/>
+                </a:lnTo>
+                <a:lnTo>
+                  <a:pt x="4489945" y="3361557"/>
+                </a:lnTo>
+                <a:lnTo>
+                  <a:pt x="4454901" y="3512963"/>
+                </a:lnTo>
+                <a:lnTo>
+                  <a:pt x="4429690" y="3525283"/>
+                </a:lnTo>
+                <a:cubicBezTo>
+                  <a:pt x="4331565" y="3577935"/>
+                  <a:pt x="4234772" y="3639418"/>
+                  <a:pt x="4140761" y="3709488"/>
+                </a:cubicBezTo>
+                <a:lnTo>
+                  <a:pt x="4127695" y="3719989"/>
+                </a:lnTo>
+                <a:lnTo>
+                  <a:pt x="4127695" y="2741656"/>
+                </a:lnTo>
+                <a:cubicBezTo>
+                  <a:pt x="4127695" y="1984568"/>
+                  <a:pt x="4434565" y="1299155"/>
+                  <a:pt x="4930707" y="803013"/>
+                </a:cubicBezTo>
+                <a:close/>
+              </a:path>
+            </a:pathLst>
+          </a:custGeom>
+          <a:ln>
+            <a:noFill/>
+          </a:ln>
+        </p:spPr>
+        <p:style>
+          <a:lnRef idx="2">
+            <a:schemeClr val="accent1">
+              <a:shade val="15000"/>
+            </a:schemeClr>
+          </a:lnRef>
+          <a:fillRef idx="1">
+            <a:schemeClr val="accent1"/>
+          </a:fillRef>
+          <a:effectRef idx="0">
+            <a:schemeClr val="accent1"/>
+          </a:effectRef>
+          <a:fontRef idx="minor">
+            <a:schemeClr val="lt1"/>
+          </a:fontRef>
+        </p:style>
+        <p:txBody>
+          <a:bodyPr wrap="square" rtlCol="0" anchor="ctr">
+            <a:noAutofit/>
+          </a:bodyPr>
+          <a:lstStyle/>
+          <a:p>
+            <a:pPr algn="ctr"/>
+            <a:endParaRPr lang="en-US"/>
+          </a:p>
+        </p:txBody>
+      </p:sp>
+    </p:spTree>
+    <p:extLst>
+      <p:ext uri="{BB962C8B-B14F-4D97-AF65-F5344CB8AC3E}">
+        <p14:creationId xmlns:p14="http://schemas.microsoft.com/office/powerpoint/2010/main" val="3066311636"/>
+      </p:ext>
+    </p:extLst>
+  </p:cSld>
+  <p:clrMapOvr>
+    <a:masterClrMapping/>
+  </p:clrMapOvr>
+</p:sld>
+</file>
+
+<file path=ppt/slides/slide6.xml><?xml version="1.0" encoding="utf-8"?>
+<p:sld xmlns:a="http://schemas.openxmlformats.org/drawingml/2006/main" xmlns:r="http://schemas.openxmlformats.org/officeDocument/2006/relationships" xmlns:p="http://schemas.openxmlformats.org/presentationml/2006/main">
+  <p:cSld>
+    <p:spTree>
+      <p:nvGrpSpPr>
+        <p:cNvPr id="1" name=""/>
+        <p:cNvGrpSpPr/>
+        <p:nvPr/>
+      </p:nvGrpSpPr>
+      <p:grpSpPr>
+        <a:xfrm>
+          <a:off x="0" y="0"/>
+          <a:ext cx="0" cy="0"/>
+          <a:chOff x="0" y="0"/>
+          <a:chExt cx="0" cy="0"/>
+        </a:xfrm>
+      </p:grpSpPr>
+      <p:sp>
+        <p:nvSpPr>
+          <p:cNvPr id="10" name="Freeform 9">
+            <a:extLst>
+              <a:ext uri="{FF2B5EF4-FFF2-40B4-BE49-F238E27FC236}">
+                <a16:creationId xmlns:a16="http://schemas.microsoft.com/office/drawing/2014/main" id="{5DB85B8D-5C46-5446-6800-4E498553DC51}"/>
+              </a:ext>
+            </a:extLst>
+          </p:cNvPr>
+          <p:cNvSpPr/>
+          <p:nvPr/>
+        </p:nvSpPr>
+        <p:spPr>
+          <a:xfrm>
+            <a:off x="433950" y="685800"/>
+            <a:ext cx="11639226" cy="5486400"/>
+          </a:xfrm>
+          <a:custGeom>
+            <a:avLst/>
+            <a:gdLst>
+              <a:gd name="connsiteX0" fmla="*/ 3236562 w 11246604"/>
+              <a:gd name="connsiteY0" fmla="*/ 300435 h 5486400"/>
+              <a:gd name="connsiteX1" fmla="*/ 300435 w 11246604"/>
+              <a:gd name="connsiteY1" fmla="*/ 2743200 h 5486400"/>
+              <a:gd name="connsiteX2" fmla="*/ 3236562 w 11246604"/>
+              <a:gd name="connsiteY2" fmla="*/ 5185965 h 5486400"/>
+              <a:gd name="connsiteX3" fmla="*/ 5312718 w 11246604"/>
+              <a:gd name="connsiteY3" fmla="*/ 4470496 h 5486400"/>
+              <a:gd name="connsiteX4" fmla="*/ 5435578 w 11246604"/>
+              <a:gd name="connsiteY4" fmla="*/ 4358030 h 5486400"/>
+              <a:gd name="connsiteX5" fmla="*/ 5449949 w 11246604"/>
+              <a:gd name="connsiteY5" fmla="*/ 4371284 h 5486400"/>
+              <a:gd name="connsiteX6" fmla="*/ 5460496 w 11246604"/>
+              <a:gd name="connsiteY6" fmla="*/ 4361546 h 5486400"/>
+              <a:gd name="connsiteX7" fmla="*/ 5587735 w 11246604"/>
+              <a:gd name="connsiteY7" fmla="*/ 4470496 h 5486400"/>
+              <a:gd name="connsiteX8" fmla="*/ 7807270 w 11246604"/>
+              <a:gd name="connsiteY8" fmla="*/ 5185965 h 5486400"/>
+              <a:gd name="connsiteX9" fmla="*/ 10946167 w 11246604"/>
+              <a:gd name="connsiteY9" fmla="*/ 2743200 h 5486400"/>
+              <a:gd name="connsiteX10" fmla="*/ 7807270 w 11246604"/>
+              <a:gd name="connsiteY10" fmla="*/ 300435 h 5486400"/>
+              <a:gd name="connsiteX11" fmla="*/ 5587735 w 11246604"/>
+              <a:gd name="connsiteY11" fmla="*/ 1015904 h 5486400"/>
+              <a:gd name="connsiteX12" fmla="*/ 5449610 w 11246604"/>
+              <a:gd name="connsiteY12" fmla="*/ 1134176 h 5486400"/>
+              <a:gd name="connsiteX13" fmla="*/ 5426856 w 11246604"/>
+              <a:gd name="connsiteY13" fmla="*/ 1113168 h 5486400"/>
+              <a:gd name="connsiteX14" fmla="*/ 5422928 w 11246604"/>
+              <a:gd name="connsiteY14" fmla="*/ 1116790 h 5486400"/>
+              <a:gd name="connsiteX15" fmla="*/ 5315686 w 11246604"/>
+              <a:gd name="connsiteY15" fmla="*/ 1018621 h 5486400"/>
+              <a:gd name="connsiteX16" fmla="*/ 5216220 w 11246604"/>
+              <a:gd name="connsiteY16" fmla="*/ 943066 h 5486400"/>
+              <a:gd name="connsiteX17" fmla="*/ 5216299 w 11246604"/>
+              <a:gd name="connsiteY17" fmla="*/ 942997 h 5486400"/>
+              <a:gd name="connsiteX18" fmla="*/ 5104212 w 11246604"/>
+              <a:gd name="connsiteY18" fmla="*/ 858244 h 5486400"/>
+              <a:gd name="connsiteX19" fmla="*/ 3236562 w 11246604"/>
+              <a:gd name="connsiteY19" fmla="*/ 300435 h 5486400"/>
+              <a:gd name="connsiteX20" fmla="*/ 3236563 w 11246604"/>
+              <a:gd name="connsiteY20" fmla="*/ 0 h 5486400"/>
+              <a:gd name="connsiteX21" fmla="*/ 5295318 w 11246604"/>
+              <a:gd name="connsiteY21" fmla="*/ 626414 h 5486400"/>
+              <a:gd name="connsiteX22" fmla="*/ 5452504 w 11246604"/>
+              <a:gd name="connsiteY22" fmla="*/ 747497 h 5486400"/>
+              <a:gd name="connsiteX23" fmla="*/ 5619537 w 11246604"/>
+              <a:gd name="connsiteY23" fmla="*/ 626414 h 5486400"/>
+              <a:gd name="connsiteX24" fmla="*/ 7807271 w 11246604"/>
+              <a:gd name="connsiteY24" fmla="*/ 0 h 5486400"/>
+              <a:gd name="connsiteX25" fmla="*/ 11246604 w 11246604"/>
+              <a:gd name="connsiteY25" fmla="*/ 2743200 h 5486400"/>
+              <a:gd name="connsiteX26" fmla="*/ 7807271 w 11246604"/>
+              <a:gd name="connsiteY26" fmla="*/ 5486400 h 5486400"/>
+              <a:gd name="connsiteX27" fmla="*/ 5619537 w 11246604"/>
+              <a:gd name="connsiteY27" fmla="*/ 4859987 h 5486400"/>
+              <a:gd name="connsiteX28" fmla="*/ 5452504 w 11246604"/>
+              <a:gd name="connsiteY28" fmla="*/ 4738904 h 5486400"/>
+              <a:gd name="connsiteX29" fmla="*/ 5295318 w 11246604"/>
+              <a:gd name="connsiteY29" fmla="*/ 4859987 h 5486400"/>
+              <a:gd name="connsiteX30" fmla="*/ 3236563 w 11246604"/>
+              <a:gd name="connsiteY30" fmla="*/ 5486400 h 5486400"/>
+              <a:gd name="connsiteX31" fmla="*/ 0 w 11246604"/>
+              <a:gd name="connsiteY31" fmla="*/ 2743200 h 5486400"/>
+              <a:gd name="connsiteX32" fmla="*/ 3236563 w 11246604"/>
+              <a:gd name="connsiteY32" fmla="*/ 0 h 5486400"/>
+            </a:gdLst>
+            <a:ahLst/>
+            <a:cxnLst>
+              <a:cxn ang="0">
+                <a:pos x="connsiteX0" y="connsiteY0"/>
+              </a:cxn>
+              <a:cxn ang="0">
+                <a:pos x="connsiteX1" y="connsiteY1"/>
+              </a:cxn>
+              <a:cxn ang="0">
+                <a:pos x="connsiteX2" y="connsiteY2"/>
+              </a:cxn>
+              <a:cxn ang="0">
+                <a:pos x="connsiteX3" y="connsiteY3"/>
+              </a:cxn>
+              <a:cxn ang="0">
+                <a:pos x="connsiteX4" y="connsiteY4"/>
+              </a:cxn>
+              <a:cxn ang="0">
+                <a:pos x="connsiteX5" y="connsiteY5"/>
+              </a:cxn>
+              <a:cxn ang="0">
+                <a:pos x="connsiteX6" y="connsiteY6"/>
+              </a:cxn>
+              <a:cxn ang="0">
+                <a:pos x="connsiteX7" y="connsiteY7"/>
+              </a:cxn>
+              <a:cxn ang="0">
+                <a:pos x="connsiteX8" y="connsiteY8"/>
+              </a:cxn>
+              <a:cxn ang="0">
+                <a:pos x="connsiteX9" y="connsiteY9"/>
+              </a:cxn>
+              <a:cxn ang="0">
+                <a:pos x="connsiteX10" y="connsiteY10"/>
+              </a:cxn>
+              <a:cxn ang="0">
+                <a:pos x="connsiteX11" y="connsiteY11"/>
+              </a:cxn>
+              <a:cxn ang="0">
+                <a:pos x="connsiteX12" y="connsiteY12"/>
+              </a:cxn>
+              <a:cxn ang="0">
+                <a:pos x="connsiteX13" y="connsiteY13"/>
+              </a:cxn>
+              <a:cxn ang="0">
+                <a:pos x="connsiteX14" y="connsiteY14"/>
+              </a:cxn>
+              <a:cxn ang="0">
+                <a:pos x="connsiteX15" y="connsiteY15"/>
+              </a:cxn>
+              <a:cxn ang="0">
+                <a:pos x="connsiteX16" y="connsiteY16"/>
+              </a:cxn>
+              <a:cxn ang="0">
+                <a:pos x="connsiteX17" y="connsiteY17"/>
+              </a:cxn>
+              <a:cxn ang="0">
+                <a:pos x="connsiteX18" y="connsiteY18"/>
+              </a:cxn>
+              <a:cxn ang="0">
+                <a:pos x="connsiteX19" y="connsiteY19"/>
+              </a:cxn>
+              <a:cxn ang="0">
+                <a:pos x="connsiteX20" y="connsiteY20"/>
+              </a:cxn>
+              <a:cxn ang="0">
+                <a:pos x="connsiteX21" y="connsiteY21"/>
+              </a:cxn>
+              <a:cxn ang="0">
+                <a:pos x="connsiteX22" y="connsiteY22"/>
+              </a:cxn>
+              <a:cxn ang="0">
+                <a:pos x="connsiteX23" y="connsiteY23"/>
+              </a:cxn>
+              <a:cxn ang="0">
+                <a:pos x="connsiteX24" y="connsiteY24"/>
+              </a:cxn>
+              <a:cxn ang="0">
+                <a:pos x="connsiteX25" y="connsiteY25"/>
+              </a:cxn>
+              <a:cxn ang="0">
+                <a:pos x="connsiteX26" y="connsiteY26"/>
+              </a:cxn>
+              <a:cxn ang="0">
+                <a:pos x="connsiteX27" y="connsiteY27"/>
+              </a:cxn>
+              <a:cxn ang="0">
+                <a:pos x="connsiteX28" y="connsiteY28"/>
+              </a:cxn>
+              <a:cxn ang="0">
+                <a:pos x="connsiteX29" y="connsiteY29"/>
+              </a:cxn>
+              <a:cxn ang="0">
+                <a:pos x="connsiteX30" y="connsiteY30"/>
+              </a:cxn>
+              <a:cxn ang="0">
+                <a:pos x="connsiteX31" y="connsiteY31"/>
+              </a:cxn>
+              <a:cxn ang="0">
+                <a:pos x="connsiteX32" y="connsiteY32"/>
+              </a:cxn>
+            </a:cxnLst>
+            <a:rect l="l" t="t" r="r" b="b"/>
+            <a:pathLst>
+              <a:path w="11246604" h="5486400">
+                <a:moveTo>
+                  <a:pt x="3236562" y="300435"/>
+                </a:moveTo>
+                <a:cubicBezTo>
+                  <a:pt x="1614984" y="300435"/>
+                  <a:pt x="300435" y="1394098"/>
+                  <a:pt x="300435" y="2743200"/>
+                </a:cubicBezTo>
+                <a:cubicBezTo>
+                  <a:pt x="300435" y="4092302"/>
+                  <a:pt x="1614984" y="5185965"/>
+                  <a:pt x="3236562" y="5185965"/>
+                </a:cubicBezTo>
+                <a:cubicBezTo>
+                  <a:pt x="4047351" y="5185965"/>
+                  <a:pt x="4781383" y="4912550"/>
+                  <a:pt x="5312718" y="4470496"/>
+                </a:cubicBezTo>
+                <a:lnTo>
+                  <a:pt x="5435578" y="4358030"/>
+                </a:lnTo>
+                <a:lnTo>
+                  <a:pt x="5449949" y="4371284"/>
+                </a:lnTo>
+                <a:lnTo>
+                  <a:pt x="5460496" y="4361546"/>
+                </a:lnTo>
+                <a:lnTo>
+                  <a:pt x="5587735" y="4470496"/>
+                </a:lnTo>
+                <a:cubicBezTo>
+                  <a:pt x="6155764" y="4912550"/>
+                  <a:pt x="6940488" y="5185965"/>
+                  <a:pt x="7807270" y="5185965"/>
+                </a:cubicBezTo>
+                <a:cubicBezTo>
+                  <a:pt x="9540835" y="5185965"/>
+                  <a:pt x="10946167" y="4092302"/>
+                  <a:pt x="10946167" y="2743200"/>
+                </a:cubicBezTo>
+                <a:cubicBezTo>
+                  <a:pt x="10946167" y="1394098"/>
+                  <a:pt x="9540835" y="300435"/>
+                  <a:pt x="7807270" y="300435"/>
+                </a:cubicBezTo>
+                <a:cubicBezTo>
+                  <a:pt x="6940488" y="300435"/>
+                  <a:pt x="6155764" y="573851"/>
+                  <a:pt x="5587735" y="1015904"/>
+                </a:cubicBezTo>
+                <a:lnTo>
+                  <a:pt x="5449610" y="1134176"/>
+                </a:lnTo>
+                <a:lnTo>
+                  <a:pt x="5426856" y="1113168"/>
+                </a:lnTo>
+                <a:lnTo>
+                  <a:pt x="5422928" y="1116790"/>
+                </a:lnTo>
+                <a:lnTo>
+                  <a:pt x="5315686" y="1018621"/>
+                </a:lnTo>
+                <a:lnTo>
+                  <a:pt x="5216220" y="943066"/>
+                </a:lnTo>
+                <a:lnTo>
+                  <a:pt x="5216299" y="942997"/>
+                </a:lnTo>
+                <a:lnTo>
+                  <a:pt x="5104212" y="858244"/>
+                </a:lnTo>
+                <a:cubicBezTo>
+                  <a:pt x="4596676" y="509769"/>
+                  <a:pt x="3946003" y="300435"/>
+                  <a:pt x="3236562" y="300435"/>
+                </a:cubicBezTo>
+                <a:close/>
+                <a:moveTo>
+                  <a:pt x="3236563" y="0"/>
+                </a:moveTo>
+                <a:cubicBezTo>
+                  <a:pt x="4018596" y="0"/>
+                  <a:pt x="4735849" y="235080"/>
+                  <a:pt x="5295318" y="626414"/>
+                </a:cubicBezTo>
+                <a:lnTo>
+                  <a:pt x="5452504" y="747497"/>
+                </a:lnTo>
+                <a:lnTo>
+                  <a:pt x="5619537" y="626414"/>
+                </a:lnTo>
+                <a:cubicBezTo>
+                  <a:pt x="6214056" y="235080"/>
+                  <a:pt x="6976244" y="0"/>
+                  <a:pt x="7807271" y="0"/>
+                </a:cubicBezTo>
+                <a:cubicBezTo>
+                  <a:pt x="9706762" y="0"/>
+                  <a:pt x="11246604" y="1228172"/>
+                  <a:pt x="11246604" y="2743200"/>
+                </a:cubicBezTo>
+                <a:cubicBezTo>
+                  <a:pt x="11246604" y="4258228"/>
+                  <a:pt x="9706762" y="5486400"/>
+                  <a:pt x="7807271" y="5486400"/>
+                </a:cubicBezTo>
+                <a:cubicBezTo>
+                  <a:pt x="6976244" y="5486400"/>
+                  <a:pt x="6214056" y="5251320"/>
+                  <a:pt x="5619537" y="4859987"/>
+                </a:cubicBezTo>
+                <a:lnTo>
+                  <a:pt x="5452504" y="4738904"/>
+                </a:lnTo>
+                <a:lnTo>
+                  <a:pt x="5295318" y="4859987"/>
+                </a:lnTo>
+                <a:cubicBezTo>
+                  <a:pt x="4735849" y="5251320"/>
+                  <a:pt x="4018596" y="5486400"/>
+                  <a:pt x="3236563" y="5486400"/>
+                </a:cubicBezTo>
+                <a:cubicBezTo>
+                  <a:pt x="1449059" y="5486400"/>
+                  <a:pt x="0" y="4258228"/>
+                  <a:pt x="0" y="2743200"/>
+                </a:cubicBezTo>
+                <a:cubicBezTo>
+                  <a:pt x="0" y="1228172"/>
+                  <a:pt x="1449059" y="0"/>
+                  <a:pt x="3236563" y="0"/>
+                </a:cubicBezTo>
+                <a:close/>
+              </a:path>
+            </a:pathLst>
+          </a:custGeom>
+        </p:spPr>
+        <p:style>
+          <a:lnRef idx="2">
+            <a:schemeClr val="accent1">
+              <a:shade val="15000"/>
+            </a:schemeClr>
+          </a:lnRef>
+          <a:fillRef idx="1">
+            <a:schemeClr val="accent1"/>
+          </a:fillRef>
+          <a:effectRef idx="0">
+            <a:schemeClr val="accent1"/>
+          </a:effectRef>
+          <a:fontRef idx="minor">
+            <a:schemeClr val="lt1"/>
+          </a:fontRef>
+        </p:style>
+        <p:txBody>
+          <a:bodyPr wrap="square" rtlCol="0" anchor="ctr">
+            <a:noAutofit/>
+          </a:bodyPr>
+          <a:lstStyle/>
+          <a:p>
+            <a:pPr algn="ctr"/>
+            <a:endParaRPr lang="en-US">
+              <a:solidFill>
+                <a:schemeClr val="tx1"/>
+              </a:solidFill>
+            </a:endParaRPr>
+          </a:p>
+        </p:txBody>
+      </p:sp>
+      <p:sp>
+        <p:nvSpPr>
+          <p:cNvPr id="13" name="Freeform 12">
+            <a:extLst>
+              <a:ext uri="{FF2B5EF4-FFF2-40B4-BE49-F238E27FC236}">
+                <a16:creationId xmlns:a16="http://schemas.microsoft.com/office/drawing/2014/main" id="{77B1B4A9-268E-BB80-8073-C7B852E9349E}"/>
+              </a:ext>
+            </a:extLst>
+          </p:cNvPr>
+          <p:cNvSpPr/>
+          <p:nvPr/>
+        </p:nvSpPr>
+        <p:spPr>
+          <a:xfrm>
+            <a:off x="586350" y="838200"/>
+            <a:ext cx="11639226" cy="5486400"/>
+          </a:xfrm>
+          <a:custGeom>
+            <a:avLst/>
+            <a:gdLst>
+              <a:gd name="connsiteX0" fmla="*/ 3236562 w 11246604"/>
+              <a:gd name="connsiteY0" fmla="*/ 300435 h 5486400"/>
+              <a:gd name="connsiteX1" fmla="*/ 300435 w 11246604"/>
+              <a:gd name="connsiteY1" fmla="*/ 2743200 h 5486400"/>
+              <a:gd name="connsiteX2" fmla="*/ 3236562 w 11246604"/>
+              <a:gd name="connsiteY2" fmla="*/ 5185965 h 5486400"/>
+              <a:gd name="connsiteX3" fmla="*/ 5312718 w 11246604"/>
+              <a:gd name="connsiteY3" fmla="*/ 4470496 h 5486400"/>
+              <a:gd name="connsiteX4" fmla="*/ 5435578 w 11246604"/>
+              <a:gd name="connsiteY4" fmla="*/ 4358030 h 5486400"/>
+              <a:gd name="connsiteX5" fmla="*/ 5449949 w 11246604"/>
+              <a:gd name="connsiteY5" fmla="*/ 4371284 h 5486400"/>
+              <a:gd name="connsiteX6" fmla="*/ 5460496 w 11246604"/>
+              <a:gd name="connsiteY6" fmla="*/ 4361546 h 5486400"/>
+              <a:gd name="connsiteX7" fmla="*/ 5587735 w 11246604"/>
+              <a:gd name="connsiteY7" fmla="*/ 4470496 h 5486400"/>
+              <a:gd name="connsiteX8" fmla="*/ 7807270 w 11246604"/>
+              <a:gd name="connsiteY8" fmla="*/ 5185965 h 5486400"/>
+              <a:gd name="connsiteX9" fmla="*/ 10946167 w 11246604"/>
+              <a:gd name="connsiteY9" fmla="*/ 2743200 h 5486400"/>
+              <a:gd name="connsiteX10" fmla="*/ 7807270 w 11246604"/>
+              <a:gd name="connsiteY10" fmla="*/ 300435 h 5486400"/>
+              <a:gd name="connsiteX11" fmla="*/ 5587735 w 11246604"/>
+              <a:gd name="connsiteY11" fmla="*/ 1015904 h 5486400"/>
+              <a:gd name="connsiteX12" fmla="*/ 5449610 w 11246604"/>
+              <a:gd name="connsiteY12" fmla="*/ 1134176 h 5486400"/>
+              <a:gd name="connsiteX13" fmla="*/ 5426856 w 11246604"/>
+              <a:gd name="connsiteY13" fmla="*/ 1113168 h 5486400"/>
+              <a:gd name="connsiteX14" fmla="*/ 5422928 w 11246604"/>
+              <a:gd name="connsiteY14" fmla="*/ 1116790 h 5486400"/>
+              <a:gd name="connsiteX15" fmla="*/ 5315686 w 11246604"/>
+              <a:gd name="connsiteY15" fmla="*/ 1018621 h 5486400"/>
+              <a:gd name="connsiteX16" fmla="*/ 5216220 w 11246604"/>
+              <a:gd name="connsiteY16" fmla="*/ 943066 h 5486400"/>
+              <a:gd name="connsiteX17" fmla="*/ 5216299 w 11246604"/>
+              <a:gd name="connsiteY17" fmla="*/ 942997 h 5486400"/>
+              <a:gd name="connsiteX18" fmla="*/ 5104212 w 11246604"/>
+              <a:gd name="connsiteY18" fmla="*/ 858244 h 5486400"/>
+              <a:gd name="connsiteX19" fmla="*/ 3236562 w 11246604"/>
+              <a:gd name="connsiteY19" fmla="*/ 300435 h 5486400"/>
+              <a:gd name="connsiteX20" fmla="*/ 3236563 w 11246604"/>
+              <a:gd name="connsiteY20" fmla="*/ 0 h 5486400"/>
+              <a:gd name="connsiteX21" fmla="*/ 5295318 w 11246604"/>
+              <a:gd name="connsiteY21" fmla="*/ 626414 h 5486400"/>
+              <a:gd name="connsiteX22" fmla="*/ 5452504 w 11246604"/>
+              <a:gd name="connsiteY22" fmla="*/ 747497 h 5486400"/>
+              <a:gd name="connsiteX23" fmla="*/ 5619537 w 11246604"/>
+              <a:gd name="connsiteY23" fmla="*/ 626414 h 5486400"/>
+              <a:gd name="connsiteX24" fmla="*/ 7807271 w 11246604"/>
+              <a:gd name="connsiteY24" fmla="*/ 0 h 5486400"/>
+              <a:gd name="connsiteX25" fmla="*/ 11246604 w 11246604"/>
+              <a:gd name="connsiteY25" fmla="*/ 2743200 h 5486400"/>
+              <a:gd name="connsiteX26" fmla="*/ 7807271 w 11246604"/>
+              <a:gd name="connsiteY26" fmla="*/ 5486400 h 5486400"/>
+              <a:gd name="connsiteX27" fmla="*/ 5619537 w 11246604"/>
+              <a:gd name="connsiteY27" fmla="*/ 4859987 h 5486400"/>
+              <a:gd name="connsiteX28" fmla="*/ 5452504 w 11246604"/>
+              <a:gd name="connsiteY28" fmla="*/ 4738904 h 5486400"/>
+              <a:gd name="connsiteX29" fmla="*/ 5295318 w 11246604"/>
+              <a:gd name="connsiteY29" fmla="*/ 4859987 h 5486400"/>
+              <a:gd name="connsiteX30" fmla="*/ 3236563 w 11246604"/>
+              <a:gd name="connsiteY30" fmla="*/ 5486400 h 5486400"/>
+              <a:gd name="connsiteX31" fmla="*/ 0 w 11246604"/>
+              <a:gd name="connsiteY31" fmla="*/ 2743200 h 5486400"/>
+              <a:gd name="connsiteX32" fmla="*/ 3236563 w 11246604"/>
+              <a:gd name="connsiteY32" fmla="*/ 0 h 5486400"/>
+            </a:gdLst>
+            <a:ahLst/>
+            <a:cxnLst>
+              <a:cxn ang="0">
+                <a:pos x="connsiteX0" y="connsiteY0"/>
+              </a:cxn>
+              <a:cxn ang="0">
+                <a:pos x="connsiteX1" y="connsiteY1"/>
+              </a:cxn>
+              <a:cxn ang="0">
+                <a:pos x="connsiteX2" y="connsiteY2"/>
+              </a:cxn>
+              <a:cxn ang="0">
+                <a:pos x="connsiteX3" y="connsiteY3"/>
+              </a:cxn>
+              <a:cxn ang="0">
+                <a:pos x="connsiteX4" y="connsiteY4"/>
+              </a:cxn>
+              <a:cxn ang="0">
+                <a:pos x="connsiteX5" y="connsiteY5"/>
+              </a:cxn>
+              <a:cxn ang="0">
+                <a:pos x="connsiteX6" y="connsiteY6"/>
+              </a:cxn>
+              <a:cxn ang="0">
+                <a:pos x="connsiteX7" y="connsiteY7"/>
+              </a:cxn>
+              <a:cxn ang="0">
+                <a:pos x="connsiteX8" y="connsiteY8"/>
+              </a:cxn>
+              <a:cxn ang="0">
+                <a:pos x="connsiteX9" y="connsiteY9"/>
+              </a:cxn>
+              <a:cxn ang="0">
+                <a:pos x="connsiteX10" y="connsiteY10"/>
+              </a:cxn>
+              <a:cxn ang="0">
+                <a:pos x="connsiteX11" y="connsiteY11"/>
+              </a:cxn>
+              <a:cxn ang="0">
+                <a:pos x="connsiteX12" y="connsiteY12"/>
+              </a:cxn>
+              <a:cxn ang="0">
+                <a:pos x="connsiteX13" y="connsiteY13"/>
+              </a:cxn>
+              <a:cxn ang="0">
+                <a:pos x="connsiteX14" y="connsiteY14"/>
+              </a:cxn>
+              <a:cxn ang="0">
+                <a:pos x="connsiteX15" y="connsiteY15"/>
+              </a:cxn>
+              <a:cxn ang="0">
+                <a:pos x="connsiteX16" y="connsiteY16"/>
+              </a:cxn>
+              <a:cxn ang="0">
+                <a:pos x="connsiteX17" y="connsiteY17"/>
+              </a:cxn>
+              <a:cxn ang="0">
+                <a:pos x="connsiteX18" y="connsiteY18"/>
+              </a:cxn>
+              <a:cxn ang="0">
+                <a:pos x="connsiteX19" y="connsiteY19"/>
+              </a:cxn>
+              <a:cxn ang="0">
+                <a:pos x="connsiteX20" y="connsiteY20"/>
+              </a:cxn>
+              <a:cxn ang="0">
+                <a:pos x="connsiteX21" y="connsiteY21"/>
+              </a:cxn>
+              <a:cxn ang="0">
+                <a:pos x="connsiteX22" y="connsiteY22"/>
+              </a:cxn>
+              <a:cxn ang="0">
+                <a:pos x="connsiteX23" y="connsiteY23"/>
+              </a:cxn>
+              <a:cxn ang="0">
+                <a:pos x="connsiteX24" y="connsiteY24"/>
+              </a:cxn>
+              <a:cxn ang="0">
+                <a:pos x="connsiteX25" y="connsiteY25"/>
+              </a:cxn>
+              <a:cxn ang="0">
+                <a:pos x="connsiteX26" y="connsiteY26"/>
+              </a:cxn>
+              <a:cxn ang="0">
+                <a:pos x="connsiteX27" y="connsiteY27"/>
+              </a:cxn>
+              <a:cxn ang="0">
+                <a:pos x="connsiteX28" y="connsiteY28"/>
+              </a:cxn>
+              <a:cxn ang="0">
+                <a:pos x="connsiteX29" y="connsiteY29"/>
+              </a:cxn>
+              <a:cxn ang="0">
+                <a:pos x="connsiteX30" y="connsiteY30"/>
+              </a:cxn>
+              <a:cxn ang="0">
+                <a:pos x="connsiteX31" y="connsiteY31"/>
+              </a:cxn>
+              <a:cxn ang="0">
+                <a:pos x="connsiteX32" y="connsiteY32"/>
+              </a:cxn>
+            </a:cxnLst>
+            <a:rect l="l" t="t" r="r" b="b"/>
+            <a:pathLst>
+              <a:path w="11246604" h="5486400">
+                <a:moveTo>
+                  <a:pt x="3236562" y="300435"/>
+                </a:moveTo>
+                <a:cubicBezTo>
+                  <a:pt x="1614984" y="300435"/>
+                  <a:pt x="300435" y="1394098"/>
+                  <a:pt x="300435" y="2743200"/>
+                </a:cubicBezTo>
+                <a:cubicBezTo>
+                  <a:pt x="300435" y="4092302"/>
+                  <a:pt x="1614984" y="5185965"/>
+                  <a:pt x="3236562" y="5185965"/>
+                </a:cubicBezTo>
+                <a:cubicBezTo>
+                  <a:pt x="4047351" y="5185965"/>
+                  <a:pt x="4781383" y="4912550"/>
+                  <a:pt x="5312718" y="4470496"/>
+                </a:cubicBezTo>
+                <a:lnTo>
+                  <a:pt x="5435578" y="4358030"/>
+                </a:lnTo>
+                <a:lnTo>
+                  <a:pt x="5449949" y="4371284"/>
+                </a:lnTo>
+                <a:lnTo>
+                  <a:pt x="5460496" y="4361546"/>
+                </a:lnTo>
+                <a:lnTo>
+                  <a:pt x="5587735" y="4470496"/>
+                </a:lnTo>
+                <a:cubicBezTo>
+                  <a:pt x="6155764" y="4912550"/>
+                  <a:pt x="6940488" y="5185965"/>
+                  <a:pt x="7807270" y="5185965"/>
+                </a:cubicBezTo>
+                <a:cubicBezTo>
+                  <a:pt x="9540835" y="5185965"/>
+                  <a:pt x="10946167" y="4092302"/>
+                  <a:pt x="10946167" y="2743200"/>
+                </a:cubicBezTo>
+                <a:cubicBezTo>
+                  <a:pt x="10946167" y="1394098"/>
+                  <a:pt x="9540835" y="300435"/>
+                  <a:pt x="7807270" y="300435"/>
+                </a:cubicBezTo>
+                <a:cubicBezTo>
+                  <a:pt x="6940488" y="300435"/>
+                  <a:pt x="6155764" y="573851"/>
+                  <a:pt x="5587735" y="1015904"/>
+                </a:cubicBezTo>
+                <a:lnTo>
+                  <a:pt x="5449610" y="1134176"/>
+                </a:lnTo>
+                <a:lnTo>
+                  <a:pt x="5426856" y="1113168"/>
+                </a:lnTo>
+                <a:lnTo>
+                  <a:pt x="5422928" y="1116790"/>
+                </a:lnTo>
+                <a:lnTo>
+                  <a:pt x="5315686" y="1018621"/>
+                </a:lnTo>
+                <a:lnTo>
+                  <a:pt x="5216220" y="943066"/>
+                </a:lnTo>
+                <a:lnTo>
+                  <a:pt x="5216299" y="942997"/>
+                </a:lnTo>
+                <a:lnTo>
+                  <a:pt x="5104212" y="858244"/>
+                </a:lnTo>
+                <a:cubicBezTo>
+                  <a:pt x="4596676" y="509769"/>
+                  <a:pt x="3946003" y="300435"/>
+                  <a:pt x="3236562" y="300435"/>
+                </a:cubicBezTo>
+                <a:close/>
+                <a:moveTo>
+                  <a:pt x="3236563" y="0"/>
+                </a:moveTo>
+                <a:cubicBezTo>
+                  <a:pt x="4018596" y="0"/>
+                  <a:pt x="4735849" y="235080"/>
+                  <a:pt x="5295318" y="626414"/>
+                </a:cubicBezTo>
+                <a:lnTo>
+                  <a:pt x="5452504" y="747497"/>
+                </a:lnTo>
+                <a:lnTo>
+                  <a:pt x="5619537" y="626414"/>
+                </a:lnTo>
+                <a:cubicBezTo>
+                  <a:pt x="6214056" y="235080"/>
+                  <a:pt x="6976244" y="0"/>
+                  <a:pt x="7807271" y="0"/>
+                </a:cubicBezTo>
+                <a:cubicBezTo>
+                  <a:pt x="9706762" y="0"/>
+                  <a:pt x="11246604" y="1228172"/>
+                  <a:pt x="11246604" y="2743200"/>
+                </a:cubicBezTo>
+                <a:cubicBezTo>
+                  <a:pt x="11246604" y="4258228"/>
+                  <a:pt x="9706762" y="5486400"/>
+                  <a:pt x="7807271" y="5486400"/>
+                </a:cubicBezTo>
+                <a:cubicBezTo>
+                  <a:pt x="6976244" y="5486400"/>
+                  <a:pt x="6214056" y="5251320"/>
+                  <a:pt x="5619537" y="4859987"/>
+                </a:cubicBezTo>
+                <a:lnTo>
+                  <a:pt x="5452504" y="4738904"/>
+                </a:lnTo>
+                <a:lnTo>
+                  <a:pt x="5295318" y="4859987"/>
+                </a:lnTo>
+                <a:cubicBezTo>
+                  <a:pt x="4735849" y="5251320"/>
+                  <a:pt x="4018596" y="5486400"/>
+                  <a:pt x="3236563" y="5486400"/>
+                </a:cubicBezTo>
+                <a:cubicBezTo>
+                  <a:pt x="1449059" y="5486400"/>
+                  <a:pt x="0" y="4258228"/>
+                  <a:pt x="0" y="2743200"/>
+                </a:cubicBezTo>
+                <a:cubicBezTo>
+                  <a:pt x="0" y="1228172"/>
+                  <a:pt x="1449059" y="0"/>
+                  <a:pt x="3236563" y="0"/>
+                </a:cubicBezTo>
+                <a:close/>
+              </a:path>
+            </a:pathLst>
+          </a:custGeom>
+        </p:spPr>
+        <p:style>
+          <a:lnRef idx="2">
+            <a:schemeClr val="accent1">
+              <a:shade val="15000"/>
+            </a:schemeClr>
+          </a:lnRef>
+          <a:fillRef idx="1">
+            <a:schemeClr val="accent1"/>
+          </a:fillRef>
+          <a:effectRef idx="0">
+            <a:schemeClr val="accent1"/>
+          </a:effectRef>
+          <a:fontRef idx="minor">
+            <a:schemeClr val="lt1"/>
+          </a:fontRef>
+        </p:style>
+        <p:txBody>
+          <a:bodyPr wrap="square" rtlCol="0" anchor="ctr">
+            <a:noAutofit/>
+          </a:bodyPr>
+          <a:lstStyle/>
+          <a:p>
+            <a:pPr algn="ctr"/>
+            <a:endParaRPr lang="en-US">
+              <a:solidFill>
+                <a:schemeClr val="tx1"/>
+              </a:solidFill>
+            </a:endParaRPr>
+          </a:p>
+        </p:txBody>
+      </p:sp>
+    </p:spTree>
+    <p:extLst>
+      <p:ext uri="{BB962C8B-B14F-4D97-AF65-F5344CB8AC3E}">
+        <p14:creationId xmlns:p14="http://schemas.microsoft.com/office/powerpoint/2010/main" val="1413912562"/>
+      </p:ext>
+    </p:extLst>
+  </p:cSld>
+  <p:clrMapOvr>
+    <a:masterClrMapping/>
+  </p:clrMapOvr>
+</p:sld>
+</file>
+
+<file path=ppt/slides/slide7.xml><?xml version="1.0" encoding="utf-8"?>
+<p:sld xmlns:a="http://schemas.openxmlformats.org/drawingml/2006/main" xmlns:r="http://schemas.openxmlformats.org/officeDocument/2006/relationships" xmlns:p="http://schemas.openxmlformats.org/presentationml/2006/main">
+  <p:cSld>
+    <p:spTree>
+      <p:nvGrpSpPr>
+        <p:cNvPr id="1" name=""/>
+        <p:cNvGrpSpPr/>
+        <p:nvPr/>
+      </p:nvGrpSpPr>
+      <p:grpSpPr>
+        <a:xfrm>
+          <a:off x="0" y="0"/>
+          <a:ext cx="0" cy="0"/>
+          <a:chOff x="0" y="0"/>
+          <a:chExt cx="0" cy="0"/>
+        </a:xfrm>
+      </p:grpSpPr>
+      <p:sp>
+        <p:nvSpPr>
+          <p:cNvPr id="10" name="Freeform 9">
+            <a:extLst>
+              <a:ext uri="{FF2B5EF4-FFF2-40B4-BE49-F238E27FC236}">
+                <a16:creationId xmlns:a16="http://schemas.microsoft.com/office/drawing/2014/main" id="{305E5B8D-7BF5-6DCF-D40B-B6C279C26308}"/>
+              </a:ext>
+            </a:extLst>
+          </p:cNvPr>
+          <p:cNvSpPr/>
+          <p:nvPr/>
+        </p:nvSpPr>
+        <p:spPr>
+          <a:xfrm rot="2700000">
+            <a:off x="1293081" y="-1376502"/>
+            <a:ext cx="9611004" cy="9611005"/>
+          </a:xfrm>
+          <a:custGeom>
+            <a:avLst/>
+            <a:gdLst>
+              <a:gd name="connsiteX0" fmla="*/ 1041101 w 9611004"/>
+              <a:gd name="connsiteY0" fmla="*/ 5143037 h 9611005"/>
+              <a:gd name="connsiteX1" fmla="*/ 1041101 w 9611004"/>
+              <a:gd name="connsiteY1" fmla="*/ 8569903 h 9611005"/>
+              <a:gd name="connsiteX2" fmla="*/ 4467966 w 9611004"/>
+              <a:gd name="connsiteY2" fmla="*/ 8569902 h 9611005"/>
+              <a:gd name="connsiteX3" fmla="*/ 5051378 w 9611004"/>
+              <a:gd name="connsiteY3" fmla="*/ 6082641 h 9611005"/>
+              <a:gd name="connsiteX4" fmla="*/ 5017710 w 9611004"/>
+              <a:gd name="connsiteY4" fmla="*/ 5995054 h 9611005"/>
+              <a:gd name="connsiteX5" fmla="*/ 5002702 w 9611004"/>
+              <a:gd name="connsiteY5" fmla="*/ 5903120 h 9611005"/>
+              <a:gd name="connsiteX6" fmla="*/ 5242989 w 9611004"/>
+              <a:gd name="connsiteY6" fmla="*/ 5282895 h 9611005"/>
+              <a:gd name="connsiteX7" fmla="*/ 5933524 w 9611004"/>
+              <a:gd name="connsiteY7" fmla="*/ 5000701 h 9611005"/>
+              <a:gd name="connsiteX8" fmla="*/ 5942453 w 9611004"/>
+              <a:gd name="connsiteY8" fmla="*/ 5002546 h 9611005"/>
+              <a:gd name="connsiteX9" fmla="*/ 6078990 w 9611004"/>
+              <a:gd name="connsiteY9" fmla="*/ 5055030 h 9611005"/>
+              <a:gd name="connsiteX10" fmla="*/ 8566252 w 9611004"/>
+              <a:gd name="connsiteY10" fmla="*/ 4471619 h 9611005"/>
+              <a:gd name="connsiteX11" fmla="*/ 8566252 w 9611004"/>
+              <a:gd name="connsiteY11" fmla="*/ 1044753 h 9611005"/>
+              <a:gd name="connsiteX12" fmla="*/ 5139386 w 9611004"/>
+              <a:gd name="connsiteY12" fmla="*/ 1044753 h 9611005"/>
+              <a:gd name="connsiteX13" fmla="*/ 4555975 w 9611004"/>
+              <a:gd name="connsiteY13" fmla="*/ 3532015 h 9611005"/>
+              <a:gd name="connsiteX14" fmla="*/ 4562737 w 9611004"/>
+              <a:gd name="connsiteY14" fmla="*/ 3549606 h 9611005"/>
+              <a:gd name="connsiteX15" fmla="*/ 4548909 w 9611004"/>
+              <a:gd name="connsiteY15" fmla="*/ 3556394 h 9611005"/>
+              <a:gd name="connsiteX16" fmla="*/ 4287014 w 9611004"/>
+              <a:gd name="connsiteY16" fmla="*/ 4345181 h 9611005"/>
+              <a:gd name="connsiteX17" fmla="*/ 3469661 w 9611004"/>
+              <a:gd name="connsiteY17" fmla="*/ 4534923 h 9611005"/>
+              <a:gd name="connsiteX18" fmla="*/ 3465582 w 9611004"/>
+              <a:gd name="connsiteY18" fmla="*/ 4541453 h 9611005"/>
+              <a:gd name="connsiteX19" fmla="*/ 3331430 w 9611004"/>
+              <a:gd name="connsiteY19" fmla="*/ 4502620 h 9611005"/>
+              <a:gd name="connsiteX20" fmla="*/ 1041101 w 9611004"/>
+              <a:gd name="connsiteY20" fmla="*/ 5143037 h 9611005"/>
+              <a:gd name="connsiteX21" fmla="*/ 803013 w 9611004"/>
+              <a:gd name="connsiteY21" fmla="*/ 4930706 h 9611005"/>
+              <a:gd name="connsiteX22" fmla="*/ 2741654 w 9611004"/>
+              <a:gd name="connsiteY22" fmla="*/ 4127694 h 9611005"/>
+              <a:gd name="connsiteX23" fmla="*/ 4127695 w 9611004"/>
+              <a:gd name="connsiteY23" fmla="*/ 4127693 h 9611005"/>
+              <a:gd name="connsiteX24" fmla="*/ 4127695 w 9611004"/>
+              <a:gd name="connsiteY24" fmla="*/ 2741656 h 9611005"/>
+              <a:gd name="connsiteX25" fmla="*/ 6869349 w 9611004"/>
+              <a:gd name="connsiteY25" fmla="*/ 1 h 9611005"/>
+              <a:gd name="connsiteX26" fmla="*/ 9611004 w 9611004"/>
+              <a:gd name="connsiteY26" fmla="*/ 2741656 h 9611005"/>
+              <a:gd name="connsiteX27" fmla="*/ 6869350 w 9611004"/>
+              <a:gd name="connsiteY27" fmla="*/ 5483311 h 9611005"/>
+              <a:gd name="connsiteX28" fmla="*/ 5483309 w 9611004"/>
+              <a:gd name="connsiteY28" fmla="*/ 5483311 h 9611005"/>
+              <a:gd name="connsiteX29" fmla="*/ 5483309 w 9611004"/>
+              <a:gd name="connsiteY29" fmla="*/ 6869349 h 9611005"/>
+              <a:gd name="connsiteX30" fmla="*/ 2741654 w 9611004"/>
+              <a:gd name="connsiteY30" fmla="*/ 9611005 h 9611005"/>
+              <a:gd name="connsiteX31" fmla="*/ 1 w 9611004"/>
+              <a:gd name="connsiteY31" fmla="*/ 6869349 h 9611005"/>
+              <a:gd name="connsiteX32" fmla="*/ 803013 w 9611004"/>
+              <a:gd name="connsiteY32" fmla="*/ 4930706 h 9611005"/>
+            </a:gdLst>
+            <a:ahLst/>
+            <a:cxnLst>
+              <a:cxn ang="0">
+                <a:pos x="connsiteX0" y="connsiteY0"/>
+              </a:cxn>
+              <a:cxn ang="0">
+                <a:pos x="connsiteX1" y="connsiteY1"/>
+              </a:cxn>
+              <a:cxn ang="0">
+                <a:pos x="connsiteX2" y="connsiteY2"/>
+              </a:cxn>
+              <a:cxn ang="0">
+                <a:pos x="connsiteX3" y="connsiteY3"/>
+              </a:cxn>
+              <a:cxn ang="0">
+                <a:pos x="connsiteX4" y="connsiteY4"/>
+              </a:cxn>
+              <a:cxn ang="0">
+                <a:pos x="connsiteX5" y="connsiteY5"/>
+              </a:cxn>
+              <a:cxn ang="0">
+                <a:pos x="connsiteX6" y="connsiteY6"/>
+              </a:cxn>
+              <a:cxn ang="0">
+                <a:pos x="connsiteX7" y="connsiteY7"/>
+              </a:cxn>
+              <a:cxn ang="0">
+                <a:pos x="connsiteX8" y="connsiteY8"/>
+              </a:cxn>
+              <a:cxn ang="0">
+                <a:pos x="connsiteX9" y="connsiteY9"/>
+              </a:cxn>
+              <a:cxn ang="0">
+                <a:pos x="connsiteX10" y="connsiteY10"/>
+              </a:cxn>
+              <a:cxn ang="0">
+                <a:pos x="connsiteX11" y="connsiteY11"/>
+              </a:cxn>
+              <a:cxn ang="0">
+                <a:pos x="connsiteX12" y="connsiteY12"/>
+              </a:cxn>
+              <a:cxn ang="0">
+                <a:pos x="connsiteX13" y="connsiteY13"/>
+              </a:cxn>
+              <a:cxn ang="0">
+                <a:pos x="connsiteX14" y="connsiteY14"/>
+              </a:cxn>
+              <a:cxn ang="0">
+                <a:pos x="connsiteX15" y="connsiteY15"/>
+              </a:cxn>
+              <a:cxn ang="0">
+                <a:pos x="connsiteX16" y="connsiteY16"/>
+              </a:cxn>
+              <a:cxn ang="0">
+                <a:pos x="connsiteX17" y="connsiteY17"/>
+              </a:cxn>
+              <a:cxn ang="0">
+                <a:pos x="connsiteX18" y="connsiteY18"/>
+              </a:cxn>
+              <a:cxn ang="0">
+                <a:pos x="connsiteX19" y="connsiteY19"/>
+              </a:cxn>
+              <a:cxn ang="0">
+                <a:pos x="connsiteX20" y="connsiteY20"/>
+              </a:cxn>
+              <a:cxn ang="0">
+                <a:pos x="connsiteX21" y="connsiteY21"/>
+              </a:cxn>
+              <a:cxn ang="0">
+                <a:pos x="connsiteX22" y="connsiteY22"/>
+              </a:cxn>
+              <a:cxn ang="0">
+                <a:pos x="connsiteX23" y="connsiteY23"/>
+              </a:cxn>
+              <a:cxn ang="0">
+                <a:pos x="connsiteX24" y="connsiteY24"/>
+              </a:cxn>
+              <a:cxn ang="0">
+                <a:pos x="connsiteX25" y="connsiteY25"/>
+              </a:cxn>
+              <a:cxn ang="0">
+                <a:pos x="connsiteX26" y="connsiteY26"/>
+              </a:cxn>
+              <a:cxn ang="0">
+                <a:pos x="connsiteX27" y="connsiteY27"/>
+              </a:cxn>
+              <a:cxn ang="0">
+                <a:pos x="connsiteX28" y="connsiteY28"/>
+              </a:cxn>
+              <a:cxn ang="0">
+                <a:pos x="connsiteX29" y="connsiteY29"/>
+              </a:cxn>
+              <a:cxn ang="0">
+                <a:pos x="connsiteX30" y="connsiteY30"/>
+              </a:cxn>
+              <a:cxn ang="0">
+                <a:pos x="connsiteX31" y="connsiteY31"/>
+              </a:cxn>
+              <a:cxn ang="0">
+                <a:pos x="connsiteX32" y="connsiteY32"/>
+              </a:cxn>
+            </a:cxnLst>
+            <a:rect l="l" t="t" r="r" b="b"/>
+            <a:pathLst>
+              <a:path w="9611004" h="9611005">
+                <a:moveTo>
+                  <a:pt x="1041101" y="5143037"/>
+                </a:moveTo>
+                <a:cubicBezTo>
+                  <a:pt x="94798" y="6089340"/>
+                  <a:pt x="94799" y="7623600"/>
+                  <a:pt x="1041101" y="8569903"/>
+                </a:cubicBezTo>
+                <a:cubicBezTo>
+                  <a:pt x="1987403" y="9516205"/>
+                  <a:pt x="3521664" y="9516205"/>
+                  <a:pt x="4467966" y="8569902"/>
+                </a:cubicBezTo>
+                <a:cubicBezTo>
+                  <a:pt x="5140729" y="7897140"/>
+                  <a:pt x="5335199" y="6927206"/>
+                  <a:pt x="5051378" y="6082641"/>
+                </a:cubicBezTo>
+                <a:lnTo>
+                  <a:pt x="5017710" y="5995054"/>
+                </a:lnTo>
+                <a:lnTo>
+                  <a:pt x="5002702" y="5903120"/>
+                </a:lnTo>
+                <a:cubicBezTo>
+                  <a:pt x="4986666" y="5695622"/>
+                  <a:pt x="5072310" y="5464982"/>
+                  <a:pt x="5242989" y="5282895"/>
+                </a:cubicBezTo>
+                <a:cubicBezTo>
+                  <a:pt x="5435040" y="5078007"/>
+                  <a:pt x="5699288" y="4972631"/>
+                  <a:pt x="5933524" y="5000701"/>
+                </a:cubicBezTo>
+                <a:lnTo>
+                  <a:pt x="5942453" y="5002546"/>
+                </a:lnTo>
+                <a:lnTo>
+                  <a:pt x="6078990" y="5055030"/>
+                </a:lnTo>
+                <a:cubicBezTo>
+                  <a:pt x="6923555" y="5338851"/>
+                  <a:pt x="7893490" y="5144381"/>
+                  <a:pt x="8566252" y="4471619"/>
+                </a:cubicBezTo>
+                <a:cubicBezTo>
+                  <a:pt x="9512554" y="3525316"/>
+                  <a:pt x="9512554" y="1991056"/>
+                  <a:pt x="8566252" y="1044753"/>
+                </a:cubicBezTo>
+                <a:cubicBezTo>
+                  <a:pt x="7619949" y="98451"/>
+                  <a:pt x="6085689" y="98450"/>
+                  <a:pt x="5139386" y="1044753"/>
+                </a:cubicBezTo>
+                <a:cubicBezTo>
+                  <a:pt x="4466624" y="1717516"/>
+                  <a:pt x="4272154" y="2687450"/>
+                  <a:pt x="4555975" y="3532015"/>
+                </a:cubicBezTo>
+                <a:lnTo>
+                  <a:pt x="4562737" y="3549606"/>
+                </a:lnTo>
+                <a:lnTo>
+                  <a:pt x="4548909" y="3556394"/>
+                </a:lnTo>
+                <a:cubicBezTo>
+                  <a:pt x="4625355" y="3811910"/>
+                  <a:pt x="4521173" y="4125694"/>
+                  <a:pt x="4287014" y="4345181"/>
+                </a:cubicBezTo>
+                <a:cubicBezTo>
+                  <a:pt x="4044233" y="4572753"/>
+                  <a:pt x="3715132" y="4649151"/>
+                  <a:pt x="3469661" y="4534923"/>
+                </a:cubicBezTo>
+                <a:lnTo>
+                  <a:pt x="3465582" y="4541453"/>
+                </a:lnTo>
+                <a:lnTo>
+                  <a:pt x="3331430" y="4502620"/>
+                </a:lnTo>
+                <a:cubicBezTo>
+                  <a:pt x="2536336" y="4308554"/>
+                  <a:pt x="1662112" y="4522026"/>
+                  <a:pt x="1041101" y="5143037"/>
+                </a:cubicBezTo>
+                <a:close/>
+                <a:moveTo>
+                  <a:pt x="803013" y="4930706"/>
+                </a:moveTo>
+                <a:cubicBezTo>
+                  <a:pt x="1299155" y="4434563"/>
+                  <a:pt x="1984568" y="4127693"/>
+                  <a:pt x="2741654" y="4127694"/>
+                </a:cubicBezTo>
+                <a:lnTo>
+                  <a:pt x="4127695" y="4127693"/>
+                </a:lnTo>
+                <a:lnTo>
+                  <a:pt x="4127695" y="2741656"/>
+                </a:lnTo>
+                <a:cubicBezTo>
+                  <a:pt x="4127695" y="1227481"/>
+                  <a:pt x="5355176" y="0"/>
+                  <a:pt x="6869349" y="1"/>
+                </a:cubicBezTo>
+                <a:cubicBezTo>
+                  <a:pt x="8383524" y="0"/>
+                  <a:pt x="9611005" y="1227481"/>
+                  <a:pt x="9611004" y="2741656"/>
+                </a:cubicBezTo>
+                <a:cubicBezTo>
+                  <a:pt x="9611005" y="4255831"/>
+                  <a:pt x="8383524" y="5483311"/>
+                  <a:pt x="6869350" y="5483311"/>
+                </a:cubicBezTo>
+                <a:lnTo>
+                  <a:pt x="5483309" y="5483311"/>
+                </a:lnTo>
+                <a:lnTo>
+                  <a:pt x="5483309" y="6869349"/>
+                </a:lnTo>
+                <a:cubicBezTo>
+                  <a:pt x="5483309" y="8383523"/>
+                  <a:pt x="4255830" y="9611005"/>
+                  <a:pt x="2741654" y="9611005"/>
+                </a:cubicBezTo>
+                <a:cubicBezTo>
+                  <a:pt x="1227481" y="9611005"/>
+                  <a:pt x="-1" y="8383524"/>
+                  <a:pt x="1" y="6869349"/>
+                </a:cubicBezTo>
+                <a:cubicBezTo>
+                  <a:pt x="0" y="6112261"/>
+                  <a:pt x="306870" y="5426847"/>
+                  <a:pt x="803013" y="4930706"/>
+                </a:cubicBezTo>
+                <a:close/>
+              </a:path>
+            </a:pathLst>
+          </a:custGeom>
+          <a:ln>
+            <a:noFill/>
+          </a:ln>
+        </p:spPr>
+        <p:style>
+          <a:lnRef idx="2">
+            <a:schemeClr val="accent1">
+              <a:shade val="15000"/>
+            </a:schemeClr>
+          </a:lnRef>
+          <a:fillRef idx="1">
+            <a:schemeClr val="accent1"/>
+          </a:fillRef>
+          <a:effectRef idx="0">
+            <a:schemeClr val="accent1"/>
+          </a:effectRef>
+          <a:fontRef idx="minor">
+            <a:schemeClr val="lt1"/>
+          </a:fontRef>
+        </p:style>
+        <p:txBody>
+          <a:bodyPr wrap="square" rtlCol="0" anchor="ctr">
+            <a:noAutofit/>
+          </a:bodyPr>
+          <a:lstStyle/>
+          <a:p>
+            <a:pPr algn="ctr"/>
+            <a:endParaRPr lang="en-US"/>
+          </a:p>
+        </p:txBody>
+      </p:sp>
+    </p:spTree>
+    <p:extLst>
+      <p:ext uri="{BB962C8B-B14F-4D97-AF65-F5344CB8AC3E}">
+        <p14:creationId xmlns:p14="http://schemas.microsoft.com/office/powerpoint/2010/main" val="1669771456"/>
+      </p:ext>
+    </p:extLst>
+  </p:cSld>
+  <p:clrMapOvr>
+    <a:masterClrMapping/>
+  </p:clrMapOvr>
+</p:sld>
+</file>
+
+<file path=ppt/slides/slide8.xml><?xml version="1.0" encoding="utf-8"?>
+<p:sld xmlns:a="http://schemas.openxmlformats.org/drawingml/2006/main" xmlns:r="http://schemas.openxmlformats.org/officeDocument/2006/relationships" xmlns:p="http://schemas.openxmlformats.org/presentationml/2006/main">
+  <p:cSld>
+    <p:spTree>
+      <p:nvGrpSpPr>
+        <p:cNvPr id="1" name=""/>
+        <p:cNvGrpSpPr/>
+        <p:nvPr/>
+      </p:nvGrpSpPr>
+      <p:grpSpPr>
+        <a:xfrm>
+          <a:off x="0" y="0"/>
+          <a:ext cx="0" cy="0"/>
+          <a:chOff x="0" y="0"/>
+          <a:chExt cx="0" cy="0"/>
+        </a:xfrm>
+      </p:grpSpPr>
+      <p:sp>
+        <p:nvSpPr>
+          <p:cNvPr id="2" name="Teardrop 1">
+            <a:extLst>
+              <a:ext uri="{FF2B5EF4-FFF2-40B4-BE49-F238E27FC236}">
+                <a16:creationId xmlns:a16="http://schemas.microsoft.com/office/drawing/2014/main" id="{7EA8721B-9CA0-61BC-712E-40D958ABC540}"/>
+              </a:ext>
+            </a:extLst>
+          </p:cNvPr>
+          <p:cNvSpPr/>
+          <p:nvPr/>
+        </p:nvSpPr>
+        <p:spPr>
+          <a:xfrm rot="2700000">
+            <a:off x="33828" y="685800"/>
+            <a:ext cx="5486400" cy="5486400"/>
+          </a:xfrm>
+          <a:prstGeom prst="teardrop">
+            <a:avLst/>
+          </a:prstGeom>
+        </p:spPr>
+        <p:style>
+          <a:lnRef idx="2">
+            <a:schemeClr val="accent1">
+              <a:shade val="15000"/>
+            </a:schemeClr>
+          </a:lnRef>
+          <a:fillRef idx="1">
+            <a:schemeClr val="accent1"/>
+          </a:fillRef>
+          <a:effectRef idx="0">
+            <a:schemeClr val="accent1"/>
+          </a:effectRef>
+          <a:fontRef idx="minor">
+            <a:schemeClr val="lt1"/>
+          </a:fontRef>
+        </p:style>
+        <p:txBody>
+          <a:bodyPr rtlCol="0" anchor="ctr"/>
+          <a:lstStyle/>
+          <a:p>
+            <a:pPr algn="ctr"/>
+            <a:endParaRPr lang="en-US"/>
+          </a:p>
+        </p:txBody>
+      </p:sp>
+    </p:spTree>
+    <p:extLst>
+      <p:ext uri="{BB962C8B-B14F-4D97-AF65-F5344CB8AC3E}">
+        <p14:creationId xmlns:p14="http://schemas.microsoft.com/office/powerpoint/2010/main" val="3602740015"/>
+      </p:ext>
+    </p:extLst>
+  </p:cSld>
+  <p:clrMapOvr>
+    <a:masterClrMapping/>
+  </p:clrMapOvr>
+</p:sld>
+</file>
+
+<file path=ppt/slides/slide9.xml><?xml version="1.0" encoding="utf-8"?>
+<p:sld xmlns:a="http://schemas.openxmlformats.org/drawingml/2006/main" xmlns:r="http://schemas.openxmlformats.org/officeDocument/2006/relationships" xmlns:p="http://schemas.openxmlformats.org/presentationml/2006/main">
+  <p:cSld>
+    <p:spTree>
+      <p:nvGrpSpPr>
+        <p:cNvPr id="1" name=""/>
+        <p:cNvGrpSpPr/>
+        <p:nvPr/>
+      </p:nvGrpSpPr>
+      <p:grpSpPr>
+        <a:xfrm>
+          <a:off x="0" y="0"/>
+          <a:ext cx="0" cy="0"/>
+          <a:chOff x="0" y="0"/>
+          <a:chExt cx="0" cy="0"/>
+        </a:xfrm>
+      </p:grpSpPr>
+      <p:sp>
+        <p:nvSpPr>
+          <p:cNvPr id="28" name="Freeform 27">
+            <a:extLst>
+              <a:ext uri="{FF2B5EF4-FFF2-40B4-BE49-F238E27FC236}">
+                <a16:creationId xmlns:a16="http://schemas.microsoft.com/office/drawing/2014/main" id="{5F5E4476-3355-CC67-201E-E42F3C54106F}"/>
+              </a:ext>
+            </a:extLst>
+          </p:cNvPr>
+          <p:cNvSpPr/>
+          <p:nvPr/>
+        </p:nvSpPr>
+        <p:spPr>
+          <a:xfrm>
+            <a:off x="185980" y="685800"/>
+            <a:ext cx="11820041" cy="5486400"/>
+          </a:xfrm>
+          <a:custGeom>
+            <a:avLst/>
+            <a:gdLst>
+              <a:gd name="connsiteX0" fmla="*/ 5903659 w 11820041"/>
+              <a:gd name="connsiteY0" fmla="*/ 4754951 h 5486400"/>
+              <a:gd name="connsiteX1" fmla="*/ 6019887 w 11820041"/>
+              <a:gd name="connsiteY1" fmla="*/ 4796740 h 5486400"/>
+              <a:gd name="connsiteX2" fmla="*/ 6163956 w 11820041"/>
+              <a:gd name="connsiteY2" fmla="*/ 4833129 h 5486400"/>
+              <a:gd name="connsiteX3" fmla="*/ 6139158 w 11820041"/>
+              <a:gd name="connsiteY3" fmla="*/ 4849647 h 5486400"/>
+              <a:gd name="connsiteX4" fmla="*/ 6372701 w 11820041"/>
+              <a:gd name="connsiteY4" fmla="*/ 4922570 h 5486400"/>
+              <a:gd name="connsiteX5" fmla="*/ 7793063 w 11820041"/>
+              <a:gd name="connsiteY5" fmla="*/ 5108442 h 5486400"/>
+              <a:gd name="connsiteX6" fmla="*/ 8166154 w 11820041"/>
+              <a:gd name="connsiteY6" fmla="*/ 5096231 h 5486400"/>
+              <a:gd name="connsiteX7" fmla="*/ 8314055 w 11820041"/>
+              <a:gd name="connsiteY7" fmla="*/ 5081600 h 5486400"/>
+              <a:gd name="connsiteX8" fmla="*/ 8505987 w 11820041"/>
+              <a:gd name="connsiteY8" fmla="*/ 5257800 h 5486400"/>
+              <a:gd name="connsiteX9" fmla="*/ 8382770 w 11820041"/>
+              <a:gd name="connsiteY9" fmla="*/ 5453735 h 5486400"/>
+              <a:gd name="connsiteX10" fmla="*/ 8204799 w 11820041"/>
+              <a:gd name="connsiteY10" fmla="*/ 5472237 h 5486400"/>
+              <a:gd name="connsiteX11" fmla="*/ 7793064 w 11820041"/>
+              <a:gd name="connsiteY11" fmla="*/ 5486400 h 5486400"/>
+              <a:gd name="connsiteX12" fmla="*/ 5873568 w 11820041"/>
+              <a:gd name="connsiteY12" fmla="*/ 5155311 h 5486400"/>
+              <a:gd name="connsiteX13" fmla="*/ 5693897 w 11820041"/>
+              <a:gd name="connsiteY13" fmla="*/ 5080955 h 5486400"/>
+              <a:gd name="connsiteX14" fmla="*/ 5526901 w 11820041"/>
+              <a:gd name="connsiteY14" fmla="*/ 5155311 h 5486400"/>
+              <a:gd name="connsiteX15" fmla="*/ 3742843 w 11820041"/>
+              <a:gd name="connsiteY15" fmla="*/ 5486400 h 5486400"/>
+              <a:gd name="connsiteX16" fmla="*/ 2629836 w 11820041"/>
+              <a:gd name="connsiteY16" fmla="*/ 5363071 h 5486400"/>
+              <a:gd name="connsiteX17" fmla="*/ 2522111 w 11820041"/>
+              <a:gd name="connsiteY17" fmla="*/ 5334174 h 5486400"/>
+              <a:gd name="connsiteX18" fmla="*/ 2699648 w 11820041"/>
+              <a:gd name="connsiteY18" fmla="*/ 5185385 h 5486400"/>
+              <a:gd name="connsiteX19" fmla="*/ 2571132 w 11820041"/>
+              <a:gd name="connsiteY19" fmla="*/ 4958942 h 5486400"/>
+              <a:gd name="connsiteX20" fmla="*/ 2781842 w 11820041"/>
+              <a:gd name="connsiteY20" fmla="*/ 5010578 h 5486400"/>
+              <a:gd name="connsiteX21" fmla="*/ 3398801 w 11820041"/>
+              <a:gd name="connsiteY21" fmla="*/ 5096231 h 5486400"/>
+              <a:gd name="connsiteX22" fmla="*/ 3599128 w 11820041"/>
+              <a:gd name="connsiteY22" fmla="*/ 5103341 h 5486400"/>
+              <a:gd name="connsiteX23" fmla="*/ 3776126 w 11820041"/>
+              <a:gd name="connsiteY23" fmla="*/ 5129234 h 5486400"/>
+              <a:gd name="connsiteX24" fmla="*/ 4030851 w 11820041"/>
+              <a:gd name="connsiteY24" fmla="*/ 5141563 h 5486400"/>
+              <a:gd name="connsiteX25" fmla="*/ 5000598 w 11820041"/>
+              <a:gd name="connsiteY25" fmla="*/ 4953900 h 5486400"/>
+              <a:gd name="connsiteX26" fmla="*/ 5112026 w 11820041"/>
+              <a:gd name="connsiteY26" fmla="*/ 4902449 h 5486400"/>
+              <a:gd name="connsiteX27" fmla="*/ 5233885 w 11820041"/>
+              <a:gd name="connsiteY27" fmla="*/ 4861185 h 5486400"/>
+              <a:gd name="connsiteX28" fmla="*/ 5231534 w 11820041"/>
+              <a:gd name="connsiteY28" fmla="*/ 4859987 h 5486400"/>
+              <a:gd name="connsiteX29" fmla="*/ 5219699 w 11820041"/>
+              <a:gd name="connsiteY29" fmla="*/ 4852572 h 5486400"/>
+              <a:gd name="connsiteX30" fmla="*/ 5270702 w 11820041"/>
+              <a:gd name="connsiteY30" fmla="*/ 4822872 h 5486400"/>
+              <a:gd name="connsiteX31" fmla="*/ 5456827 w 11820041"/>
+              <a:gd name="connsiteY31" fmla="*/ 4790751 h 5486400"/>
+              <a:gd name="connsiteX32" fmla="*/ 5707656 w 11820041"/>
+              <a:gd name="connsiteY32" fmla="*/ 4764023 h 5486400"/>
+              <a:gd name="connsiteX33" fmla="*/ 2372042 w 11820041"/>
+              <a:gd name="connsiteY33" fmla="*/ 192483 h 5486400"/>
+              <a:gd name="connsiteX34" fmla="*/ 2235688 w 11820041"/>
+              <a:gd name="connsiteY34" fmla="*/ 444118 h 5486400"/>
+              <a:gd name="connsiteX35" fmla="*/ 2398786 w 11820041"/>
+              <a:gd name="connsiteY35" fmla="*/ 575442 h 5486400"/>
+              <a:gd name="connsiteX36" fmla="*/ 2138937 w 11820041"/>
+              <a:gd name="connsiteY36" fmla="*/ 663430 h 5486400"/>
+              <a:gd name="connsiteX37" fmla="*/ 377958 w 11820041"/>
+              <a:gd name="connsiteY37" fmla="*/ 2743200 h 5486400"/>
+              <a:gd name="connsiteX38" fmla="*/ 1946304 w 11820041"/>
+              <a:gd name="connsiteY38" fmla="*/ 4743475 h 5486400"/>
+              <a:gd name="connsiteX39" fmla="*/ 2065231 w 11820041"/>
+              <a:gd name="connsiteY39" fmla="*/ 4791201 h 5486400"/>
+              <a:gd name="connsiteX40" fmla="*/ 2242089 w 11820041"/>
+              <a:gd name="connsiteY40" fmla="*/ 5102819 h 5486400"/>
+              <a:gd name="connsiteX41" fmla="*/ 2114045 w 11820041"/>
+              <a:gd name="connsiteY41" fmla="*/ 5210129 h 5486400"/>
+              <a:gd name="connsiteX42" fmla="*/ 1958781 w 11820041"/>
+              <a:gd name="connsiteY42" fmla="*/ 5155311 h 5486400"/>
+              <a:gd name="connsiteX43" fmla="*/ 0 w 11820041"/>
+              <a:gd name="connsiteY43" fmla="*/ 2743200 h 5486400"/>
+              <a:gd name="connsiteX44" fmla="*/ 2285959 w 11820041"/>
+              <a:gd name="connsiteY44" fmla="*/ 215575 h 5486400"/>
+              <a:gd name="connsiteX45" fmla="*/ 8781331 w 11820041"/>
+              <a:gd name="connsiteY45" fmla="*/ 86681 h 5486400"/>
+              <a:gd name="connsiteX46" fmla="*/ 8990564 w 11820041"/>
+              <a:gd name="connsiteY46" fmla="*/ 123329 h 5486400"/>
+              <a:gd name="connsiteX47" fmla="*/ 11820041 w 11820041"/>
+              <a:gd name="connsiteY47" fmla="*/ 2743200 h 5486400"/>
+              <a:gd name="connsiteX48" fmla="*/ 8990564 w 11820041"/>
+              <a:gd name="connsiteY48" fmla="*/ 5363071 h 5486400"/>
+              <a:gd name="connsiteX49" fmla="*/ 8845778 w 11820041"/>
+              <a:gd name="connsiteY49" fmla="*/ 5388431 h 5486400"/>
+              <a:gd name="connsiteX50" fmla="*/ 8966807 w 11820041"/>
+              <a:gd name="connsiteY50" fmla="*/ 5195976 h 5486400"/>
+              <a:gd name="connsiteX51" fmla="*/ 8774457 w 11820041"/>
+              <a:gd name="connsiteY51" fmla="*/ 5019391 h 5486400"/>
+              <a:gd name="connsiteX52" fmla="*/ 8878169 w 11820041"/>
+              <a:gd name="connsiteY52" fmla="*/ 5002106 h 5486400"/>
+              <a:gd name="connsiteX53" fmla="*/ 11442081 w 11820041"/>
+              <a:gd name="connsiteY53" fmla="*/ 2743200 h 5486400"/>
+              <a:gd name="connsiteX54" fmla="*/ 8878169 w 11820041"/>
+              <a:gd name="connsiteY54" fmla="*/ 484295 h 5486400"/>
+              <a:gd name="connsiteX55" fmla="*/ 8790701 w 11820041"/>
+              <a:gd name="connsiteY55" fmla="*/ 469717 h 5486400"/>
+              <a:gd name="connsiteX56" fmla="*/ 8632556 w 11820041"/>
+              <a:gd name="connsiteY56" fmla="*/ 228601 h 5486400"/>
+              <a:gd name="connsiteX57" fmla="*/ 3742843 w 11820041"/>
+              <a:gd name="connsiteY57" fmla="*/ 0 h 5486400"/>
+              <a:gd name="connsiteX58" fmla="*/ 5526901 w 11820041"/>
+              <a:gd name="connsiteY58" fmla="*/ 331089 h 5486400"/>
+              <a:gd name="connsiteX59" fmla="*/ 5693897 w 11820041"/>
+              <a:gd name="connsiteY59" fmla="*/ 405446 h 5486400"/>
+              <a:gd name="connsiteX60" fmla="*/ 5873568 w 11820041"/>
+              <a:gd name="connsiteY60" fmla="*/ 331089 h 5486400"/>
+              <a:gd name="connsiteX61" fmla="*/ 7793064 w 11820041"/>
+              <a:gd name="connsiteY61" fmla="*/ 0 h 5486400"/>
+              <a:gd name="connsiteX62" fmla="*/ 8204799 w 11820041"/>
+              <a:gd name="connsiteY62" fmla="*/ 14163 h 5486400"/>
+              <a:gd name="connsiteX63" fmla="*/ 8326600 w 11820041"/>
+              <a:gd name="connsiteY63" fmla="*/ 26826 h 5486400"/>
+              <a:gd name="connsiteX64" fmla="*/ 8170638 w 11820041"/>
+              <a:gd name="connsiteY64" fmla="*/ 175602 h 5486400"/>
+              <a:gd name="connsiteX65" fmla="*/ 8321445 w 11820041"/>
+              <a:gd name="connsiteY65" fmla="*/ 405532 h 5486400"/>
+              <a:gd name="connsiteX66" fmla="*/ 8166154 w 11820041"/>
+              <a:gd name="connsiteY66" fmla="*/ 390170 h 5486400"/>
+              <a:gd name="connsiteX67" fmla="*/ 7793063 w 11820041"/>
+              <a:gd name="connsiteY67" fmla="*/ 377959 h 5486400"/>
+              <a:gd name="connsiteX68" fmla="*/ 6372701 w 11820041"/>
+              <a:gd name="connsiteY68" fmla="*/ 563831 h 5486400"/>
+              <a:gd name="connsiteX69" fmla="*/ 6139158 w 11820041"/>
+              <a:gd name="connsiteY69" fmla="*/ 636754 h 5486400"/>
+              <a:gd name="connsiteX70" fmla="*/ 6155521 w 11820041"/>
+              <a:gd name="connsiteY70" fmla="*/ 647654 h 5486400"/>
+              <a:gd name="connsiteX71" fmla="*/ 6019887 w 11820041"/>
+              <a:gd name="connsiteY71" fmla="*/ 681913 h 5486400"/>
+              <a:gd name="connsiteX72" fmla="*/ 6009512 w 11820041"/>
+              <a:gd name="connsiteY72" fmla="*/ 685643 h 5486400"/>
+              <a:gd name="connsiteX73" fmla="*/ 5833841 w 11820041"/>
+              <a:gd name="connsiteY73" fmla="*/ 695899 h 5486400"/>
+              <a:gd name="connsiteX74" fmla="*/ 5540561 w 11820041"/>
+              <a:gd name="connsiteY74" fmla="*/ 686933 h 5486400"/>
+              <a:gd name="connsiteX75" fmla="*/ 5260141 w 11820041"/>
+              <a:gd name="connsiteY75" fmla="*/ 655652 h 5486400"/>
+              <a:gd name="connsiteX76" fmla="*/ 5202955 w 11820041"/>
+              <a:gd name="connsiteY76" fmla="*/ 644321 h 5486400"/>
+              <a:gd name="connsiteX77" fmla="*/ 5231534 w 11820041"/>
+              <a:gd name="connsiteY77" fmla="*/ 626413 h 5486400"/>
+              <a:gd name="connsiteX78" fmla="*/ 5233885 w 11820041"/>
+              <a:gd name="connsiteY78" fmla="*/ 625215 h 5486400"/>
+              <a:gd name="connsiteX79" fmla="*/ 5052603 w 11820041"/>
+              <a:gd name="connsiteY79" fmla="*/ 563831 h 5486400"/>
+              <a:gd name="connsiteX80" fmla="*/ 4971581 w 11820041"/>
+              <a:gd name="connsiteY80" fmla="*/ 542986 h 5486400"/>
+              <a:gd name="connsiteX81" fmla="*/ 4771703 w 11820041"/>
+              <a:gd name="connsiteY81" fmla="*/ 472864 h 5486400"/>
+              <a:gd name="connsiteX82" fmla="*/ 4030851 w 11820041"/>
+              <a:gd name="connsiteY82" fmla="*/ 365503 h 5486400"/>
+              <a:gd name="connsiteX83" fmla="*/ 3776126 w 11820041"/>
+              <a:gd name="connsiteY83" fmla="*/ 377832 h 5486400"/>
+              <a:gd name="connsiteX84" fmla="*/ 3768934 w 11820041"/>
+              <a:gd name="connsiteY84" fmla="*/ 378884 h 5486400"/>
+              <a:gd name="connsiteX85" fmla="*/ 3742840 w 11820041"/>
+              <a:gd name="connsiteY85" fmla="*/ 377959 h 5486400"/>
+              <a:gd name="connsiteX86" fmla="*/ 3064699 w 11820041"/>
+              <a:gd name="connsiteY86" fmla="*/ 426012 h 5486400"/>
+              <a:gd name="connsiteX87" fmla="*/ 2834420 w 11820041"/>
+              <a:gd name="connsiteY87" fmla="*/ 467632 h 5486400"/>
+              <a:gd name="connsiteX88" fmla="*/ 2691539 w 11820041"/>
+              <a:gd name="connsiteY88" fmla="*/ 352585 h 5486400"/>
+              <a:gd name="connsiteX89" fmla="*/ 2836912 w 11820041"/>
+              <a:gd name="connsiteY89" fmla="*/ 84305 h 5486400"/>
+              <a:gd name="connsiteX90" fmla="*/ 2988529 w 11820041"/>
+              <a:gd name="connsiteY90" fmla="*/ 55732 h 5486400"/>
+              <a:gd name="connsiteX91" fmla="*/ 3742843 w 11820041"/>
+              <a:gd name="connsiteY91" fmla="*/ 0 h 5486400"/>
+            </a:gdLst>
+            <a:ahLst/>
+            <a:cxnLst>
+              <a:cxn ang="0">
+                <a:pos x="connsiteX0" y="connsiteY0"/>
+              </a:cxn>
+              <a:cxn ang="0">
+                <a:pos x="connsiteX1" y="connsiteY1"/>
+              </a:cxn>
+              <a:cxn ang="0">
+                <a:pos x="connsiteX2" y="connsiteY2"/>
+              </a:cxn>
+              <a:cxn ang="0">
+                <a:pos x="connsiteX3" y="connsiteY3"/>
+              </a:cxn>
+              <a:cxn ang="0">
+                <a:pos x="connsiteX4" y="connsiteY4"/>
+              </a:cxn>
+              <a:cxn ang="0">
+                <a:pos x="connsiteX5" y="connsiteY5"/>
+              </a:cxn>
+              <a:cxn ang="0">
+                <a:pos x="connsiteX6" y="connsiteY6"/>
+              </a:cxn>
+              <a:cxn ang="0">
+                <a:pos x="connsiteX7" y="connsiteY7"/>
+              </a:cxn>
+              <a:cxn ang="0">
+                <a:pos x="connsiteX8" y="connsiteY8"/>
+              </a:cxn>
+              <a:cxn ang="0">
+                <a:pos x="connsiteX9" y="connsiteY9"/>
+              </a:cxn>
+              <a:cxn ang="0">
+                <a:pos x="connsiteX10" y="connsiteY10"/>
+              </a:cxn>
+              <a:cxn ang="0">
+                <a:pos x="connsiteX11" y="connsiteY11"/>
+              </a:cxn>
+              <a:cxn ang="0">
+                <a:pos x="connsiteX12" y="connsiteY12"/>
+              </a:cxn>
+              <a:cxn ang="0">
+                <a:pos x="connsiteX13" y="connsiteY13"/>
+              </a:cxn>
+              <a:cxn ang="0">
+                <a:pos x="connsiteX14" y="connsiteY14"/>
+              </a:cxn>
+              <a:cxn ang="0">
+                <a:pos x="connsiteX15" y="connsiteY15"/>
+              </a:cxn>
+              <a:cxn ang="0">
+                <a:pos x="connsiteX16" y="connsiteY16"/>
+              </a:cxn>
+              <a:cxn ang="0">
+                <a:pos x="connsiteX17" y="connsiteY17"/>
+              </a:cxn>
+              <a:cxn ang="0">
+                <a:pos x="connsiteX18" y="connsiteY18"/>
+              </a:cxn>
+              <a:cxn ang="0">
+                <a:pos x="connsiteX19" y="connsiteY19"/>
+              </a:cxn>
+              <a:cxn ang="0">
+                <a:pos x="connsiteX20" y="connsiteY20"/>
+              </a:cxn>
+              <a:cxn ang="0">
+                <a:pos x="connsiteX21" y="connsiteY21"/>
+              </a:cxn>
+              <a:cxn ang="0">
+                <a:pos x="connsiteX22" y="connsiteY22"/>
+              </a:cxn>
+              <a:cxn ang="0">
+                <a:pos x="connsiteX23" y="connsiteY23"/>
+              </a:cxn>
+              <a:cxn ang="0">
+                <a:pos x="connsiteX24" y="connsiteY24"/>
+              </a:cxn>
+              <a:cxn ang="0">
+                <a:pos x="connsiteX25" y="connsiteY25"/>
+              </a:cxn>
+              <a:cxn ang="0">
+                <a:pos x="connsiteX26" y="connsiteY26"/>
+              </a:cxn>
+              <a:cxn ang="0">
+                <a:pos x="connsiteX27" y="connsiteY27"/>
+              </a:cxn>
+              <a:cxn ang="0">
+                <a:pos x="connsiteX28" y="connsiteY28"/>
+              </a:cxn>
+              <a:cxn ang="0">
+                <a:pos x="connsiteX29" y="connsiteY29"/>
+              </a:cxn>
+              <a:cxn ang="0">
+                <a:pos x="connsiteX30" y="connsiteY30"/>
+              </a:cxn>
+              <a:cxn ang="0">
+                <a:pos x="connsiteX31" y="connsiteY31"/>
+              </a:cxn>
+              <a:cxn ang="0">
+                <a:pos x="connsiteX32" y="connsiteY32"/>
+              </a:cxn>
+              <a:cxn ang="0">
+                <a:pos x="connsiteX33" y="connsiteY33"/>
+              </a:cxn>
+              <a:cxn ang="0">
+                <a:pos x="connsiteX34" y="connsiteY34"/>
+              </a:cxn>
+              <a:cxn ang="0">
+                <a:pos x="connsiteX35" y="connsiteY35"/>
+              </a:cxn>
+              <a:cxn ang="0">
+                <a:pos x="connsiteX36" y="connsiteY36"/>
+              </a:cxn>
+              <a:cxn ang="0">
+                <a:pos x="connsiteX37" y="connsiteY37"/>
+              </a:cxn>
+              <a:cxn ang="0">
+                <a:pos x="connsiteX38" y="connsiteY38"/>
+              </a:cxn>
+              <a:cxn ang="0">
+                <a:pos x="connsiteX39" y="connsiteY39"/>
+              </a:cxn>
+              <a:cxn ang="0">
+                <a:pos x="connsiteX40" y="connsiteY40"/>
+              </a:cxn>
+              <a:cxn ang="0">
+                <a:pos x="connsiteX41" y="connsiteY41"/>
+              </a:cxn>
+              <a:cxn ang="0">
+                <a:pos x="connsiteX42" y="connsiteY42"/>
+              </a:cxn>
+              <a:cxn ang="0">
+                <a:pos x="connsiteX43" y="connsiteY43"/>
+              </a:cxn>
+              <a:cxn ang="0">
+                <a:pos x="connsiteX44" y="connsiteY44"/>
+              </a:cxn>
+              <a:cxn ang="0">
+                <a:pos x="connsiteX45" y="connsiteY45"/>
+              </a:cxn>
+              <a:cxn ang="0">
+                <a:pos x="connsiteX46" y="connsiteY46"/>
+              </a:cxn>
+              <a:cxn ang="0">
+                <a:pos x="connsiteX47" y="connsiteY47"/>
+              </a:cxn>
+              <a:cxn ang="0">
+                <a:pos x="connsiteX48" y="connsiteY48"/>
+              </a:cxn>
+              <a:cxn ang="0">
+                <a:pos x="connsiteX49" y="connsiteY49"/>
+              </a:cxn>
+              <a:cxn ang="0">
+                <a:pos x="connsiteX50" y="connsiteY50"/>
+              </a:cxn>
+              <a:cxn ang="0">
+                <a:pos x="connsiteX51" y="connsiteY51"/>
+              </a:cxn>
+              <a:cxn ang="0">
+                <a:pos x="connsiteX52" y="connsiteY52"/>
+              </a:cxn>
+              <a:cxn ang="0">
+                <a:pos x="connsiteX53" y="connsiteY53"/>
+              </a:cxn>
+              <a:cxn ang="0">
+                <a:pos x="connsiteX54" y="connsiteY54"/>
+              </a:cxn>
+              <a:cxn ang="0">
+                <a:pos x="connsiteX55" y="connsiteY55"/>
+              </a:cxn>
+              <a:cxn ang="0">
+                <a:pos x="connsiteX56" y="connsiteY56"/>
+              </a:cxn>
+              <a:cxn ang="0">
+                <a:pos x="connsiteX57" y="connsiteY57"/>
+              </a:cxn>
+              <a:cxn ang="0">
+                <a:pos x="connsiteX58" y="connsiteY58"/>
+              </a:cxn>
+              <a:cxn ang="0">
+                <a:pos x="connsiteX59" y="connsiteY59"/>
+              </a:cxn>
+              <a:cxn ang="0">
+                <a:pos x="connsiteX60" y="connsiteY60"/>
+              </a:cxn>
+              <a:cxn ang="0">
+                <a:pos x="connsiteX61" y="connsiteY61"/>
+              </a:cxn>
+              <a:cxn ang="0">
+                <a:pos x="connsiteX62" y="connsiteY62"/>
+              </a:cxn>
+              <a:cxn ang="0">
+                <a:pos x="connsiteX63" y="connsiteY63"/>
+              </a:cxn>
+              <a:cxn ang="0">
+                <a:pos x="connsiteX64" y="connsiteY64"/>
+              </a:cxn>
+              <a:cxn ang="0">
+                <a:pos x="connsiteX65" y="connsiteY65"/>
+              </a:cxn>
+              <a:cxn ang="0">
+                <a:pos x="connsiteX66" y="connsiteY66"/>
+              </a:cxn>
+              <a:cxn ang="0">
+                <a:pos x="connsiteX67" y="connsiteY67"/>
+              </a:cxn>
+              <a:cxn ang="0">
+                <a:pos x="connsiteX68" y="connsiteY68"/>
+              </a:cxn>
+              <a:cxn ang="0">
+                <a:pos x="connsiteX69" y="connsiteY69"/>
+              </a:cxn>
+              <a:cxn ang="0">
+                <a:pos x="connsiteX70" y="connsiteY70"/>
+              </a:cxn>
+              <a:cxn ang="0">
+                <a:pos x="connsiteX71" y="connsiteY71"/>
+              </a:cxn>
+              <a:cxn ang="0">
+                <a:pos x="connsiteX72" y="connsiteY72"/>
+              </a:cxn>
+              <a:cxn ang="0">
+                <a:pos x="connsiteX73" y="connsiteY73"/>
+              </a:cxn>
+              <a:cxn ang="0">
+                <a:pos x="connsiteX74" y="connsiteY74"/>
+              </a:cxn>
+              <a:cxn ang="0">
+                <a:pos x="connsiteX75" y="connsiteY75"/>
+              </a:cxn>
+              <a:cxn ang="0">
+                <a:pos x="connsiteX76" y="connsiteY76"/>
+              </a:cxn>
+              <a:cxn ang="0">
+                <a:pos x="connsiteX77" y="connsiteY77"/>
+              </a:cxn>
+              <a:cxn ang="0">
+                <a:pos x="connsiteX78" y="connsiteY78"/>
+              </a:cxn>
+              <a:cxn ang="0">
+                <a:pos x="connsiteX79" y="connsiteY79"/>
+              </a:cxn>
+              <a:cxn ang="0">
+                <a:pos x="connsiteX80" y="connsiteY80"/>
+              </a:cxn>
+              <a:cxn ang="0">
+                <a:pos x="connsiteX81" y="connsiteY81"/>
+              </a:cxn>
+              <a:cxn ang="0">
+                <a:pos x="connsiteX82" y="connsiteY82"/>
+              </a:cxn>
+              <a:cxn ang="0">
+                <a:pos x="connsiteX83" y="connsiteY83"/>
+              </a:cxn>
+              <a:cxn ang="0">
+                <a:pos x="connsiteX84" y="connsiteY84"/>
+              </a:cxn>
+              <a:cxn ang="0">
+                <a:pos x="connsiteX85" y="connsiteY85"/>
+              </a:cxn>
+              <a:cxn ang="0">
+                <a:pos x="connsiteX86" y="connsiteY86"/>
+              </a:cxn>
+              <a:cxn ang="0">
+                <a:pos x="connsiteX87" y="connsiteY87"/>
+              </a:cxn>
+              <a:cxn ang="0">
+                <a:pos x="connsiteX88" y="connsiteY88"/>
+              </a:cxn>
+              <a:cxn ang="0">
+                <a:pos x="connsiteX89" y="connsiteY89"/>
+              </a:cxn>
+              <a:cxn ang="0">
+                <a:pos x="connsiteX90" y="connsiteY90"/>
+              </a:cxn>
+              <a:cxn ang="0">
+                <a:pos x="connsiteX91" y="connsiteY91"/>
+              </a:cxn>
+            </a:cxnLst>
+            <a:rect l="l" t="t" r="r" b="b"/>
+            <a:pathLst>
+              <a:path w="11820041" h="5486400">
+                <a:moveTo>
+                  <a:pt x="5903659" y="4754951"/>
+                </a:moveTo>
+                <a:lnTo>
+                  <a:pt x="6019887" y="4796740"/>
+                </a:lnTo>
+                <a:lnTo>
+                  <a:pt x="6163956" y="4833129"/>
+                </a:lnTo>
+                <a:lnTo>
+                  <a:pt x="6139158" y="4849647"/>
+                </a:lnTo>
+                <a:lnTo>
+                  <a:pt x="6372701" y="4922570"/>
+                </a:lnTo>
+                <a:cubicBezTo>
+                  <a:pt x="6809263" y="5042258"/>
+                  <a:pt x="7289239" y="5108442"/>
+                  <a:pt x="7793063" y="5108442"/>
+                </a:cubicBezTo>
+                <a:cubicBezTo>
+                  <a:pt x="7919019" y="5108442"/>
+                  <a:pt x="8043485" y="5104306"/>
+                  <a:pt x="8166154" y="5096231"/>
+                </a:cubicBezTo>
+                <a:lnTo>
+                  <a:pt x="8314055" y="5081600"/>
+                </a:lnTo>
+                <a:lnTo>
+                  <a:pt x="8505987" y="5257800"/>
+                </a:lnTo>
+                <a:lnTo>
+                  <a:pt x="8382770" y="5453735"/>
+                </a:lnTo>
+                <a:lnTo>
+                  <a:pt x="8204799" y="5472237"/>
+                </a:lnTo>
+                <a:cubicBezTo>
+                  <a:pt x="8069424" y="5481603"/>
+                  <a:pt x="7932067" y="5486400"/>
+                  <a:pt x="7793064" y="5486400"/>
+                </a:cubicBezTo>
+                <a:cubicBezTo>
+                  <a:pt x="7098052" y="5486400"/>
+                  <a:pt x="6444164" y="5366462"/>
+                  <a:pt x="5873568" y="5155311"/>
+                </a:cubicBezTo>
+                <a:lnTo>
+                  <a:pt x="5693897" y="5080955"/>
+                </a:lnTo>
+                <a:lnTo>
+                  <a:pt x="5526901" y="5155311"/>
+                </a:lnTo>
+                <a:cubicBezTo>
+                  <a:pt x="4996565" y="5366462"/>
+                  <a:pt x="4388814" y="5486400"/>
+                  <a:pt x="3742843" y="5486400"/>
+                </a:cubicBezTo>
+                <a:cubicBezTo>
+                  <a:pt x="3355259" y="5486400"/>
+                  <a:pt x="2981434" y="5443222"/>
+                  <a:pt x="2629836" y="5363071"/>
+                </a:cubicBezTo>
+                <a:lnTo>
+                  <a:pt x="2522111" y="5334174"/>
+                </a:lnTo>
+                <a:lnTo>
+                  <a:pt x="2699648" y="5185385"/>
+                </a:lnTo>
+                <a:lnTo>
+                  <a:pt x="2571132" y="4958942"/>
+                </a:lnTo>
+                <a:lnTo>
+                  <a:pt x="2781842" y="5010578"/>
+                </a:lnTo>
+                <a:cubicBezTo>
+                  <a:pt x="2980433" y="5052104"/>
+                  <a:pt x="3186706" y="5081091"/>
+                  <a:pt x="3398801" y="5096231"/>
+                </a:cubicBezTo>
+                <a:lnTo>
+                  <a:pt x="3599128" y="5103341"/>
+                </a:lnTo>
+                <a:lnTo>
+                  <a:pt x="3776126" y="5129234"/>
+                </a:lnTo>
+                <a:cubicBezTo>
+                  <a:pt x="3859878" y="5137387"/>
+                  <a:pt x="3944857" y="5141563"/>
+                  <a:pt x="4030851" y="5141563"/>
+                </a:cubicBezTo>
+                <a:cubicBezTo>
+                  <a:pt x="4374836" y="5141563"/>
+                  <a:pt x="4702537" y="5074741"/>
+                  <a:pt x="5000598" y="4953900"/>
+                </a:cubicBezTo>
+                <a:lnTo>
+                  <a:pt x="5112026" y="4902449"/>
+                </a:lnTo>
+                <a:lnTo>
+                  <a:pt x="5233885" y="4861185"/>
+                </a:lnTo>
+                <a:lnTo>
+                  <a:pt x="5231534" y="4859987"/>
+                </a:lnTo>
+                <a:lnTo>
+                  <a:pt x="5219699" y="4852572"/>
+                </a:lnTo>
+                <a:lnTo>
+                  <a:pt x="5270702" y="4822872"/>
+                </a:lnTo>
+                <a:lnTo>
+                  <a:pt x="5456827" y="4790751"/>
+                </a:lnTo>
+                <a:cubicBezTo>
+                  <a:pt x="5538455" y="4779406"/>
+                  <a:pt x="5622539" y="4770398"/>
+                  <a:pt x="5707656" y="4764023"/>
+                </a:cubicBezTo>
+                <a:close/>
+                <a:moveTo>
+                  <a:pt x="2372042" y="192483"/>
+                </a:moveTo>
+                <a:lnTo>
+                  <a:pt x="2235688" y="444118"/>
+                </a:lnTo>
+                <a:lnTo>
+                  <a:pt x="2398786" y="575442"/>
+                </a:lnTo>
+                <a:lnTo>
+                  <a:pt x="2138937" y="663430"/>
+                </a:lnTo>
+                <a:cubicBezTo>
+                  <a:pt x="1090019" y="1063959"/>
+                  <a:pt x="377958" y="1845128"/>
+                  <a:pt x="377958" y="2743200"/>
+                </a:cubicBezTo>
+                <a:cubicBezTo>
+                  <a:pt x="377958" y="3585143"/>
+                  <a:pt x="1003793" y="4324339"/>
+                  <a:pt x="1946304" y="4743475"/>
+                </a:cubicBezTo>
+                <a:lnTo>
+                  <a:pt x="2065231" y="4791201"/>
+                </a:lnTo>
+                <a:lnTo>
+                  <a:pt x="2242089" y="5102819"/>
+                </a:lnTo>
+                <a:lnTo>
+                  <a:pt x="2114045" y="5210129"/>
+                </a:lnTo>
+                <a:lnTo>
+                  <a:pt x="1958781" y="5155311"/>
+                </a:lnTo>
+                <a:cubicBezTo>
+                  <a:pt x="792043" y="4690779"/>
+                  <a:pt x="0" y="3784782"/>
+                  <a:pt x="0" y="2743200"/>
+                </a:cubicBezTo>
+                <a:cubicBezTo>
+                  <a:pt x="0" y="1606929"/>
+                  <a:pt x="942596" y="632015"/>
+                  <a:pt x="2285959" y="215575"/>
+                </a:cubicBezTo>
+                <a:close/>
+                <a:moveTo>
+                  <a:pt x="8781331" y="86681"/>
+                </a:moveTo>
+                <a:lnTo>
+                  <a:pt x="8990564" y="123329"/>
+                </a:lnTo>
+                <a:cubicBezTo>
+                  <a:pt x="10629820" y="470650"/>
+                  <a:pt x="11820041" y="1512240"/>
+                  <a:pt x="11820041" y="2743200"/>
+                </a:cubicBezTo>
+                <a:cubicBezTo>
+                  <a:pt x="11820041" y="3974160"/>
+                  <a:pt x="10629820" y="5015751"/>
+                  <a:pt x="8990564" y="5363071"/>
+                </a:cubicBezTo>
+                <a:lnTo>
+                  <a:pt x="8845778" y="5388431"/>
+                </a:lnTo>
+                <a:lnTo>
+                  <a:pt x="8966807" y="5195976"/>
+                </a:lnTo>
+                <a:lnTo>
+                  <a:pt x="8774457" y="5019391"/>
+                </a:lnTo>
+                <a:lnTo>
+                  <a:pt x="8878169" y="5002106"/>
+                </a:lnTo>
+                <a:cubicBezTo>
+                  <a:pt x="10363570" y="4702639"/>
+                  <a:pt x="11442081" y="3804558"/>
+                  <a:pt x="11442081" y="2743200"/>
+                </a:cubicBezTo>
+                <a:cubicBezTo>
+                  <a:pt x="11442081" y="1681842"/>
+                  <a:pt x="10363570" y="783762"/>
+                  <a:pt x="8878169" y="484295"/>
+                </a:cubicBezTo>
+                <a:lnTo>
+                  <a:pt x="8790701" y="469717"/>
+                </a:lnTo>
+                <a:lnTo>
+                  <a:pt x="8632556" y="228601"/>
+                </a:lnTo>
+                <a:close/>
+                <a:moveTo>
+                  <a:pt x="3742843" y="0"/>
+                </a:moveTo>
+                <a:cubicBezTo>
+                  <a:pt x="4388814" y="0"/>
+                  <a:pt x="4996565" y="119939"/>
+                  <a:pt x="5526901" y="331089"/>
+                </a:cubicBezTo>
+                <a:lnTo>
+                  <a:pt x="5693897" y="405446"/>
+                </a:lnTo>
+                <a:lnTo>
+                  <a:pt x="5873568" y="331089"/>
+                </a:lnTo>
+                <a:cubicBezTo>
+                  <a:pt x="6444164" y="119939"/>
+                  <a:pt x="7098052" y="0"/>
+                  <a:pt x="7793064" y="0"/>
+                </a:cubicBezTo>
+                <a:cubicBezTo>
+                  <a:pt x="7932067" y="0"/>
+                  <a:pt x="8069424" y="4798"/>
+                  <a:pt x="8204799" y="14163"/>
+                </a:cubicBezTo>
+                <a:lnTo>
+                  <a:pt x="8326600" y="26826"/>
+                </a:lnTo>
+                <a:lnTo>
+                  <a:pt x="8170638" y="175602"/>
+                </a:lnTo>
+                <a:lnTo>
+                  <a:pt x="8321445" y="405532"/>
+                </a:lnTo>
+                <a:lnTo>
+                  <a:pt x="8166154" y="390170"/>
+                </a:lnTo>
+                <a:cubicBezTo>
+                  <a:pt x="8043485" y="382095"/>
+                  <a:pt x="7919019" y="377959"/>
+                  <a:pt x="7793063" y="377959"/>
+                </a:cubicBezTo>
+                <a:cubicBezTo>
+                  <a:pt x="7289239" y="377959"/>
+                  <a:pt x="6809263" y="444143"/>
+                  <a:pt x="6372701" y="563831"/>
+                </a:cubicBezTo>
+                <a:lnTo>
+                  <a:pt x="6139158" y="636754"/>
+                </a:lnTo>
+                <a:lnTo>
+                  <a:pt x="6155521" y="647654"/>
+                </a:lnTo>
+                <a:lnTo>
+                  <a:pt x="6019887" y="681913"/>
+                </a:lnTo>
+                <a:lnTo>
+                  <a:pt x="6009512" y="685643"/>
+                </a:lnTo>
+                <a:lnTo>
+                  <a:pt x="5833841" y="695899"/>
+                </a:lnTo>
+                <a:cubicBezTo>
+                  <a:pt x="5740153" y="697067"/>
+                  <a:pt x="5641487" y="694179"/>
+                  <a:pt x="5540561" y="686933"/>
+                </a:cubicBezTo>
+                <a:cubicBezTo>
+                  <a:pt x="5443826" y="679989"/>
+                  <a:pt x="5349558" y="669363"/>
+                  <a:pt x="5260141" y="655652"/>
+                </a:cubicBezTo>
+                <a:lnTo>
+                  <a:pt x="5202955" y="644321"/>
+                </a:lnTo>
+                <a:lnTo>
+                  <a:pt x="5231534" y="626413"/>
+                </a:lnTo>
+                <a:lnTo>
+                  <a:pt x="5233885" y="625215"/>
+                </a:lnTo>
+                <a:lnTo>
+                  <a:pt x="5052603" y="563831"/>
+                </a:lnTo>
+                <a:lnTo>
+                  <a:pt x="4971581" y="542986"/>
+                </a:lnTo>
+                <a:lnTo>
+                  <a:pt x="4771703" y="472864"/>
+                </a:lnTo>
+                <a:cubicBezTo>
+                  <a:pt x="4537671" y="403091"/>
+                  <a:pt x="4288839" y="365503"/>
+                  <a:pt x="4030851" y="365503"/>
+                </a:cubicBezTo>
+                <a:cubicBezTo>
+                  <a:pt x="3944857" y="365503"/>
+                  <a:pt x="3859878" y="369681"/>
+                  <a:pt x="3776126" y="377832"/>
+                </a:cubicBezTo>
+                <a:lnTo>
+                  <a:pt x="3768934" y="378884"/>
+                </a:lnTo>
+                <a:lnTo>
+                  <a:pt x="3742840" y="377959"/>
+                </a:lnTo>
+                <a:cubicBezTo>
+                  <a:pt x="3510543" y="377959"/>
+                  <a:pt x="3283745" y="394504"/>
+                  <a:pt x="3064699" y="426012"/>
+                </a:cubicBezTo>
+                <a:lnTo>
+                  <a:pt x="2834420" y="467632"/>
+                </a:lnTo>
+                <a:lnTo>
+                  <a:pt x="2691539" y="352585"/>
+                </a:lnTo>
+                <a:lnTo>
+                  <a:pt x="2836912" y="84305"/>
+                </a:lnTo>
+                <a:lnTo>
+                  <a:pt x="2988529" y="55732"/>
+                </a:lnTo>
+                <a:cubicBezTo>
+                  <a:pt x="3232179" y="19191"/>
+                  <a:pt x="3484454" y="0"/>
+                  <a:pt x="3742843" y="0"/>
+                </a:cubicBezTo>
+                <a:close/>
+              </a:path>
+            </a:pathLst>
+          </a:custGeom>
+        </p:spPr>
+        <p:style>
+          <a:lnRef idx="2">
+            <a:schemeClr val="accent1">
+              <a:shade val="15000"/>
+            </a:schemeClr>
+          </a:lnRef>
+          <a:fillRef idx="1">
+            <a:schemeClr val="accent1"/>
+          </a:fillRef>
+          <a:effectRef idx="0">
+            <a:schemeClr val="accent1"/>
+          </a:effectRef>
+          <a:fontRef idx="minor">
+            <a:schemeClr val="lt1"/>
+          </a:fontRef>
+        </p:style>
+        <p:txBody>
+          <a:bodyPr wrap="square" rtlCol="0" anchor="ctr">
+            <a:noAutofit/>
+          </a:bodyPr>
+          <a:lstStyle/>
+          <a:p>
+            <a:pPr algn="ctr"/>
+            <a:endParaRPr lang="en-US">
+              <a:solidFill>
+                <a:schemeClr val="tx1"/>
+              </a:solidFill>
+            </a:endParaRPr>
+          </a:p>
+        </p:txBody>
+      </p:sp>
+    </p:spTree>
+    <p:extLst>
+      <p:ext uri="{BB962C8B-B14F-4D97-AF65-F5344CB8AC3E}">
+        <p14:creationId xmlns:p14="http://schemas.microsoft.com/office/powerpoint/2010/main" val="495565156"/>
       </p:ext>
     </p:extLst>
   </p:cSld>
